--- a/latex/project-pj/figure.pptx
+++ b/latex/project-pj/figure.pptx
@@ -5,7 +5,7 @@
     <p:sldMasterId id="2147483648" r:id="rId1"/>
   </p:sldMasterIdLst>
   <p:notesMasterIdLst>
-    <p:notesMasterId r:id="rId28"/>
+    <p:notesMasterId r:id="rId29"/>
   </p:notesMasterIdLst>
   <p:sldIdLst>
     <p:sldId id="256" r:id="rId2"/>
@@ -25,15 +25,16 @@
     <p:sldId id="261" r:id="rId16"/>
     <p:sldId id="263" r:id="rId17"/>
     <p:sldId id="264" r:id="rId18"/>
-    <p:sldId id="281" r:id="rId19"/>
-    <p:sldId id="265" r:id="rId20"/>
-    <p:sldId id="283" r:id="rId21"/>
-    <p:sldId id="266" r:id="rId22"/>
-    <p:sldId id="267" r:id="rId23"/>
-    <p:sldId id="268" r:id="rId24"/>
-    <p:sldId id="276" r:id="rId25"/>
-    <p:sldId id="280" r:id="rId26"/>
-    <p:sldId id="282" r:id="rId27"/>
+    <p:sldId id="284" r:id="rId19"/>
+    <p:sldId id="281" r:id="rId20"/>
+    <p:sldId id="265" r:id="rId21"/>
+    <p:sldId id="283" r:id="rId22"/>
+    <p:sldId id="266" r:id="rId23"/>
+    <p:sldId id="267" r:id="rId24"/>
+    <p:sldId id="268" r:id="rId25"/>
+    <p:sldId id="276" r:id="rId26"/>
+    <p:sldId id="280" r:id="rId27"/>
+    <p:sldId id="282" r:id="rId28"/>
   </p:sldIdLst>
   <p:sldSz cx="9144000" cy="6858000" type="screen4x3"/>
   <p:notesSz cx="6858000" cy="9144000"/>
@@ -218,7 +219,7 @@
             <a:fld id="{4565EE35-A9EC-0741-9821-D1C66731DA23}" type="datetimeFigureOut">
               <a:rPr lang="en-US" smtClean="0"/>
               <a:pPr/>
-              <a:t>6/4/10</a:t>
+              <a:t>6/20/10</a:t>
             </a:fld>
             <a:endParaRPr lang="en-US"/>
           </a:p>
@@ -1796,6 +1797,88 @@
 </p:notes>
 </file>
 
+<file path=ppt/notesSlides/notesSlide24.xml><?xml version="1.0" encoding="utf-8"?>
+<p:notes xmlns:a="http://schemas.openxmlformats.org/drawingml/2006/main" xmlns:r="http://schemas.openxmlformats.org/officeDocument/2006/relationships" xmlns:mc="http://schemas.openxmlformats.org/markup-compatibility/2006" xmlns:mv="urn:schemas-microsoft-com:mac:vml" xmlns:p="http://schemas.openxmlformats.org/presentationml/2006/main" mc:Ignorable="mv" mc:PreserveAttributes="mv:*">
+  <p:cSld>
+    <p:spTree>
+      <p:nvGrpSpPr>
+        <p:cNvPr id="1" name=""/>
+        <p:cNvGrpSpPr/>
+        <p:nvPr/>
+      </p:nvGrpSpPr>
+      <p:grpSpPr>
+        <a:xfrm>
+          <a:off x="0" y="0"/>
+          <a:ext cx="0" cy="0"/>
+          <a:chOff x="0" y="0"/>
+          <a:chExt cx="0" cy="0"/>
+        </a:xfrm>
+      </p:grpSpPr>
+      <p:sp>
+        <p:nvSpPr>
+          <p:cNvPr id="2" name="Slide Image Placeholder 1"/>
+          <p:cNvSpPr>
+            <a:spLocks noGrp="1" noRot="1" noChangeAspect="1"/>
+          </p:cNvSpPr>
+          <p:nvPr>
+            <p:ph type="sldImg"/>
+          </p:nvPr>
+        </p:nvSpPr>
+        <p:spPr/>
+      </p:sp>
+      <p:sp>
+        <p:nvSpPr>
+          <p:cNvPr id="3" name="Notes Placeholder 2"/>
+          <p:cNvSpPr>
+            <a:spLocks noGrp="1"/>
+          </p:cNvSpPr>
+          <p:nvPr>
+            <p:ph type="body" idx="1"/>
+          </p:nvPr>
+        </p:nvSpPr>
+        <p:spPr/>
+        <p:txBody>
+          <a:bodyPr>
+            <a:normAutofit/>
+          </a:bodyPr>
+          <a:lstStyle/>
+          <a:p>
+            <a:endParaRPr lang="en-US" dirty="0"/>
+          </a:p>
+        </p:txBody>
+      </p:sp>
+      <p:sp>
+        <p:nvSpPr>
+          <p:cNvPr id="4" name="Slide Number Placeholder 3"/>
+          <p:cNvSpPr>
+            <a:spLocks noGrp="1"/>
+          </p:cNvSpPr>
+          <p:nvPr>
+            <p:ph type="sldNum" sz="quarter" idx="10"/>
+          </p:nvPr>
+        </p:nvSpPr>
+        <p:spPr/>
+        <p:txBody>
+          <a:bodyPr/>
+          <a:lstStyle/>
+          <a:p>
+            <a:fld id="{21C2F4A8-CA4D-4149-B01A-8595782A7C23}" type="slidenum">
+              <a:rPr lang="en-US" smtClean="0"/>
+              <a:pPr/>
+              <a:t>27</a:t>
+            </a:fld>
+            <a:endParaRPr lang="en-US"/>
+          </a:p>
+        </p:txBody>
+      </p:sp>
+    </p:spTree>
+  </p:cSld>
+  <p:clrMapOvr>
+    <a:masterClrMapping/>
+  </p:clrMapOvr>
+</p:notes>
+</file>
+
 <file path=ppt/notesSlides/notesSlide3.xml><?xml version="1.0" encoding="utf-8"?>
 <p:notes xmlns:a="http://schemas.openxmlformats.org/drawingml/2006/main" xmlns:r="http://schemas.openxmlformats.org/officeDocument/2006/relationships" xmlns:mc="http://schemas.openxmlformats.org/markup-compatibility/2006" xmlns:mv="urn:schemas-microsoft-com:mac:vml" xmlns:p="http://schemas.openxmlformats.org/presentationml/2006/main" mc:Ignorable="mv" mc:PreserveAttributes="mv:*">
   <p:cSld>
@@ -2552,7 +2635,7 @@
             <a:fld id="{7E1BF3D0-F69C-E045-B0FC-F94C7C40D217}" type="datetimeFigureOut">
               <a:rPr lang="en-US" smtClean="0"/>
               <a:pPr/>
-              <a:t>6/4/10</a:t>
+              <a:t>6/20/10</a:t>
             </a:fld>
             <a:endParaRPr lang="en-US"/>
           </a:p>
@@ -2719,7 +2802,7 @@
             <a:fld id="{7E1BF3D0-F69C-E045-B0FC-F94C7C40D217}" type="datetimeFigureOut">
               <a:rPr lang="en-US" smtClean="0"/>
               <a:pPr/>
-              <a:t>6/4/10</a:t>
+              <a:t>6/20/10</a:t>
             </a:fld>
             <a:endParaRPr lang="en-US"/>
           </a:p>
@@ -2896,7 +2979,7 @@
             <a:fld id="{7E1BF3D0-F69C-E045-B0FC-F94C7C40D217}" type="datetimeFigureOut">
               <a:rPr lang="en-US" smtClean="0"/>
               <a:pPr/>
-              <a:t>6/4/10</a:t>
+              <a:t>6/20/10</a:t>
             </a:fld>
             <a:endParaRPr lang="en-US"/>
           </a:p>
@@ -3063,7 +3146,7 @@
             <a:fld id="{7E1BF3D0-F69C-E045-B0FC-F94C7C40D217}" type="datetimeFigureOut">
               <a:rPr lang="en-US" smtClean="0"/>
               <a:pPr/>
-              <a:t>6/4/10</a:t>
+              <a:t>6/20/10</a:t>
             </a:fld>
             <a:endParaRPr lang="en-US"/>
           </a:p>
@@ -3306,7 +3389,7 @@
             <a:fld id="{7E1BF3D0-F69C-E045-B0FC-F94C7C40D217}" type="datetimeFigureOut">
               <a:rPr lang="en-US" smtClean="0"/>
               <a:pPr/>
-              <a:t>6/4/10</a:t>
+              <a:t>6/20/10</a:t>
             </a:fld>
             <a:endParaRPr lang="en-US"/>
           </a:p>
@@ -3591,7 +3674,7 @@
             <a:fld id="{7E1BF3D0-F69C-E045-B0FC-F94C7C40D217}" type="datetimeFigureOut">
               <a:rPr lang="en-US" smtClean="0"/>
               <a:pPr/>
-              <a:t>6/4/10</a:t>
+              <a:t>6/20/10</a:t>
             </a:fld>
             <a:endParaRPr lang="en-US"/>
           </a:p>
@@ -4010,7 +4093,7 @@
             <a:fld id="{7E1BF3D0-F69C-E045-B0FC-F94C7C40D217}" type="datetimeFigureOut">
               <a:rPr lang="en-US" smtClean="0"/>
               <a:pPr/>
-              <a:t>6/4/10</a:t>
+              <a:t>6/20/10</a:t>
             </a:fld>
             <a:endParaRPr lang="en-US"/>
           </a:p>
@@ -4125,7 +4208,7 @@
             <a:fld id="{7E1BF3D0-F69C-E045-B0FC-F94C7C40D217}" type="datetimeFigureOut">
               <a:rPr lang="en-US" smtClean="0"/>
               <a:pPr/>
-              <a:t>6/4/10</a:t>
+              <a:t>6/20/10</a:t>
             </a:fld>
             <a:endParaRPr lang="en-US"/>
           </a:p>
@@ -4217,7 +4300,7 @@
             <a:fld id="{7E1BF3D0-F69C-E045-B0FC-F94C7C40D217}" type="datetimeFigureOut">
               <a:rPr lang="en-US" smtClean="0"/>
               <a:pPr/>
-              <a:t>6/4/10</a:t>
+              <a:t>6/20/10</a:t>
             </a:fld>
             <a:endParaRPr lang="en-US"/>
           </a:p>
@@ -4491,7 +4574,7 @@
             <a:fld id="{7E1BF3D0-F69C-E045-B0FC-F94C7C40D217}" type="datetimeFigureOut">
               <a:rPr lang="en-US" smtClean="0"/>
               <a:pPr/>
-              <a:t>6/4/10</a:t>
+              <a:t>6/20/10</a:t>
             </a:fld>
             <a:endParaRPr lang="en-US"/>
           </a:p>
@@ -4741,7 +4824,7 @@
             <a:fld id="{7E1BF3D0-F69C-E045-B0FC-F94C7C40D217}" type="datetimeFigureOut">
               <a:rPr lang="en-US" smtClean="0"/>
               <a:pPr/>
-              <a:t>6/4/10</a:t>
+              <a:t>6/20/10</a:t>
             </a:fld>
             <a:endParaRPr lang="en-US"/>
           </a:p>
@@ -4951,7 +5034,7 @@
             <a:fld id="{7E1BF3D0-F69C-E045-B0FC-F94C7C40D217}" type="datetimeFigureOut">
               <a:rPr lang="en-US" smtClean="0"/>
               <a:pPr/>
-              <a:t>6/4/10</a:t>
+              <a:t>6/20/10</a:t>
             </a:fld>
             <a:endParaRPr lang="en-US"/>
           </a:p>
@@ -17270,8 +17353,8 @@
         </p:nvSpPr>
         <p:spPr>
           <a:xfrm>
-            <a:off x="2476501" y="1879600"/>
-            <a:ext cx="2273300" cy="3225800"/>
+            <a:off x="876300" y="2020929"/>
+            <a:ext cx="2520951" cy="3225800"/>
           </a:xfrm>
           <a:prstGeom prst="rect">
             <a:avLst/>
@@ -17316,7 +17399,7 @@
         </p:nvSpPr>
         <p:spPr>
           <a:xfrm>
-            <a:off x="2552701" y="799512"/>
+            <a:off x="1416051" y="940841"/>
             <a:ext cx="2579511" cy="461665"/>
           </a:xfrm>
           <a:prstGeom prst="rect">
@@ -17346,7 +17429,7 @@
         </p:nvSpPr>
         <p:spPr>
           <a:xfrm>
-            <a:off x="6589884" y="759180"/>
+            <a:off x="5453234" y="900509"/>
             <a:ext cx="2579511" cy="461665"/>
           </a:xfrm>
           <a:prstGeom prst="rect">
@@ -17376,7 +17459,7 @@
         </p:nvSpPr>
         <p:spPr>
           <a:xfrm>
-            <a:off x="6007853" y="2171700"/>
+            <a:off x="4871203" y="2313029"/>
             <a:ext cx="2017887" cy="1209697"/>
           </a:xfrm>
           <a:prstGeom prst="rect">
@@ -17417,7 +17500,7 @@
         </p:nvSpPr>
         <p:spPr>
           <a:xfrm>
-            <a:off x="6589884" y="1471414"/>
+            <a:off x="5453234" y="1612743"/>
             <a:ext cx="2324101" cy="3225800"/>
           </a:xfrm>
           <a:prstGeom prst="rect">
@@ -17463,7 +17546,7 @@
         </p:nvSpPr>
         <p:spPr>
           <a:xfrm>
-            <a:off x="6223000" y="1665111"/>
+            <a:off x="5086350" y="1806440"/>
             <a:ext cx="2324101" cy="3225800"/>
           </a:xfrm>
           <a:prstGeom prst="rect">
@@ -17509,7 +17592,7 @@
         </p:nvSpPr>
         <p:spPr>
           <a:xfrm>
-            <a:off x="5859633" y="1879600"/>
+            <a:off x="4722983" y="2020929"/>
             <a:ext cx="2324101" cy="3225800"/>
           </a:xfrm>
           <a:prstGeom prst="rect">
@@ -17555,8 +17638,8 @@
         </p:nvSpPr>
         <p:spPr>
           <a:xfrm>
-            <a:off x="6134854" y="3705355"/>
-            <a:ext cx="1802648" cy="1320581"/>
+            <a:off x="4998204" y="2313028"/>
+            <a:ext cx="1802648" cy="2739937"/>
           </a:xfrm>
           <a:prstGeom prst="rect">
             <a:avLst/>
@@ -17596,8 +17679,8 @@
         </p:nvSpPr>
         <p:spPr>
           <a:xfrm>
-            <a:off x="6376153" y="3781556"/>
-            <a:ext cx="1561348" cy="1569660"/>
+            <a:off x="4871202" y="2313029"/>
+            <a:ext cx="2017887" cy="2677656"/>
           </a:xfrm>
           <a:prstGeom prst="rect">
             <a:avLst/>
@@ -17611,24 +17694,46 @@
           <a:lstStyle/>
           <a:p>
             <a:r>
+              <a:rPr lang="en-US" sz="2400" b="1" i="1" dirty="0" smtClean="0"/>
+              <a:t>  Child Process</a:t>
+            </a:r>
+          </a:p>
+          <a:p>
+            <a:endParaRPr lang="en-US" sz="2400" b="1" i="1" dirty="0" smtClean="0"/>
+          </a:p>
+          <a:p>
+            <a:r>
               <a:rPr lang="en-US" sz="2400" dirty="0" smtClean="0"/>
-              <a:t>     Job </a:t>
-            </a:r>
+              <a:t> </a:t>
+            </a:r>
+          </a:p>
+          <a:p>
+            <a:endParaRPr lang="en-US" sz="2400" dirty="0" smtClean="0"/>
           </a:p>
           <a:p>
             <a:r>
               <a:rPr lang="en-US" sz="2400" dirty="0" smtClean="0"/>
-              <a:t> Backend </a:t>
-            </a:r>
+              <a:t> </a:t>
+            </a:r>
+            <a:r>
+              <a:rPr lang="en-US" sz="2400" dirty="0" err="1" smtClean="0"/>
+              <a:t>MPI_Init</a:t>
+            </a:r>
+            <a:endParaRPr lang="en-US" sz="2400" dirty="0" smtClean="0"/>
+          </a:p>
+          <a:p>
+            <a:endParaRPr lang="en-US" sz="2400" dirty="0" smtClean="0"/>
           </a:p>
           <a:p>
             <a:r>
               <a:rPr lang="en-US" sz="2400" dirty="0" smtClean="0"/>
-              <a:t>  Process</a:t>
-            </a:r>
-          </a:p>
-          <a:p>
-            <a:endParaRPr lang="en-US" sz="2400" dirty="0"/>
+              <a:t> </a:t>
+            </a:r>
+            <a:r>
+              <a:rPr lang="en-US" sz="2400" dirty="0" err="1" smtClean="0"/>
+              <a:t>MPI_Finalize</a:t>
+            </a:r>
+            <a:endParaRPr lang="en-US" sz="2400" dirty="0" smtClean="0"/>
           </a:p>
         </p:txBody>
       </p:sp>
@@ -17640,8 +17745,8 @@
         </p:nvSpPr>
         <p:spPr>
           <a:xfrm>
-            <a:off x="2700921" y="3621129"/>
-            <a:ext cx="1802648" cy="1257082"/>
+            <a:off x="1028700" y="2313029"/>
+            <a:ext cx="2185819" cy="2706511"/>
           </a:xfrm>
           <a:prstGeom prst="rect">
             <a:avLst/>
@@ -17681,8 +17786,8 @@
         </p:nvSpPr>
         <p:spPr>
           <a:xfrm>
-            <a:off x="2904120" y="3633829"/>
-            <a:ext cx="1561348" cy="1569660"/>
+            <a:off x="971551" y="2262228"/>
+            <a:ext cx="2366430" cy="3416320"/>
           </a:xfrm>
           <a:prstGeom prst="rect">
             <a:avLst/>
@@ -17696,21 +17801,42 @@
           <a:lstStyle/>
           <a:p>
             <a:r>
-              <a:rPr lang="en-US" sz="2400" dirty="0" smtClean="0"/>
-              <a:t>     Job </a:t>
-            </a:r>
-          </a:p>
-          <a:p>
-            <a:r>
-              <a:rPr lang="en-US" sz="2400" dirty="0" smtClean="0"/>
-              <a:t>Frontend </a:t>
-            </a:r>
-          </a:p>
-          <a:p>
-            <a:r>
-              <a:rPr lang="en-US" sz="2400" dirty="0" smtClean="0"/>
-              <a:t>  Process</a:t>
-            </a:r>
+              <a:rPr lang="en-US" sz="2400" b="1" i="1" dirty="0" smtClean="0"/>
+              <a:t>Parent Process</a:t>
+            </a:r>
+          </a:p>
+          <a:p>
+            <a:endParaRPr lang="en-US" sz="2400" dirty="0" smtClean="0"/>
+          </a:p>
+          <a:p>
+            <a:r>
+              <a:rPr lang="en-US" sz="2400" dirty="0" err="1" smtClean="0"/>
+              <a:t>MPI_Init</a:t>
+            </a:r>
+            <a:endParaRPr lang="en-US" sz="2400" dirty="0" smtClean="0"/>
+          </a:p>
+          <a:p>
+            <a:endParaRPr lang="en-US" sz="2400" dirty="0" smtClean="0"/>
+          </a:p>
+          <a:p>
+            <a:r>
+              <a:rPr lang="en-US" sz="2400" dirty="0" err="1" smtClean="0"/>
+              <a:t>MPI_Com_spawn</a:t>
+            </a:r>
+            <a:endParaRPr lang="en-US" sz="2400" dirty="0" smtClean="0"/>
+          </a:p>
+          <a:p>
+            <a:endParaRPr lang="en-US" sz="2400" dirty="0" smtClean="0"/>
+          </a:p>
+          <a:p>
+            <a:r>
+              <a:rPr lang="en-US" sz="2400" dirty="0" err="1" smtClean="0"/>
+              <a:t>MPI_Finalize</a:t>
+            </a:r>
+            <a:endParaRPr lang="en-US" sz="2400" dirty="0" smtClean="0"/>
+          </a:p>
+          <a:p>
+            <a:endParaRPr lang="en-US" sz="2400" dirty="0" smtClean="0"/>
           </a:p>
           <a:p>
             <a:endParaRPr lang="en-US" sz="2400" dirty="0"/>
@@ -17725,7 +17851,7 @@
         </p:nvCxnSpPr>
         <p:spPr>
           <a:xfrm>
-            <a:off x="4503569" y="4165600"/>
+            <a:off x="3366919" y="4078329"/>
             <a:ext cx="1631285" cy="1588"/>
           </a:xfrm>
           <a:prstGeom prst="straightConnector1">
@@ -17761,7 +17887,7 @@
         </p:nvSpPr>
         <p:spPr>
           <a:xfrm>
-            <a:off x="4906431" y="3744714"/>
+            <a:off x="3655481" y="3581243"/>
             <a:ext cx="2644447" cy="830997"/>
           </a:xfrm>
           <a:prstGeom prst="rect">
@@ -17777,7 +17903,7 @@
           <a:p>
             <a:r>
               <a:rPr lang="en-US" sz="2400" dirty="0" smtClean="0"/>
-              <a:t>Job</a:t>
+              <a:t>Spawn </a:t>
             </a:r>
           </a:p>
           <a:p>
@@ -17787,55 +17913,14 @@
       </p:sp>
       <p:sp>
         <p:nvSpPr>
-          <p:cNvPr id="79" name="Rectangle 78"/>
-          <p:cNvSpPr/>
-          <p:nvPr/>
-        </p:nvSpPr>
-        <p:spPr>
-          <a:xfrm>
-            <a:off x="249820" y="2197318"/>
-            <a:ext cx="1248780" cy="1200328"/>
-          </a:xfrm>
-          <a:prstGeom prst="rect">
-            <a:avLst/>
-          </a:prstGeom>
-          <a:solidFill>
-            <a:schemeClr val="bg1"/>
-          </a:solidFill>
-        </p:spPr>
-        <p:style>
-          <a:lnRef idx="1">
-            <a:schemeClr val="accent1"/>
-          </a:lnRef>
-          <a:fillRef idx="3">
-            <a:schemeClr val="accent1"/>
-          </a:fillRef>
-          <a:effectRef idx="2">
-            <a:schemeClr val="accent1"/>
-          </a:effectRef>
-          <a:fontRef idx="minor">
-            <a:schemeClr val="lt1"/>
-          </a:fontRef>
-        </p:style>
-        <p:txBody>
-          <a:bodyPr rtlCol="0" anchor="ctr"/>
-          <a:lstStyle/>
-          <a:p>
-            <a:pPr algn="ctr"/>
-            <a:endParaRPr lang="en-US"/>
-          </a:p>
-        </p:txBody>
-      </p:sp>
-      <p:sp>
-        <p:nvSpPr>
-          <p:cNvPr id="80" name="TextBox 79"/>
+          <p:cNvPr id="30" name="TextBox 29"/>
           <p:cNvSpPr txBox="1"/>
           <p:nvPr/>
         </p:nvSpPr>
         <p:spPr>
           <a:xfrm>
-            <a:off x="338720" y="1981418"/>
-            <a:ext cx="1561348" cy="1569660"/>
+            <a:off x="3503081" y="4063843"/>
+            <a:ext cx="2644447" cy="830997"/>
           </a:xfrm>
           <a:prstGeom prst="rect">
             <a:avLst/>
@@ -17850,19 +17935,7 @@
           <a:p>
             <a:r>
               <a:rPr lang="en-US" sz="2400" dirty="0" smtClean="0"/>
-              <a:t> </a:t>
-            </a:r>
-          </a:p>
-          <a:p>
-            <a:r>
-              <a:rPr lang="en-US" sz="2400" dirty="0" smtClean="0"/>
-              <a:t> Web</a:t>
-            </a:r>
-          </a:p>
-          <a:p>
-            <a:r>
-              <a:rPr lang="en-US" sz="2400" dirty="0" smtClean="0"/>
-              <a:t>Browse</a:t>
+              <a:t>Message</a:t>
             </a:r>
           </a:p>
           <a:p>
@@ -17870,57 +17943,52 @@
           </a:p>
         </p:txBody>
       </p:sp>
-      <p:sp>
-        <p:nvSpPr>
-          <p:cNvPr id="81" name="Rectangle 80"/>
-          <p:cNvSpPr/>
-          <p:nvPr/>
-        </p:nvSpPr>
-        <p:spPr>
-          <a:xfrm>
-            <a:off x="2700921" y="1949869"/>
-            <a:ext cx="1802648" cy="1174331"/>
-          </a:xfrm>
-          <a:prstGeom prst="rect">
-            <a:avLst/>
-          </a:prstGeom>
-          <a:solidFill>
-            <a:schemeClr val="bg1"/>
-          </a:solidFill>
+      <p:cxnSp>
+        <p:nvCxnSpPr>
+          <p:cNvPr id="31" name="Straight Arrow Connector 30"/>
+          <p:cNvCxnSpPr/>
+          <p:nvPr/>
+        </p:nvCxnSpPr>
+        <p:spPr>
+          <a:xfrm rot="10800000">
+            <a:off x="3384552" y="4913566"/>
+            <a:ext cx="1626352" cy="1"/>
+          </a:xfrm>
+          <a:prstGeom prst="straightConnector1">
+            <a:avLst/>
+          </a:prstGeom>
+          <a:ln>
+            <a:solidFill>
+              <a:schemeClr val="tx1"/>
+            </a:solidFill>
+            <a:tailEnd type="arrow"/>
+          </a:ln>
         </p:spPr>
         <p:style>
-          <a:lnRef idx="1">
+          <a:lnRef idx="2">
             <a:schemeClr val="accent1"/>
           </a:lnRef>
-          <a:fillRef idx="3">
+          <a:fillRef idx="0">
             <a:schemeClr val="accent1"/>
           </a:fillRef>
-          <a:effectRef idx="2">
+          <a:effectRef idx="1">
             <a:schemeClr val="accent1"/>
           </a:effectRef>
           <a:fontRef idx="minor">
-            <a:schemeClr val="lt1"/>
+            <a:schemeClr val="tx1"/>
           </a:fontRef>
         </p:style>
-        <p:txBody>
-          <a:bodyPr rtlCol="0" anchor="ctr"/>
-          <a:lstStyle/>
-          <a:p>
-            <a:pPr algn="ctr"/>
-            <a:endParaRPr lang="en-US"/>
-          </a:p>
-        </p:txBody>
-      </p:sp>
-      <p:sp>
-        <p:nvSpPr>
-          <p:cNvPr id="82" name="TextBox 81"/>
+      </p:cxnSp>
+      <p:sp>
+        <p:nvSpPr>
+          <p:cNvPr id="34" name="TextBox 33"/>
           <p:cNvSpPr txBox="1"/>
           <p:nvPr/>
         </p:nvSpPr>
         <p:spPr>
           <a:xfrm>
-            <a:off x="2942220" y="1924469"/>
-            <a:ext cx="1561348" cy="1569660"/>
+            <a:off x="3706281" y="4482943"/>
+            <a:ext cx="2644447" cy="830997"/>
           </a:xfrm>
           <a:prstGeom prst="rect">
             <a:avLst/>
@@ -17935,98 +18003,7 @@
           <a:p>
             <a:r>
               <a:rPr lang="en-US" sz="2400" dirty="0" smtClean="0"/>
-              <a:t>     Job </a:t>
-            </a:r>
-          </a:p>
-          <a:p>
-            <a:r>
-              <a:rPr lang="en-US" sz="2400" dirty="0" smtClean="0"/>
-              <a:t>Scheduler</a:t>
-            </a:r>
-          </a:p>
-          <a:p>
-            <a:r>
-              <a:rPr lang="en-US" sz="2400" dirty="0" smtClean="0"/>
-              <a:t>  Daemon</a:t>
-            </a:r>
-          </a:p>
-          <a:p>
-            <a:endParaRPr lang="en-US" sz="2400" dirty="0"/>
-          </a:p>
-        </p:txBody>
-      </p:sp>
-      <p:sp>
-        <p:nvSpPr>
-          <p:cNvPr id="83" name="Rectangle 82"/>
-          <p:cNvSpPr/>
-          <p:nvPr/>
-        </p:nvSpPr>
-        <p:spPr>
-          <a:xfrm>
-            <a:off x="237120" y="3695918"/>
-            <a:ext cx="1248780" cy="1200328"/>
-          </a:xfrm>
-          <a:prstGeom prst="rect">
-            <a:avLst/>
-          </a:prstGeom>
-          <a:solidFill>
-            <a:schemeClr val="bg1"/>
-          </a:solidFill>
-        </p:spPr>
-        <p:style>
-          <a:lnRef idx="1">
-            <a:schemeClr val="accent1"/>
-          </a:lnRef>
-          <a:fillRef idx="3">
-            <a:schemeClr val="accent1"/>
-          </a:fillRef>
-          <a:effectRef idx="2">
-            <a:schemeClr val="accent1"/>
-          </a:effectRef>
-          <a:fontRef idx="minor">
-            <a:schemeClr val="lt1"/>
-          </a:fontRef>
-        </p:style>
-        <p:txBody>
-          <a:bodyPr rtlCol="0" anchor="ctr"/>
-          <a:lstStyle/>
-          <a:p>
-            <a:pPr algn="ctr"/>
-            <a:endParaRPr lang="en-US"/>
-          </a:p>
-        </p:txBody>
-      </p:sp>
-      <p:sp>
-        <p:nvSpPr>
-          <p:cNvPr id="84" name="TextBox 83"/>
-          <p:cNvSpPr txBox="1"/>
-          <p:nvPr/>
-        </p:nvSpPr>
-        <p:spPr>
-          <a:xfrm>
-            <a:off x="249820" y="3695918"/>
-            <a:ext cx="1561348" cy="1200328"/>
-          </a:xfrm>
-          <a:prstGeom prst="rect">
-            <a:avLst/>
-          </a:prstGeom>
-          <a:noFill/>
-        </p:spPr>
-        <p:txBody>
-          <a:bodyPr wrap="square" rtlCol="0">
-            <a:spAutoFit/>
-          </a:bodyPr>
-          <a:lstStyle/>
-          <a:p>
-            <a:r>
-              <a:rPr lang="en-US" sz="2400" dirty="0" smtClean="0"/>
-              <a:t> </a:t>
-            </a:r>
-          </a:p>
-          <a:p>
-            <a:r>
-              <a:rPr lang="en-US" sz="2400" dirty="0" smtClean="0"/>
-              <a:t>Terminal</a:t>
+              <a:t>result</a:t>
             </a:r>
           </a:p>
           <a:p>
@@ -18036,17 +18013,16 @@
       </p:sp>
       <p:cxnSp>
         <p:nvCxnSpPr>
-          <p:cNvPr id="86" name="Straight Arrow Connector 85"/>
+          <p:cNvPr id="37" name="Straight Arrow Connector 36"/>
           <p:cNvCxnSpPr>
-            <a:stCxn id="81" idx="2"/>
-            <a:endCxn id="41" idx="0"/>
+            <a:endCxn id="34" idx="0"/>
           </p:cNvCxnSpPr>
           <p:nvPr/>
         </p:nvCxnSpPr>
         <p:spPr>
-          <a:xfrm rot="5400000">
-            <a:off x="3353781" y="3372664"/>
-            <a:ext cx="496929" cy="1588"/>
+          <a:xfrm>
+            <a:off x="3384551" y="4482943"/>
+            <a:ext cx="1643954" cy="1588"/>
           </a:xfrm>
           <a:prstGeom prst="straightConnector1">
             <a:avLst/>
@@ -18074,631 +18050,6 @@
           </a:fontRef>
         </p:style>
       </p:cxnSp>
-      <p:cxnSp>
-        <p:nvCxnSpPr>
-          <p:cNvPr id="88" name="Straight Arrow Connector 87"/>
-          <p:cNvCxnSpPr/>
-          <p:nvPr/>
-        </p:nvCxnSpPr>
-        <p:spPr>
-          <a:xfrm rot="10800000" flipV="1">
-            <a:off x="1485901" y="2765635"/>
-            <a:ext cx="1215021" cy="2"/>
-          </a:xfrm>
-          <a:prstGeom prst="straightConnector1">
-            <a:avLst/>
-          </a:prstGeom>
-          <a:ln>
-            <a:solidFill>
-              <a:schemeClr val="tx1"/>
-            </a:solidFill>
-            <a:tailEnd type="arrow"/>
-          </a:ln>
-        </p:spPr>
-        <p:style>
-          <a:lnRef idx="2">
-            <a:schemeClr val="accent1"/>
-          </a:lnRef>
-          <a:fillRef idx="0">
-            <a:schemeClr val="accent1"/>
-          </a:fillRef>
-          <a:effectRef idx="1">
-            <a:schemeClr val="accent1"/>
-          </a:effectRef>
-          <a:fontRef idx="minor">
-            <a:schemeClr val="tx1"/>
-          </a:fontRef>
-        </p:style>
-      </p:cxnSp>
-      <p:cxnSp>
-        <p:nvCxnSpPr>
-          <p:cNvPr id="90" name="Straight Arrow Connector 89"/>
-          <p:cNvCxnSpPr/>
-          <p:nvPr/>
-        </p:nvCxnSpPr>
-        <p:spPr>
-          <a:xfrm rot="10800000" flipV="1">
-            <a:off x="1498601" y="4518235"/>
-            <a:ext cx="1215021" cy="2"/>
-          </a:xfrm>
-          <a:prstGeom prst="straightConnector1">
-            <a:avLst/>
-          </a:prstGeom>
-          <a:ln>
-            <a:solidFill>
-              <a:schemeClr val="tx1"/>
-            </a:solidFill>
-            <a:tailEnd type="arrow"/>
-          </a:ln>
-        </p:spPr>
-        <p:style>
-          <a:lnRef idx="2">
-            <a:schemeClr val="accent1"/>
-          </a:lnRef>
-          <a:fillRef idx="0">
-            <a:schemeClr val="accent1"/>
-          </a:fillRef>
-          <a:effectRef idx="1">
-            <a:schemeClr val="accent1"/>
-          </a:effectRef>
-          <a:fontRef idx="minor">
-            <a:schemeClr val="tx1"/>
-          </a:fontRef>
-        </p:style>
-      </p:cxnSp>
-      <p:sp>
-        <p:nvSpPr>
-          <p:cNvPr id="91" name="TextBox 90"/>
-          <p:cNvSpPr txBox="1"/>
-          <p:nvPr/>
-        </p:nvSpPr>
-        <p:spPr>
-          <a:xfrm>
-            <a:off x="1498600" y="1981418"/>
-            <a:ext cx="2644447" cy="830997"/>
-          </a:xfrm>
-          <a:prstGeom prst="rect">
-            <a:avLst/>
-          </a:prstGeom>
-          <a:noFill/>
-        </p:spPr>
-        <p:txBody>
-          <a:bodyPr wrap="square" rtlCol="0">
-            <a:spAutoFit/>
-          </a:bodyPr>
-          <a:lstStyle/>
-          <a:p>
-            <a:r>
-              <a:rPr lang="en-US" sz="2400" dirty="0" smtClean="0"/>
-              <a:t>Cluster</a:t>
-            </a:r>
-          </a:p>
-          <a:p>
-            <a:r>
-              <a:rPr lang="en-US" sz="2400" dirty="0" smtClean="0"/>
-              <a:t>status</a:t>
-            </a:r>
-            <a:endParaRPr lang="en-US" sz="2400" dirty="0"/>
-          </a:p>
-        </p:txBody>
-      </p:sp>
-      <p:sp>
-        <p:nvSpPr>
-          <p:cNvPr id="92" name="TextBox 91"/>
-          <p:cNvSpPr txBox="1"/>
-          <p:nvPr/>
-        </p:nvSpPr>
-        <p:spPr>
-          <a:xfrm>
-            <a:off x="1480297" y="4538138"/>
-            <a:ext cx="2644447" cy="830997"/>
-          </a:xfrm>
-          <a:prstGeom prst="rect">
-            <a:avLst/>
-          </a:prstGeom>
-          <a:noFill/>
-        </p:spPr>
-        <p:txBody>
-          <a:bodyPr wrap="square" rtlCol="0">
-            <a:spAutoFit/>
-          </a:bodyPr>
-          <a:lstStyle/>
-          <a:p>
-            <a:r>
-              <a:rPr lang="en-US" sz="2400" dirty="0" err="1" smtClean="0"/>
-              <a:t>stdout</a:t>
-            </a:r>
-            <a:endParaRPr lang="en-US" sz="2400" dirty="0" smtClean="0"/>
-          </a:p>
-          <a:p>
-            <a:r>
-              <a:rPr lang="en-US" sz="2400" dirty="0" err="1" smtClean="0"/>
-              <a:t>stderr</a:t>
-            </a:r>
-            <a:endParaRPr lang="en-US" sz="2400" dirty="0"/>
-          </a:p>
-        </p:txBody>
-      </p:sp>
-      <p:cxnSp>
-        <p:nvCxnSpPr>
-          <p:cNvPr id="94" name="Straight Arrow Connector 93"/>
-          <p:cNvCxnSpPr/>
-          <p:nvPr/>
-        </p:nvCxnSpPr>
-        <p:spPr>
-          <a:xfrm>
-            <a:off x="1485900" y="4051300"/>
-            <a:ext cx="1215021" cy="1588"/>
-          </a:xfrm>
-          <a:prstGeom prst="straightConnector1">
-            <a:avLst/>
-          </a:prstGeom>
-          <a:ln>
-            <a:solidFill>
-              <a:schemeClr val="tx1"/>
-            </a:solidFill>
-            <a:tailEnd type="arrow"/>
-          </a:ln>
-        </p:spPr>
-        <p:style>
-          <a:lnRef idx="2">
-            <a:schemeClr val="accent1"/>
-          </a:lnRef>
-          <a:fillRef idx="0">
-            <a:schemeClr val="accent1"/>
-          </a:fillRef>
-          <a:effectRef idx="1">
-            <a:schemeClr val="accent1"/>
-          </a:effectRef>
-          <a:fontRef idx="minor">
-            <a:schemeClr val="tx1"/>
-          </a:fontRef>
-        </p:style>
-      </p:cxnSp>
-      <p:sp>
-        <p:nvSpPr>
-          <p:cNvPr id="95" name="TextBox 94"/>
-          <p:cNvSpPr txBox="1"/>
-          <p:nvPr/>
-        </p:nvSpPr>
-        <p:spPr>
-          <a:xfrm>
-            <a:off x="1607297" y="3598338"/>
-            <a:ext cx="2644447" cy="461665"/>
-          </a:xfrm>
-          <a:prstGeom prst="rect">
-            <a:avLst/>
-          </a:prstGeom>
-          <a:noFill/>
-        </p:spPr>
-        <p:txBody>
-          <a:bodyPr wrap="square" rtlCol="0">
-            <a:spAutoFit/>
-          </a:bodyPr>
-          <a:lstStyle/>
-          <a:p>
-            <a:r>
-              <a:rPr lang="en-US" sz="2400" dirty="0" err="1" smtClean="0"/>
-              <a:t>stdin</a:t>
-            </a:r>
-            <a:endParaRPr lang="en-US" sz="2400" dirty="0"/>
-          </a:p>
-        </p:txBody>
-      </p:sp>
-      <p:sp>
-        <p:nvSpPr>
-          <p:cNvPr id="29" name="Rectangle 28"/>
-          <p:cNvSpPr/>
-          <p:nvPr/>
-        </p:nvSpPr>
-        <p:spPr>
-          <a:xfrm>
-            <a:off x="6147554" y="1927355"/>
-            <a:ext cx="1802648" cy="1320581"/>
-          </a:xfrm>
-          <a:prstGeom prst="rect">
-            <a:avLst/>
-          </a:prstGeom>
-          <a:solidFill>
-            <a:schemeClr val="bg1"/>
-          </a:solidFill>
-        </p:spPr>
-        <p:style>
-          <a:lnRef idx="1">
-            <a:schemeClr val="accent1"/>
-          </a:lnRef>
-          <a:fillRef idx="3">
-            <a:schemeClr val="accent1"/>
-          </a:fillRef>
-          <a:effectRef idx="2">
-            <a:schemeClr val="accent1"/>
-          </a:effectRef>
-          <a:fontRef idx="minor">
-            <a:schemeClr val="lt1"/>
-          </a:fontRef>
-        </p:style>
-        <p:txBody>
-          <a:bodyPr rtlCol="0" anchor="ctr"/>
-          <a:lstStyle/>
-          <a:p>
-            <a:pPr algn="ctr"/>
-            <a:endParaRPr lang="en-US"/>
-          </a:p>
-        </p:txBody>
-      </p:sp>
-      <p:sp>
-        <p:nvSpPr>
-          <p:cNvPr id="30" name="TextBox 29"/>
-          <p:cNvSpPr txBox="1"/>
-          <p:nvPr/>
-        </p:nvSpPr>
-        <p:spPr>
-          <a:xfrm>
-            <a:off x="6388853" y="1927356"/>
-            <a:ext cx="1561348" cy="1569660"/>
-          </a:xfrm>
-          <a:prstGeom prst="rect">
-            <a:avLst/>
-          </a:prstGeom>
-          <a:noFill/>
-        </p:spPr>
-        <p:txBody>
-          <a:bodyPr wrap="square" rtlCol="0">
-            <a:spAutoFit/>
-          </a:bodyPr>
-          <a:lstStyle/>
-          <a:p>
-            <a:r>
-              <a:rPr lang="en-US" sz="2400" dirty="0" smtClean="0"/>
-              <a:t>     Job </a:t>
-            </a:r>
-          </a:p>
-          <a:p>
-            <a:r>
-              <a:rPr lang="en-US" sz="2400" dirty="0" smtClean="0"/>
-              <a:t> Backend </a:t>
-            </a:r>
-          </a:p>
-          <a:p>
-            <a:r>
-              <a:rPr lang="en-US" sz="2400" dirty="0" smtClean="0"/>
-              <a:t>  Daemon</a:t>
-            </a:r>
-          </a:p>
-          <a:p>
-            <a:endParaRPr lang="en-US" sz="2400" dirty="0"/>
-          </a:p>
-        </p:txBody>
-      </p:sp>
-      <p:sp>
-        <p:nvSpPr>
-          <p:cNvPr id="31" name="TextBox 30"/>
-          <p:cNvSpPr txBox="1"/>
-          <p:nvPr/>
-        </p:nvSpPr>
-        <p:spPr>
-          <a:xfrm>
-            <a:off x="4893731" y="4151114"/>
-            <a:ext cx="2644447" cy="830997"/>
-          </a:xfrm>
-          <a:prstGeom prst="rect">
-            <a:avLst/>
-          </a:prstGeom>
-          <a:noFill/>
-        </p:spPr>
-        <p:txBody>
-          <a:bodyPr wrap="square" rtlCol="0">
-            <a:spAutoFit/>
-          </a:bodyPr>
-          <a:lstStyle/>
-          <a:p>
-            <a:r>
-              <a:rPr lang="en-US" sz="2400" dirty="0" smtClean="0"/>
-              <a:t>result</a:t>
-            </a:r>
-          </a:p>
-          <a:p>
-            <a:endParaRPr lang="en-US" sz="2400" dirty="0"/>
-          </a:p>
-        </p:txBody>
-      </p:sp>
-      <p:sp>
-        <p:nvSpPr>
-          <p:cNvPr id="35" name="TextBox 34"/>
-          <p:cNvSpPr txBox="1"/>
-          <p:nvPr/>
-        </p:nvSpPr>
-        <p:spPr>
-          <a:xfrm>
-            <a:off x="4876800" y="1752819"/>
-            <a:ext cx="2644447" cy="461665"/>
-          </a:xfrm>
-          <a:prstGeom prst="rect">
-            <a:avLst/>
-          </a:prstGeom>
-          <a:noFill/>
-        </p:spPr>
-        <p:txBody>
-          <a:bodyPr wrap="square" rtlCol="0">
-            <a:spAutoFit/>
-          </a:bodyPr>
-          <a:lstStyle/>
-          <a:p>
-            <a:r>
-              <a:rPr lang="en-US" sz="2400" dirty="0" smtClean="0"/>
-              <a:t>Status</a:t>
-            </a:r>
-          </a:p>
-        </p:txBody>
-      </p:sp>
-      <p:cxnSp>
-        <p:nvCxnSpPr>
-          <p:cNvPr id="39" name="Straight Arrow Connector 38"/>
-          <p:cNvCxnSpPr/>
-          <p:nvPr/>
-        </p:nvCxnSpPr>
-        <p:spPr>
-          <a:xfrm rot="10800000">
-            <a:off x="4521202" y="4594437"/>
-            <a:ext cx="1626352" cy="1"/>
-          </a:xfrm>
-          <a:prstGeom prst="straightConnector1">
-            <a:avLst/>
-          </a:prstGeom>
-          <a:ln>
-            <a:solidFill>
-              <a:schemeClr val="tx1"/>
-            </a:solidFill>
-            <a:tailEnd type="arrow"/>
-          </a:ln>
-        </p:spPr>
-        <p:style>
-          <a:lnRef idx="2">
-            <a:schemeClr val="accent1"/>
-          </a:lnRef>
-          <a:fillRef idx="0">
-            <a:schemeClr val="accent1"/>
-          </a:fillRef>
-          <a:effectRef idx="1">
-            <a:schemeClr val="accent1"/>
-          </a:effectRef>
-          <a:fontRef idx="minor">
-            <a:schemeClr val="tx1"/>
-          </a:fontRef>
-        </p:style>
-      </p:cxnSp>
-      <p:cxnSp>
-        <p:nvCxnSpPr>
-          <p:cNvPr id="44" name="Straight Arrow Connector 43"/>
-          <p:cNvCxnSpPr/>
-          <p:nvPr/>
-        </p:nvCxnSpPr>
-        <p:spPr>
-          <a:xfrm rot="10800000">
-            <a:off x="4622802" y="2156037"/>
-            <a:ext cx="1626352" cy="1"/>
-          </a:xfrm>
-          <a:prstGeom prst="straightConnector1">
-            <a:avLst/>
-          </a:prstGeom>
-          <a:ln>
-            <a:solidFill>
-              <a:schemeClr val="tx1"/>
-            </a:solidFill>
-            <a:tailEnd type="arrow"/>
-          </a:ln>
-        </p:spPr>
-        <p:style>
-          <a:lnRef idx="2">
-            <a:schemeClr val="accent1"/>
-          </a:lnRef>
-          <a:fillRef idx="0">
-            <a:schemeClr val="accent1"/>
-          </a:fillRef>
-          <a:effectRef idx="1">
-            <a:schemeClr val="accent1"/>
-          </a:effectRef>
-          <a:fontRef idx="minor">
-            <a:schemeClr val="tx1"/>
-          </a:fontRef>
-        </p:style>
-      </p:cxnSp>
-      <p:cxnSp>
-        <p:nvCxnSpPr>
-          <p:cNvPr id="47" name="Straight Arrow Connector 46"/>
-          <p:cNvCxnSpPr/>
-          <p:nvPr/>
-        </p:nvCxnSpPr>
-        <p:spPr>
-          <a:xfrm flipV="1">
-            <a:off x="4516269" y="2273300"/>
-            <a:ext cx="1631285" cy="1549400"/>
-          </a:xfrm>
-          <a:prstGeom prst="straightConnector1">
-            <a:avLst/>
-          </a:prstGeom>
-          <a:ln>
-            <a:solidFill>
-              <a:schemeClr val="tx1"/>
-            </a:solidFill>
-            <a:headEnd type="arrow"/>
-            <a:tailEnd type="arrow"/>
-          </a:ln>
-        </p:spPr>
-        <p:style>
-          <a:lnRef idx="2">
-            <a:schemeClr val="accent1"/>
-          </a:lnRef>
-          <a:fillRef idx="0">
-            <a:schemeClr val="accent1"/>
-          </a:fillRef>
-          <a:effectRef idx="1">
-            <a:schemeClr val="accent1"/>
-          </a:effectRef>
-          <a:fontRef idx="minor">
-            <a:schemeClr val="tx1"/>
-          </a:fontRef>
-        </p:style>
-      </p:cxnSp>
-      <p:cxnSp>
-        <p:nvCxnSpPr>
-          <p:cNvPr id="52" name="Straight Arrow Connector 51"/>
-          <p:cNvCxnSpPr/>
-          <p:nvPr/>
-        </p:nvCxnSpPr>
-        <p:spPr>
-          <a:xfrm rot="5400000">
-            <a:off x="6152162" y="3471927"/>
-            <a:ext cx="447982" cy="1588"/>
-          </a:xfrm>
-          <a:prstGeom prst="straightConnector1">
-            <a:avLst/>
-          </a:prstGeom>
-          <a:ln>
-            <a:solidFill>
-              <a:schemeClr val="tx1"/>
-            </a:solidFill>
-            <a:tailEnd type="arrow"/>
-          </a:ln>
-        </p:spPr>
-        <p:style>
-          <a:lnRef idx="2">
-            <a:schemeClr val="accent1"/>
-          </a:lnRef>
-          <a:fillRef idx="0">
-            <a:schemeClr val="accent1"/>
-          </a:fillRef>
-          <a:effectRef idx="1">
-            <a:schemeClr val="accent1"/>
-          </a:effectRef>
-          <a:fontRef idx="minor">
-            <a:schemeClr val="tx1"/>
-          </a:fontRef>
-        </p:style>
-      </p:cxnSp>
-      <p:sp>
-        <p:nvSpPr>
-          <p:cNvPr id="54" name="TextBox 53"/>
-          <p:cNvSpPr txBox="1"/>
-          <p:nvPr/>
-        </p:nvSpPr>
-        <p:spPr>
-          <a:xfrm>
-            <a:off x="6426200" y="3213319"/>
-            <a:ext cx="2644447" cy="461665"/>
-          </a:xfrm>
-          <a:prstGeom prst="rect">
-            <a:avLst/>
-          </a:prstGeom>
-          <a:noFill/>
-        </p:spPr>
-        <p:txBody>
-          <a:bodyPr wrap="square" rtlCol="0">
-            <a:spAutoFit/>
-          </a:bodyPr>
-          <a:lstStyle/>
-          <a:p>
-            <a:r>
-              <a:rPr lang="en-US" sz="2400" dirty="0" smtClean="0"/>
-              <a:t>Spawn</a:t>
-            </a:r>
-          </a:p>
-        </p:txBody>
-      </p:sp>
-      <p:sp>
-        <p:nvSpPr>
-          <p:cNvPr id="40" name="TextBox 39"/>
-          <p:cNvSpPr txBox="1"/>
-          <p:nvPr/>
-        </p:nvSpPr>
-        <p:spPr>
-          <a:xfrm rot="18960000">
-            <a:off x="4152900" y="2438619"/>
-            <a:ext cx="2644447" cy="461665"/>
-          </a:xfrm>
-          <a:prstGeom prst="rect">
-            <a:avLst/>
-          </a:prstGeom>
-          <a:noFill/>
-        </p:spPr>
-        <p:txBody>
-          <a:bodyPr wrap="square" rtlCol="0">
-            <a:spAutoFit/>
-          </a:bodyPr>
-          <a:lstStyle/>
-          <a:p>
-            <a:r>
-              <a:rPr lang="en-US" sz="2400" dirty="0" smtClean="0"/>
-              <a:t>MAC message</a:t>
-            </a:r>
-          </a:p>
-        </p:txBody>
-      </p:sp>
-      <p:cxnSp>
-        <p:nvCxnSpPr>
-          <p:cNvPr id="45" name="Straight Arrow Connector 44"/>
-          <p:cNvCxnSpPr/>
-          <p:nvPr/>
-        </p:nvCxnSpPr>
-        <p:spPr>
-          <a:xfrm flipV="1">
-            <a:off x="4503568" y="2812415"/>
-            <a:ext cx="1631286" cy="1238885"/>
-          </a:xfrm>
-          <a:prstGeom prst="straightConnector1">
-            <a:avLst/>
-          </a:prstGeom>
-          <a:ln>
-            <a:solidFill>
-              <a:schemeClr val="tx1"/>
-            </a:solidFill>
-            <a:tailEnd type="arrow"/>
-          </a:ln>
-        </p:spPr>
-        <p:style>
-          <a:lnRef idx="2">
-            <a:schemeClr val="accent1"/>
-          </a:lnRef>
-          <a:fillRef idx="0">
-            <a:schemeClr val="accent1"/>
-          </a:fillRef>
-          <a:effectRef idx="1">
-            <a:schemeClr val="accent1"/>
-          </a:effectRef>
-          <a:fontRef idx="minor">
-            <a:schemeClr val="tx1"/>
-          </a:fontRef>
-        </p:style>
-      </p:cxnSp>
-      <p:sp>
-        <p:nvSpPr>
-          <p:cNvPr id="51" name="TextBox 50"/>
-          <p:cNvSpPr txBox="1"/>
-          <p:nvPr/>
-        </p:nvSpPr>
-        <p:spPr>
-          <a:xfrm rot="19260000">
-            <a:off x="4965700" y="2603719"/>
-            <a:ext cx="2644447" cy="461665"/>
-          </a:xfrm>
-          <a:prstGeom prst="rect">
-            <a:avLst/>
-          </a:prstGeom>
-          <a:noFill/>
-        </p:spPr>
-        <p:txBody>
-          <a:bodyPr wrap="square" rtlCol="0">
-            <a:spAutoFit/>
-          </a:bodyPr>
-          <a:lstStyle/>
-          <a:p>
-            <a:r>
-              <a:rPr lang="en-US" sz="2400" dirty="0" smtClean="0"/>
-              <a:t>SSH</a:t>
-            </a:r>
-          </a:p>
-        </p:txBody>
-      </p:sp>
     </p:spTree>
   </p:cSld>
   <p:clrMapOvr>
@@ -18739,8 +18090,8 @@
         </p:nvSpPr>
         <p:spPr>
           <a:xfrm>
-            <a:off x="966616" y="1063982"/>
-            <a:ext cx="2398889" cy="1816638"/>
+            <a:off x="2476501" y="1879600"/>
+            <a:ext cx="2273300" cy="3225800"/>
           </a:xfrm>
           <a:prstGeom prst="rect">
             <a:avLst/>
@@ -18785,7 +18136,7 @@
         </p:nvSpPr>
         <p:spPr>
           <a:xfrm>
-            <a:off x="1704620" y="594080"/>
+            <a:off x="2552701" y="799512"/>
             <a:ext cx="2579511" cy="461665"/>
           </a:xfrm>
           <a:prstGeom prst="rect">
@@ -18801,7 +18152,7 @@
           <a:p>
             <a:r>
               <a:rPr lang="en-US" sz="2400" b="1" dirty="0" smtClean="0"/>
-              <a:t>Client A</a:t>
+              <a:t>Frontend node</a:t>
             </a:r>
             <a:endParaRPr lang="en-US" sz="2400" b="1" dirty="0"/>
           </a:p>
@@ -18809,14 +18160,14 @@
       </p:sp>
       <p:sp>
         <p:nvSpPr>
-          <p:cNvPr id="47" name="TextBox 46"/>
+          <p:cNvPr id="49" name="TextBox 48"/>
           <p:cNvSpPr txBox="1"/>
           <p:nvPr/>
         </p:nvSpPr>
         <p:spPr>
           <a:xfrm>
-            <a:off x="3636431" y="1331714"/>
-            <a:ext cx="2644447" cy="369332"/>
+            <a:off x="6589884" y="759180"/>
+            <a:ext cx="2579511" cy="461665"/>
           </a:xfrm>
           <a:prstGeom prst="rect">
             <a:avLst/>
@@ -18830,22 +18181,22 @@
           <a:lstStyle/>
           <a:p>
             <a:r>
-              <a:rPr lang="en-US" dirty="0" smtClean="0"/>
-              <a:t>Submit a job</a:t>
-            </a:r>
-            <a:endParaRPr lang="en-US" dirty="0"/>
-          </a:p>
-        </p:txBody>
-      </p:sp>
-      <p:sp>
-        <p:nvSpPr>
-          <p:cNvPr id="45" name="Rectangle 44"/>
+              <a:rPr lang="en-US" sz="2400" b="1" dirty="0" smtClean="0"/>
+              <a:t>Backend nodes</a:t>
+            </a:r>
+            <a:endParaRPr lang="en-US" sz="2400" b="1" dirty="0"/>
+          </a:p>
+        </p:txBody>
+      </p:sp>
+      <p:sp>
+        <p:nvSpPr>
+          <p:cNvPr id="53" name="Rectangle 52"/>
           <p:cNvSpPr/>
           <p:nvPr/>
         </p:nvSpPr>
         <p:spPr>
           <a:xfrm>
-            <a:off x="1158525" y="1344414"/>
+            <a:off x="6007853" y="2171700"/>
             <a:ext cx="2017887" cy="1209697"/>
           </a:xfrm>
           <a:prstGeom prst="rect">
@@ -18880,76 +18231,14 @@
       </p:sp>
       <p:sp>
         <p:nvSpPr>
-          <p:cNvPr id="49" name="TextBox 48"/>
-          <p:cNvSpPr txBox="1"/>
-          <p:nvPr/>
-        </p:nvSpPr>
-        <p:spPr>
-          <a:xfrm>
-            <a:off x="5624684" y="695680"/>
-            <a:ext cx="2579511" cy="461665"/>
-          </a:xfrm>
-          <a:prstGeom prst="rect">
-            <a:avLst/>
-          </a:prstGeom>
-          <a:noFill/>
-        </p:spPr>
-        <p:txBody>
-          <a:bodyPr wrap="square" rtlCol="0">
-            <a:spAutoFit/>
-          </a:bodyPr>
-          <a:lstStyle/>
-          <a:p>
-            <a:r>
-              <a:rPr lang="en-US" sz="2400" b="1" dirty="0" smtClean="0"/>
-              <a:t>Frontend node</a:t>
-            </a:r>
-            <a:endParaRPr lang="en-US" sz="2400" b="1" dirty="0"/>
-          </a:p>
-        </p:txBody>
-      </p:sp>
-      <p:sp>
-        <p:nvSpPr>
-          <p:cNvPr id="57" name="TextBox 56"/>
-          <p:cNvSpPr txBox="1"/>
-          <p:nvPr/>
-        </p:nvSpPr>
-        <p:spPr>
-          <a:xfrm>
-            <a:off x="1285519" y="1674797"/>
-            <a:ext cx="2539249" cy="830997"/>
-          </a:xfrm>
-          <a:prstGeom prst="rect">
-            <a:avLst/>
-          </a:prstGeom>
-          <a:noFill/>
-        </p:spPr>
-        <p:txBody>
-          <a:bodyPr wrap="square" rtlCol="0">
-            <a:spAutoFit/>
-          </a:bodyPr>
-          <a:lstStyle/>
-          <a:p>
-            <a:r>
-              <a:rPr lang="en-US" sz="2400" dirty="0" smtClean="0"/>
-              <a:t>Web Browse</a:t>
-            </a:r>
-          </a:p>
-          <a:p>
-            <a:endParaRPr lang="en-US" sz="2400" dirty="0"/>
-          </a:p>
-        </p:txBody>
-      </p:sp>
-      <p:sp>
-        <p:nvSpPr>
           <p:cNvPr id="63" name="Rectangle 62"/>
           <p:cNvSpPr/>
           <p:nvPr/>
         </p:nvSpPr>
         <p:spPr>
           <a:xfrm>
-            <a:off x="5384800" y="1220845"/>
-            <a:ext cx="2476500" cy="4481455"/>
+            <a:off x="6589884" y="1471414"/>
+            <a:ext cx="2324101" cy="3225800"/>
           </a:xfrm>
           <a:prstGeom prst="rect">
             <a:avLst/>
@@ -18988,21 +18277,26 @@
       </p:sp>
       <p:sp>
         <p:nvSpPr>
-          <p:cNvPr id="64" name="Rectangle 63"/>
+          <p:cNvPr id="32" name="Rectangle 31"/>
           <p:cNvSpPr/>
           <p:nvPr/>
         </p:nvSpPr>
         <p:spPr>
           <a:xfrm>
-            <a:off x="5555551" y="1560315"/>
-            <a:ext cx="2017887" cy="1599719"/>
+            <a:off x="6223000" y="1665111"/>
+            <a:ext cx="2324101" cy="3225800"/>
           </a:xfrm>
           <a:prstGeom prst="rect">
             <a:avLst/>
           </a:prstGeom>
           <a:solidFill>
-            <a:schemeClr val="bg1"/>
+            <a:schemeClr val="accent1"/>
           </a:solidFill>
+          <a:ln>
+            <a:solidFill>
+              <a:schemeClr val="tx1"/>
+            </a:solidFill>
+          </a:ln>
         </p:spPr>
         <p:style>
           <a:lnRef idx="1">
@@ -19029,52 +18323,559 @@
       </p:sp>
       <p:sp>
         <p:nvSpPr>
-          <p:cNvPr id="32" name="TextBox 31"/>
-          <p:cNvSpPr txBox="1"/>
-          <p:nvPr/>
-        </p:nvSpPr>
-        <p:spPr>
-          <a:xfrm>
-            <a:off x="3649131" y="2157214"/>
-            <a:ext cx="2644447" cy="369332"/>
-          </a:xfrm>
-          <a:prstGeom prst="rect">
-            <a:avLst/>
-          </a:prstGeom>
-          <a:noFill/>
-        </p:spPr>
-        <p:txBody>
-          <a:bodyPr wrap="square" rtlCol="0">
-            <a:spAutoFit/>
-          </a:bodyPr>
-          <a:lstStyle/>
-          <a:p>
-            <a:r>
-              <a:rPr lang="en-US" dirty="0" smtClean="0"/>
-              <a:t>Cancel a Job</a:t>
-            </a:r>
-            <a:endParaRPr lang="en-US" dirty="0"/>
-          </a:p>
-        </p:txBody>
-      </p:sp>
-      <p:cxnSp>
-        <p:nvCxnSpPr>
-          <p:cNvPr id="35" name="Straight Arrow Connector 34"/>
-          <p:cNvCxnSpPr/>
-          <p:nvPr/>
-        </p:nvCxnSpPr>
-        <p:spPr>
-          <a:xfrm flipV="1">
-            <a:off x="3176412" y="1701046"/>
-            <a:ext cx="2379139" cy="1"/>
-          </a:xfrm>
-          <a:prstGeom prst="straightConnector1">
-            <a:avLst/>
-          </a:prstGeom>
+          <p:cNvPr id="33" name="Rectangle 32"/>
+          <p:cNvSpPr/>
+          <p:nvPr/>
+        </p:nvSpPr>
+        <p:spPr>
+          <a:xfrm>
+            <a:off x="5859633" y="1879600"/>
+            <a:ext cx="2324101" cy="3225800"/>
+          </a:xfrm>
+          <a:prstGeom prst="rect">
+            <a:avLst/>
+          </a:prstGeom>
+          <a:solidFill>
+            <a:schemeClr val="accent1"/>
+          </a:solidFill>
           <a:ln>
             <a:solidFill>
               <a:schemeClr val="tx1"/>
             </a:solidFill>
+          </a:ln>
+        </p:spPr>
+        <p:style>
+          <a:lnRef idx="1">
+            <a:schemeClr val="accent1"/>
+          </a:lnRef>
+          <a:fillRef idx="3">
+            <a:schemeClr val="accent1"/>
+          </a:fillRef>
+          <a:effectRef idx="2">
+            <a:schemeClr val="accent1"/>
+          </a:effectRef>
+          <a:fontRef idx="minor">
+            <a:schemeClr val="lt1"/>
+          </a:fontRef>
+        </p:style>
+        <p:txBody>
+          <a:bodyPr rtlCol="0" anchor="ctr"/>
+          <a:lstStyle/>
+          <a:p>
+            <a:pPr algn="ctr"/>
+            <a:endParaRPr lang="en-US"/>
+          </a:p>
+        </p:txBody>
+      </p:sp>
+      <p:sp>
+        <p:nvSpPr>
+          <p:cNvPr id="36" name="Rectangle 35"/>
+          <p:cNvSpPr/>
+          <p:nvPr/>
+        </p:nvSpPr>
+        <p:spPr>
+          <a:xfrm>
+            <a:off x="6134854" y="3705355"/>
+            <a:ext cx="1802648" cy="1320581"/>
+          </a:xfrm>
+          <a:prstGeom prst="rect">
+            <a:avLst/>
+          </a:prstGeom>
+          <a:solidFill>
+            <a:schemeClr val="bg1"/>
+          </a:solidFill>
+        </p:spPr>
+        <p:style>
+          <a:lnRef idx="1">
+            <a:schemeClr val="accent1"/>
+          </a:lnRef>
+          <a:fillRef idx="3">
+            <a:schemeClr val="accent1"/>
+          </a:fillRef>
+          <a:effectRef idx="2">
+            <a:schemeClr val="accent1"/>
+          </a:effectRef>
+          <a:fontRef idx="minor">
+            <a:schemeClr val="lt1"/>
+          </a:fontRef>
+        </p:style>
+        <p:txBody>
+          <a:bodyPr rtlCol="0" anchor="ctr"/>
+          <a:lstStyle/>
+          <a:p>
+            <a:pPr algn="ctr"/>
+            <a:endParaRPr lang="en-US"/>
+          </a:p>
+        </p:txBody>
+      </p:sp>
+      <p:sp>
+        <p:nvSpPr>
+          <p:cNvPr id="38" name="TextBox 37"/>
+          <p:cNvSpPr txBox="1"/>
+          <p:nvPr/>
+        </p:nvSpPr>
+        <p:spPr>
+          <a:xfrm>
+            <a:off x="6376153" y="3781556"/>
+            <a:ext cx="1561348" cy="1569660"/>
+          </a:xfrm>
+          <a:prstGeom prst="rect">
+            <a:avLst/>
+          </a:prstGeom>
+          <a:noFill/>
+        </p:spPr>
+        <p:txBody>
+          <a:bodyPr wrap="square" rtlCol="0">
+            <a:spAutoFit/>
+          </a:bodyPr>
+          <a:lstStyle/>
+          <a:p>
+            <a:r>
+              <a:rPr lang="en-US" sz="2400" dirty="0" smtClean="0"/>
+              <a:t>     Job </a:t>
+            </a:r>
+          </a:p>
+          <a:p>
+            <a:r>
+              <a:rPr lang="en-US" sz="2400" dirty="0" smtClean="0"/>
+              <a:t> Backend </a:t>
+            </a:r>
+          </a:p>
+          <a:p>
+            <a:r>
+              <a:rPr lang="en-US" sz="2400" dirty="0" smtClean="0"/>
+              <a:t>  Process</a:t>
+            </a:r>
+          </a:p>
+          <a:p>
+            <a:endParaRPr lang="en-US" sz="2400" dirty="0"/>
+          </a:p>
+        </p:txBody>
+      </p:sp>
+      <p:sp>
+        <p:nvSpPr>
+          <p:cNvPr id="41" name="Rectangle 40"/>
+          <p:cNvSpPr/>
+          <p:nvPr/>
+        </p:nvSpPr>
+        <p:spPr>
+          <a:xfrm>
+            <a:off x="2700921" y="3621129"/>
+            <a:ext cx="1802648" cy="1257082"/>
+          </a:xfrm>
+          <a:prstGeom prst="rect">
+            <a:avLst/>
+          </a:prstGeom>
+          <a:solidFill>
+            <a:schemeClr val="bg1"/>
+          </a:solidFill>
+        </p:spPr>
+        <p:style>
+          <a:lnRef idx="1">
+            <a:schemeClr val="accent1"/>
+          </a:lnRef>
+          <a:fillRef idx="3">
+            <a:schemeClr val="accent1"/>
+          </a:fillRef>
+          <a:effectRef idx="2">
+            <a:schemeClr val="accent1"/>
+          </a:effectRef>
+          <a:fontRef idx="minor">
+            <a:schemeClr val="lt1"/>
+          </a:fontRef>
+        </p:style>
+        <p:txBody>
+          <a:bodyPr rtlCol="0" anchor="ctr"/>
+          <a:lstStyle/>
+          <a:p>
+            <a:pPr algn="ctr"/>
+            <a:endParaRPr lang="en-US"/>
+          </a:p>
+        </p:txBody>
+      </p:sp>
+      <p:sp>
+        <p:nvSpPr>
+          <p:cNvPr id="42" name="TextBox 41"/>
+          <p:cNvSpPr txBox="1"/>
+          <p:nvPr/>
+        </p:nvSpPr>
+        <p:spPr>
+          <a:xfrm>
+            <a:off x="2904120" y="3633829"/>
+            <a:ext cx="1561348" cy="1569660"/>
+          </a:xfrm>
+          <a:prstGeom prst="rect">
+            <a:avLst/>
+          </a:prstGeom>
+          <a:noFill/>
+        </p:spPr>
+        <p:txBody>
+          <a:bodyPr wrap="square" rtlCol="0">
+            <a:spAutoFit/>
+          </a:bodyPr>
+          <a:lstStyle/>
+          <a:p>
+            <a:r>
+              <a:rPr lang="en-US" sz="2400" dirty="0" smtClean="0"/>
+              <a:t>     Job </a:t>
+            </a:r>
+          </a:p>
+          <a:p>
+            <a:r>
+              <a:rPr lang="en-US" sz="2400" dirty="0" smtClean="0"/>
+              <a:t>Frontend </a:t>
+            </a:r>
+          </a:p>
+          <a:p>
+            <a:r>
+              <a:rPr lang="en-US" sz="2400" dirty="0" smtClean="0"/>
+              <a:t>  Process</a:t>
+            </a:r>
+          </a:p>
+          <a:p>
+            <a:endParaRPr lang="en-US" sz="2400" dirty="0"/>
+          </a:p>
+        </p:txBody>
+      </p:sp>
+      <p:cxnSp>
+        <p:nvCxnSpPr>
+          <p:cNvPr id="46" name="Straight Arrow Connector 45"/>
+          <p:cNvCxnSpPr/>
+          <p:nvPr/>
+        </p:nvCxnSpPr>
+        <p:spPr>
+          <a:xfrm>
+            <a:off x="4503569" y="4165600"/>
+            <a:ext cx="1631285" cy="1588"/>
+          </a:xfrm>
+          <a:prstGeom prst="straightConnector1">
+            <a:avLst/>
+          </a:prstGeom>
+          <a:ln>
+            <a:solidFill>
+              <a:schemeClr val="tx1"/>
+            </a:solidFill>
+            <a:tailEnd type="arrow"/>
+          </a:ln>
+        </p:spPr>
+        <p:style>
+          <a:lnRef idx="2">
+            <a:schemeClr val="accent1"/>
+          </a:lnRef>
+          <a:fillRef idx="0">
+            <a:schemeClr val="accent1"/>
+          </a:fillRef>
+          <a:effectRef idx="1">
+            <a:schemeClr val="accent1"/>
+          </a:effectRef>
+          <a:fontRef idx="minor">
+            <a:schemeClr val="tx1"/>
+          </a:fontRef>
+        </p:style>
+      </p:cxnSp>
+      <p:sp>
+        <p:nvSpPr>
+          <p:cNvPr id="50" name="TextBox 49"/>
+          <p:cNvSpPr txBox="1"/>
+          <p:nvPr/>
+        </p:nvSpPr>
+        <p:spPr>
+          <a:xfrm>
+            <a:off x="4906431" y="3744714"/>
+            <a:ext cx="2644447" cy="830997"/>
+          </a:xfrm>
+          <a:prstGeom prst="rect">
+            <a:avLst/>
+          </a:prstGeom>
+          <a:noFill/>
+        </p:spPr>
+        <p:txBody>
+          <a:bodyPr wrap="square" rtlCol="0">
+            <a:spAutoFit/>
+          </a:bodyPr>
+          <a:lstStyle/>
+          <a:p>
+            <a:r>
+              <a:rPr lang="en-US" sz="2400" dirty="0" smtClean="0"/>
+              <a:t>Job</a:t>
+            </a:r>
+          </a:p>
+          <a:p>
+            <a:endParaRPr lang="en-US" sz="2400" dirty="0"/>
+          </a:p>
+        </p:txBody>
+      </p:sp>
+      <p:sp>
+        <p:nvSpPr>
+          <p:cNvPr id="79" name="Rectangle 78"/>
+          <p:cNvSpPr/>
+          <p:nvPr/>
+        </p:nvSpPr>
+        <p:spPr>
+          <a:xfrm>
+            <a:off x="249820" y="2197318"/>
+            <a:ext cx="1248780" cy="1200328"/>
+          </a:xfrm>
+          <a:prstGeom prst="rect">
+            <a:avLst/>
+          </a:prstGeom>
+          <a:solidFill>
+            <a:schemeClr val="bg1"/>
+          </a:solidFill>
+        </p:spPr>
+        <p:style>
+          <a:lnRef idx="1">
+            <a:schemeClr val="accent1"/>
+          </a:lnRef>
+          <a:fillRef idx="3">
+            <a:schemeClr val="accent1"/>
+          </a:fillRef>
+          <a:effectRef idx="2">
+            <a:schemeClr val="accent1"/>
+          </a:effectRef>
+          <a:fontRef idx="minor">
+            <a:schemeClr val="lt1"/>
+          </a:fontRef>
+        </p:style>
+        <p:txBody>
+          <a:bodyPr rtlCol="0" anchor="ctr"/>
+          <a:lstStyle/>
+          <a:p>
+            <a:pPr algn="ctr"/>
+            <a:endParaRPr lang="en-US"/>
+          </a:p>
+        </p:txBody>
+      </p:sp>
+      <p:sp>
+        <p:nvSpPr>
+          <p:cNvPr id="80" name="TextBox 79"/>
+          <p:cNvSpPr txBox="1"/>
+          <p:nvPr/>
+        </p:nvSpPr>
+        <p:spPr>
+          <a:xfrm>
+            <a:off x="338720" y="1981418"/>
+            <a:ext cx="1561348" cy="1569660"/>
+          </a:xfrm>
+          <a:prstGeom prst="rect">
+            <a:avLst/>
+          </a:prstGeom>
+          <a:noFill/>
+        </p:spPr>
+        <p:txBody>
+          <a:bodyPr wrap="square" rtlCol="0">
+            <a:spAutoFit/>
+          </a:bodyPr>
+          <a:lstStyle/>
+          <a:p>
+            <a:r>
+              <a:rPr lang="en-US" sz="2400" dirty="0" smtClean="0"/>
+              <a:t> </a:t>
+            </a:r>
+          </a:p>
+          <a:p>
+            <a:r>
+              <a:rPr lang="en-US" sz="2400" dirty="0" smtClean="0"/>
+              <a:t> Web</a:t>
+            </a:r>
+          </a:p>
+          <a:p>
+            <a:r>
+              <a:rPr lang="en-US" sz="2400" dirty="0" smtClean="0"/>
+              <a:t>Browse</a:t>
+            </a:r>
+          </a:p>
+          <a:p>
+            <a:endParaRPr lang="en-US" sz="2400" dirty="0"/>
+          </a:p>
+        </p:txBody>
+      </p:sp>
+      <p:sp>
+        <p:nvSpPr>
+          <p:cNvPr id="81" name="Rectangle 80"/>
+          <p:cNvSpPr/>
+          <p:nvPr/>
+        </p:nvSpPr>
+        <p:spPr>
+          <a:xfrm>
+            <a:off x="2700921" y="1949869"/>
+            <a:ext cx="1802648" cy="1174331"/>
+          </a:xfrm>
+          <a:prstGeom prst="rect">
+            <a:avLst/>
+          </a:prstGeom>
+          <a:solidFill>
+            <a:schemeClr val="bg1"/>
+          </a:solidFill>
+        </p:spPr>
+        <p:style>
+          <a:lnRef idx="1">
+            <a:schemeClr val="accent1"/>
+          </a:lnRef>
+          <a:fillRef idx="3">
+            <a:schemeClr val="accent1"/>
+          </a:fillRef>
+          <a:effectRef idx="2">
+            <a:schemeClr val="accent1"/>
+          </a:effectRef>
+          <a:fontRef idx="minor">
+            <a:schemeClr val="lt1"/>
+          </a:fontRef>
+        </p:style>
+        <p:txBody>
+          <a:bodyPr rtlCol="0" anchor="ctr"/>
+          <a:lstStyle/>
+          <a:p>
+            <a:pPr algn="ctr"/>
+            <a:endParaRPr lang="en-US"/>
+          </a:p>
+        </p:txBody>
+      </p:sp>
+      <p:sp>
+        <p:nvSpPr>
+          <p:cNvPr id="82" name="TextBox 81"/>
+          <p:cNvSpPr txBox="1"/>
+          <p:nvPr/>
+        </p:nvSpPr>
+        <p:spPr>
+          <a:xfrm>
+            <a:off x="2942220" y="1924469"/>
+            <a:ext cx="1561348" cy="1569660"/>
+          </a:xfrm>
+          <a:prstGeom prst="rect">
+            <a:avLst/>
+          </a:prstGeom>
+          <a:noFill/>
+        </p:spPr>
+        <p:txBody>
+          <a:bodyPr wrap="square" rtlCol="0">
+            <a:spAutoFit/>
+          </a:bodyPr>
+          <a:lstStyle/>
+          <a:p>
+            <a:r>
+              <a:rPr lang="en-US" sz="2400" dirty="0" smtClean="0"/>
+              <a:t>     Job </a:t>
+            </a:r>
+          </a:p>
+          <a:p>
+            <a:r>
+              <a:rPr lang="en-US" sz="2400" dirty="0" smtClean="0"/>
+              <a:t>Scheduler</a:t>
+            </a:r>
+          </a:p>
+          <a:p>
+            <a:r>
+              <a:rPr lang="en-US" sz="2400" dirty="0" smtClean="0"/>
+              <a:t>  Daemon</a:t>
+            </a:r>
+          </a:p>
+          <a:p>
+            <a:endParaRPr lang="en-US" sz="2400" dirty="0"/>
+          </a:p>
+        </p:txBody>
+      </p:sp>
+      <p:sp>
+        <p:nvSpPr>
+          <p:cNvPr id="83" name="Rectangle 82"/>
+          <p:cNvSpPr/>
+          <p:nvPr/>
+        </p:nvSpPr>
+        <p:spPr>
+          <a:xfrm>
+            <a:off x="237120" y="3695918"/>
+            <a:ext cx="1248780" cy="1200328"/>
+          </a:xfrm>
+          <a:prstGeom prst="rect">
+            <a:avLst/>
+          </a:prstGeom>
+          <a:solidFill>
+            <a:schemeClr val="bg1"/>
+          </a:solidFill>
+        </p:spPr>
+        <p:style>
+          <a:lnRef idx="1">
+            <a:schemeClr val="accent1"/>
+          </a:lnRef>
+          <a:fillRef idx="3">
+            <a:schemeClr val="accent1"/>
+          </a:fillRef>
+          <a:effectRef idx="2">
+            <a:schemeClr val="accent1"/>
+          </a:effectRef>
+          <a:fontRef idx="minor">
+            <a:schemeClr val="lt1"/>
+          </a:fontRef>
+        </p:style>
+        <p:txBody>
+          <a:bodyPr rtlCol="0" anchor="ctr"/>
+          <a:lstStyle/>
+          <a:p>
+            <a:pPr algn="ctr"/>
+            <a:endParaRPr lang="en-US"/>
+          </a:p>
+        </p:txBody>
+      </p:sp>
+      <p:sp>
+        <p:nvSpPr>
+          <p:cNvPr id="84" name="TextBox 83"/>
+          <p:cNvSpPr txBox="1"/>
+          <p:nvPr/>
+        </p:nvSpPr>
+        <p:spPr>
+          <a:xfrm>
+            <a:off x="249820" y="3695918"/>
+            <a:ext cx="1561348" cy="1200328"/>
+          </a:xfrm>
+          <a:prstGeom prst="rect">
+            <a:avLst/>
+          </a:prstGeom>
+          <a:noFill/>
+        </p:spPr>
+        <p:txBody>
+          <a:bodyPr wrap="square" rtlCol="0">
+            <a:spAutoFit/>
+          </a:bodyPr>
+          <a:lstStyle/>
+          <a:p>
+            <a:r>
+              <a:rPr lang="en-US" sz="2400" dirty="0" smtClean="0"/>
+              <a:t> </a:t>
+            </a:r>
+          </a:p>
+          <a:p>
+            <a:r>
+              <a:rPr lang="en-US" sz="2400" dirty="0" smtClean="0"/>
+              <a:t>Terminal</a:t>
+            </a:r>
+          </a:p>
+          <a:p>
+            <a:endParaRPr lang="en-US" sz="2400" dirty="0"/>
+          </a:p>
+        </p:txBody>
+      </p:sp>
+      <p:cxnSp>
+        <p:nvCxnSpPr>
+          <p:cNvPr id="86" name="Straight Arrow Connector 85"/>
+          <p:cNvCxnSpPr>
+            <a:stCxn id="81" idx="2"/>
+            <a:endCxn id="41" idx="0"/>
+          </p:cNvCxnSpPr>
+          <p:nvPr/>
+        </p:nvCxnSpPr>
+        <p:spPr>
+          <a:xfrm rot="5400000">
+            <a:off x="3353781" y="3372664"/>
+            <a:ext cx="496929" cy="1588"/>
+          </a:xfrm>
+          <a:prstGeom prst="straightConnector1">
+            <a:avLst/>
+          </a:prstGeom>
+          <a:ln>
+            <a:solidFill>
+              <a:schemeClr val="tx1"/>
+            </a:solidFill>
+            <a:headEnd type="arrow"/>
             <a:tailEnd type="arrow"/>
           </a:ln>
         </p:spPr>
@@ -19095,14 +18896,14 @@
       </p:cxnSp>
       <p:cxnSp>
         <p:nvCxnSpPr>
-          <p:cNvPr id="36" name="Straight Arrow Connector 35"/>
+          <p:cNvPr id="88" name="Straight Arrow Connector 87"/>
           <p:cNvCxnSpPr/>
           <p:nvPr/>
         </p:nvCxnSpPr>
         <p:spPr>
-          <a:xfrm>
-            <a:off x="3201812" y="2196346"/>
-            <a:ext cx="2353739" cy="1588"/>
+          <a:xfrm rot="10800000" flipV="1">
+            <a:off x="1485901" y="2765635"/>
+            <a:ext cx="1215021" cy="2"/>
           </a:xfrm>
           <a:prstGeom prst="straightConnector1">
             <a:avLst/>
@@ -19129,16 +18930,52 @@
           </a:fontRef>
         </p:style>
       </p:cxnSp>
-      <p:sp>
-        <p:nvSpPr>
-          <p:cNvPr id="38" name="TextBox 37"/>
+      <p:cxnSp>
+        <p:nvCxnSpPr>
+          <p:cNvPr id="90" name="Straight Arrow Connector 89"/>
+          <p:cNvCxnSpPr/>
+          <p:nvPr/>
+        </p:nvCxnSpPr>
+        <p:spPr>
+          <a:xfrm rot="10800000" flipV="1">
+            <a:off x="1498601" y="4518235"/>
+            <a:ext cx="1215021" cy="2"/>
+          </a:xfrm>
+          <a:prstGeom prst="straightConnector1">
+            <a:avLst/>
+          </a:prstGeom>
+          <a:ln>
+            <a:solidFill>
+              <a:schemeClr val="tx1"/>
+            </a:solidFill>
+            <a:tailEnd type="arrow"/>
+          </a:ln>
+        </p:spPr>
+        <p:style>
+          <a:lnRef idx="2">
+            <a:schemeClr val="accent1"/>
+          </a:lnRef>
+          <a:fillRef idx="0">
+            <a:schemeClr val="accent1"/>
+          </a:fillRef>
+          <a:effectRef idx="1">
+            <a:schemeClr val="accent1"/>
+          </a:effectRef>
+          <a:fontRef idx="minor">
+            <a:schemeClr val="tx1"/>
+          </a:fontRef>
+        </p:style>
+      </p:cxnSp>
+      <p:sp>
+        <p:nvSpPr>
+          <p:cNvPr id="91" name="TextBox 90"/>
           <p:cNvSpPr txBox="1"/>
           <p:nvPr/>
         </p:nvSpPr>
         <p:spPr>
           <a:xfrm>
-            <a:off x="3395131" y="1750814"/>
-            <a:ext cx="2644447" cy="369332"/>
+            <a:off x="1498600" y="1981418"/>
+            <a:ext cx="2644447" cy="830997"/>
           </a:xfrm>
           <a:prstGeom prst="rect">
             <a:avLst/>
@@ -19152,23 +18989,29 @@
           <a:lstStyle/>
           <a:p>
             <a:r>
-              <a:rPr lang="en-US" b="1" i="1" dirty="0" smtClean="0"/>
-              <a:t>Secure Connection</a:t>
-            </a:r>
-            <a:endParaRPr lang="en-US" b="1" i="1" dirty="0"/>
-          </a:p>
-        </p:txBody>
-      </p:sp>
-      <p:sp>
-        <p:nvSpPr>
-          <p:cNvPr id="27" name="TextBox 26"/>
+              <a:rPr lang="en-US" sz="2400" dirty="0" smtClean="0"/>
+              <a:t>Cluster</a:t>
+            </a:r>
+          </a:p>
+          <a:p>
+            <a:r>
+              <a:rPr lang="en-US" sz="2400" dirty="0" smtClean="0"/>
+              <a:t>status</a:t>
+            </a:r>
+            <a:endParaRPr lang="en-US" sz="2400" dirty="0"/>
+          </a:p>
+        </p:txBody>
+      </p:sp>
+      <p:sp>
+        <p:nvSpPr>
+          <p:cNvPr id="92" name="TextBox 91"/>
           <p:cNvSpPr txBox="1"/>
           <p:nvPr/>
         </p:nvSpPr>
         <p:spPr>
           <a:xfrm>
-            <a:off x="5777088" y="2017697"/>
-            <a:ext cx="2539249" cy="830997"/>
+            <a:off x="1480297" y="4538138"/>
+            <a:ext cx="2644447" cy="830997"/>
           </a:xfrm>
           <a:prstGeom prst="rect">
             <a:avLst/>
@@ -19182,25 +19025,314 @@
           <a:lstStyle/>
           <a:p>
             <a:r>
-              <a:rPr lang="en-US" sz="2400" dirty="0" smtClean="0"/>
-              <a:t>Web Server</a:t>
-            </a:r>
-          </a:p>
-          <a:p>
+              <a:rPr lang="en-US" sz="2400" dirty="0" err="1" smtClean="0"/>
+              <a:t>stdout</a:t>
+            </a:r>
+            <a:endParaRPr lang="en-US" sz="2400" dirty="0" smtClean="0"/>
+          </a:p>
+          <a:p>
+            <a:r>
+              <a:rPr lang="en-US" sz="2400" dirty="0" err="1" smtClean="0"/>
+              <a:t>stderr</a:t>
+            </a:r>
             <a:endParaRPr lang="en-US" sz="2400" dirty="0"/>
           </a:p>
         </p:txBody>
       </p:sp>
       <p:cxnSp>
         <p:nvCxnSpPr>
-          <p:cNvPr id="31" name="Straight Arrow Connector 30"/>
+          <p:cNvPr id="94" name="Straight Arrow Connector 93"/>
           <p:cNvCxnSpPr/>
           <p:nvPr/>
         </p:nvCxnSpPr>
         <p:spPr>
-          <a:xfrm rot="5400000">
-            <a:off x="6259663" y="3462484"/>
-            <a:ext cx="606487" cy="1588"/>
+          <a:xfrm>
+            <a:off x="1485900" y="4051300"/>
+            <a:ext cx="1215021" cy="1588"/>
+          </a:xfrm>
+          <a:prstGeom prst="straightConnector1">
+            <a:avLst/>
+          </a:prstGeom>
+          <a:ln>
+            <a:solidFill>
+              <a:schemeClr val="tx1"/>
+            </a:solidFill>
+            <a:tailEnd type="arrow"/>
+          </a:ln>
+        </p:spPr>
+        <p:style>
+          <a:lnRef idx="2">
+            <a:schemeClr val="accent1"/>
+          </a:lnRef>
+          <a:fillRef idx="0">
+            <a:schemeClr val="accent1"/>
+          </a:fillRef>
+          <a:effectRef idx="1">
+            <a:schemeClr val="accent1"/>
+          </a:effectRef>
+          <a:fontRef idx="minor">
+            <a:schemeClr val="tx1"/>
+          </a:fontRef>
+        </p:style>
+      </p:cxnSp>
+      <p:sp>
+        <p:nvSpPr>
+          <p:cNvPr id="95" name="TextBox 94"/>
+          <p:cNvSpPr txBox="1"/>
+          <p:nvPr/>
+        </p:nvSpPr>
+        <p:spPr>
+          <a:xfrm>
+            <a:off x="1607297" y="3598338"/>
+            <a:ext cx="2644447" cy="461665"/>
+          </a:xfrm>
+          <a:prstGeom prst="rect">
+            <a:avLst/>
+          </a:prstGeom>
+          <a:noFill/>
+        </p:spPr>
+        <p:txBody>
+          <a:bodyPr wrap="square" rtlCol="0">
+            <a:spAutoFit/>
+          </a:bodyPr>
+          <a:lstStyle/>
+          <a:p>
+            <a:r>
+              <a:rPr lang="en-US" sz="2400" dirty="0" err="1" smtClean="0"/>
+              <a:t>stdin</a:t>
+            </a:r>
+            <a:endParaRPr lang="en-US" sz="2400" dirty="0"/>
+          </a:p>
+        </p:txBody>
+      </p:sp>
+      <p:sp>
+        <p:nvSpPr>
+          <p:cNvPr id="29" name="Rectangle 28"/>
+          <p:cNvSpPr/>
+          <p:nvPr/>
+        </p:nvSpPr>
+        <p:spPr>
+          <a:xfrm>
+            <a:off x="6147554" y="1927355"/>
+            <a:ext cx="1802648" cy="1320581"/>
+          </a:xfrm>
+          <a:prstGeom prst="rect">
+            <a:avLst/>
+          </a:prstGeom>
+          <a:solidFill>
+            <a:schemeClr val="bg1"/>
+          </a:solidFill>
+        </p:spPr>
+        <p:style>
+          <a:lnRef idx="1">
+            <a:schemeClr val="accent1"/>
+          </a:lnRef>
+          <a:fillRef idx="3">
+            <a:schemeClr val="accent1"/>
+          </a:fillRef>
+          <a:effectRef idx="2">
+            <a:schemeClr val="accent1"/>
+          </a:effectRef>
+          <a:fontRef idx="minor">
+            <a:schemeClr val="lt1"/>
+          </a:fontRef>
+        </p:style>
+        <p:txBody>
+          <a:bodyPr rtlCol="0" anchor="ctr"/>
+          <a:lstStyle/>
+          <a:p>
+            <a:pPr algn="ctr"/>
+            <a:endParaRPr lang="en-US"/>
+          </a:p>
+        </p:txBody>
+      </p:sp>
+      <p:sp>
+        <p:nvSpPr>
+          <p:cNvPr id="30" name="TextBox 29"/>
+          <p:cNvSpPr txBox="1"/>
+          <p:nvPr/>
+        </p:nvSpPr>
+        <p:spPr>
+          <a:xfrm>
+            <a:off x="6388853" y="1927356"/>
+            <a:ext cx="1561348" cy="1569660"/>
+          </a:xfrm>
+          <a:prstGeom prst="rect">
+            <a:avLst/>
+          </a:prstGeom>
+          <a:noFill/>
+        </p:spPr>
+        <p:txBody>
+          <a:bodyPr wrap="square" rtlCol="0">
+            <a:spAutoFit/>
+          </a:bodyPr>
+          <a:lstStyle/>
+          <a:p>
+            <a:r>
+              <a:rPr lang="en-US" sz="2400" dirty="0" smtClean="0"/>
+              <a:t>     Job </a:t>
+            </a:r>
+          </a:p>
+          <a:p>
+            <a:r>
+              <a:rPr lang="en-US" sz="2400" dirty="0" smtClean="0"/>
+              <a:t> Backend </a:t>
+            </a:r>
+          </a:p>
+          <a:p>
+            <a:r>
+              <a:rPr lang="en-US" sz="2400" dirty="0" smtClean="0"/>
+              <a:t>  Daemon</a:t>
+            </a:r>
+          </a:p>
+          <a:p>
+            <a:endParaRPr lang="en-US" sz="2400" dirty="0"/>
+          </a:p>
+        </p:txBody>
+      </p:sp>
+      <p:sp>
+        <p:nvSpPr>
+          <p:cNvPr id="31" name="TextBox 30"/>
+          <p:cNvSpPr txBox="1"/>
+          <p:nvPr/>
+        </p:nvSpPr>
+        <p:spPr>
+          <a:xfrm>
+            <a:off x="4893731" y="4151114"/>
+            <a:ext cx="2644447" cy="830997"/>
+          </a:xfrm>
+          <a:prstGeom prst="rect">
+            <a:avLst/>
+          </a:prstGeom>
+          <a:noFill/>
+        </p:spPr>
+        <p:txBody>
+          <a:bodyPr wrap="square" rtlCol="0">
+            <a:spAutoFit/>
+          </a:bodyPr>
+          <a:lstStyle/>
+          <a:p>
+            <a:r>
+              <a:rPr lang="en-US" sz="2400" dirty="0" smtClean="0"/>
+              <a:t>result</a:t>
+            </a:r>
+          </a:p>
+          <a:p>
+            <a:endParaRPr lang="en-US" sz="2400" dirty="0"/>
+          </a:p>
+        </p:txBody>
+      </p:sp>
+      <p:sp>
+        <p:nvSpPr>
+          <p:cNvPr id="35" name="TextBox 34"/>
+          <p:cNvSpPr txBox="1"/>
+          <p:nvPr/>
+        </p:nvSpPr>
+        <p:spPr>
+          <a:xfrm>
+            <a:off x="4876800" y="1752819"/>
+            <a:ext cx="2644447" cy="461665"/>
+          </a:xfrm>
+          <a:prstGeom prst="rect">
+            <a:avLst/>
+          </a:prstGeom>
+          <a:noFill/>
+        </p:spPr>
+        <p:txBody>
+          <a:bodyPr wrap="square" rtlCol="0">
+            <a:spAutoFit/>
+          </a:bodyPr>
+          <a:lstStyle/>
+          <a:p>
+            <a:r>
+              <a:rPr lang="en-US" sz="2400" dirty="0" smtClean="0"/>
+              <a:t>Status</a:t>
+            </a:r>
+          </a:p>
+        </p:txBody>
+      </p:sp>
+      <p:cxnSp>
+        <p:nvCxnSpPr>
+          <p:cNvPr id="39" name="Straight Arrow Connector 38"/>
+          <p:cNvCxnSpPr/>
+          <p:nvPr/>
+        </p:nvCxnSpPr>
+        <p:spPr>
+          <a:xfrm rot="10800000">
+            <a:off x="4521202" y="4594437"/>
+            <a:ext cx="1626352" cy="1"/>
+          </a:xfrm>
+          <a:prstGeom prst="straightConnector1">
+            <a:avLst/>
+          </a:prstGeom>
+          <a:ln>
+            <a:solidFill>
+              <a:schemeClr val="tx1"/>
+            </a:solidFill>
+            <a:tailEnd type="arrow"/>
+          </a:ln>
+        </p:spPr>
+        <p:style>
+          <a:lnRef idx="2">
+            <a:schemeClr val="accent1"/>
+          </a:lnRef>
+          <a:fillRef idx="0">
+            <a:schemeClr val="accent1"/>
+          </a:fillRef>
+          <a:effectRef idx="1">
+            <a:schemeClr val="accent1"/>
+          </a:effectRef>
+          <a:fontRef idx="minor">
+            <a:schemeClr val="tx1"/>
+          </a:fontRef>
+        </p:style>
+      </p:cxnSp>
+      <p:cxnSp>
+        <p:nvCxnSpPr>
+          <p:cNvPr id="44" name="Straight Arrow Connector 43"/>
+          <p:cNvCxnSpPr/>
+          <p:nvPr/>
+        </p:nvCxnSpPr>
+        <p:spPr>
+          <a:xfrm rot="10800000">
+            <a:off x="4622802" y="2156037"/>
+            <a:ext cx="1626352" cy="1"/>
+          </a:xfrm>
+          <a:prstGeom prst="straightConnector1">
+            <a:avLst/>
+          </a:prstGeom>
+          <a:ln>
+            <a:solidFill>
+              <a:schemeClr val="tx1"/>
+            </a:solidFill>
+            <a:tailEnd type="arrow"/>
+          </a:ln>
+        </p:spPr>
+        <p:style>
+          <a:lnRef idx="2">
+            <a:schemeClr val="accent1"/>
+          </a:lnRef>
+          <a:fillRef idx="0">
+            <a:schemeClr val="accent1"/>
+          </a:fillRef>
+          <a:effectRef idx="1">
+            <a:schemeClr val="accent1"/>
+          </a:effectRef>
+          <a:fontRef idx="minor">
+            <a:schemeClr val="tx1"/>
+          </a:fontRef>
+        </p:style>
+      </p:cxnSp>
+      <p:cxnSp>
+        <p:nvCxnSpPr>
+          <p:cNvPr id="47" name="Straight Arrow Connector 46"/>
+          <p:cNvCxnSpPr/>
+          <p:nvPr/>
+        </p:nvCxnSpPr>
+        <p:spPr>
+          <a:xfrm flipV="1">
+            <a:off x="4516269" y="2273300"/>
+            <a:ext cx="1631285" cy="1549400"/>
           </a:xfrm>
           <a:prstGeom prst="straightConnector1">
             <a:avLst/>
@@ -19228,57 +19360,52 @@
           </a:fontRef>
         </p:style>
       </p:cxnSp>
-      <p:sp>
-        <p:nvSpPr>
-          <p:cNvPr id="55" name="Rectangle 54"/>
-          <p:cNvSpPr/>
-          <p:nvPr/>
-        </p:nvSpPr>
-        <p:spPr>
-          <a:xfrm>
-            <a:off x="5593651" y="3782815"/>
-            <a:ext cx="2017887" cy="1599719"/>
-          </a:xfrm>
-          <a:prstGeom prst="rect">
-            <a:avLst/>
-          </a:prstGeom>
-          <a:solidFill>
-            <a:schemeClr val="bg1"/>
-          </a:solidFill>
+      <p:cxnSp>
+        <p:nvCxnSpPr>
+          <p:cNvPr id="52" name="Straight Arrow Connector 51"/>
+          <p:cNvCxnSpPr/>
+          <p:nvPr/>
+        </p:nvCxnSpPr>
+        <p:spPr>
+          <a:xfrm rot="5400000">
+            <a:off x="6152162" y="3471927"/>
+            <a:ext cx="447982" cy="1588"/>
+          </a:xfrm>
+          <a:prstGeom prst="straightConnector1">
+            <a:avLst/>
+          </a:prstGeom>
+          <a:ln>
+            <a:solidFill>
+              <a:schemeClr val="tx1"/>
+            </a:solidFill>
+            <a:tailEnd type="arrow"/>
+          </a:ln>
         </p:spPr>
         <p:style>
-          <a:lnRef idx="1">
+          <a:lnRef idx="2">
             <a:schemeClr val="accent1"/>
           </a:lnRef>
-          <a:fillRef idx="3">
+          <a:fillRef idx="0">
             <a:schemeClr val="accent1"/>
           </a:fillRef>
-          <a:effectRef idx="2">
+          <a:effectRef idx="1">
             <a:schemeClr val="accent1"/>
           </a:effectRef>
           <a:fontRef idx="minor">
-            <a:schemeClr val="lt1"/>
+            <a:schemeClr val="tx1"/>
           </a:fontRef>
         </p:style>
-        <p:txBody>
-          <a:bodyPr rtlCol="0" anchor="ctr"/>
-          <a:lstStyle/>
-          <a:p>
-            <a:pPr algn="ctr"/>
-            <a:endParaRPr lang="en-US"/>
-          </a:p>
-        </p:txBody>
-      </p:sp>
-      <p:sp>
-        <p:nvSpPr>
-          <p:cNvPr id="56" name="TextBox 55"/>
+      </p:cxnSp>
+      <p:sp>
+        <p:nvSpPr>
+          <p:cNvPr id="54" name="TextBox 53"/>
           <p:cNvSpPr txBox="1"/>
           <p:nvPr/>
         </p:nvSpPr>
         <p:spPr>
           <a:xfrm>
-            <a:off x="5853288" y="4278297"/>
-            <a:ext cx="2539249" cy="830997"/>
+            <a:off x="6426200" y="3213319"/>
+            <a:ext cx="2644447" cy="461665"/>
           </a:xfrm>
           <a:prstGeom prst="rect">
             <a:avLst/>
@@ -19293,11 +19420,102 @@
           <a:p>
             <a:r>
               <a:rPr lang="en-US" sz="2400" dirty="0" smtClean="0"/>
-              <a:t>SSH Agent</a:t>
-            </a:r>
-          </a:p>
-          <a:p>
-            <a:endParaRPr lang="en-US" sz="2400" dirty="0"/>
+              <a:t>Spawn</a:t>
+            </a:r>
+          </a:p>
+        </p:txBody>
+      </p:sp>
+      <p:sp>
+        <p:nvSpPr>
+          <p:cNvPr id="40" name="TextBox 39"/>
+          <p:cNvSpPr txBox="1"/>
+          <p:nvPr/>
+        </p:nvSpPr>
+        <p:spPr>
+          <a:xfrm rot="18960000">
+            <a:off x="4152900" y="2438619"/>
+            <a:ext cx="2644447" cy="461665"/>
+          </a:xfrm>
+          <a:prstGeom prst="rect">
+            <a:avLst/>
+          </a:prstGeom>
+          <a:noFill/>
+        </p:spPr>
+        <p:txBody>
+          <a:bodyPr wrap="square" rtlCol="0">
+            <a:spAutoFit/>
+          </a:bodyPr>
+          <a:lstStyle/>
+          <a:p>
+            <a:r>
+              <a:rPr lang="en-US" sz="2400" dirty="0" smtClean="0"/>
+              <a:t>MAC message</a:t>
+            </a:r>
+          </a:p>
+        </p:txBody>
+      </p:sp>
+      <p:cxnSp>
+        <p:nvCxnSpPr>
+          <p:cNvPr id="45" name="Straight Arrow Connector 44"/>
+          <p:cNvCxnSpPr/>
+          <p:nvPr/>
+        </p:nvCxnSpPr>
+        <p:spPr>
+          <a:xfrm flipV="1">
+            <a:off x="4503568" y="2812415"/>
+            <a:ext cx="1631286" cy="1238885"/>
+          </a:xfrm>
+          <a:prstGeom prst="straightConnector1">
+            <a:avLst/>
+          </a:prstGeom>
+          <a:ln>
+            <a:solidFill>
+              <a:schemeClr val="tx1"/>
+            </a:solidFill>
+            <a:tailEnd type="arrow"/>
+          </a:ln>
+        </p:spPr>
+        <p:style>
+          <a:lnRef idx="2">
+            <a:schemeClr val="accent1"/>
+          </a:lnRef>
+          <a:fillRef idx="0">
+            <a:schemeClr val="accent1"/>
+          </a:fillRef>
+          <a:effectRef idx="1">
+            <a:schemeClr val="accent1"/>
+          </a:effectRef>
+          <a:fontRef idx="minor">
+            <a:schemeClr val="tx1"/>
+          </a:fontRef>
+        </p:style>
+      </p:cxnSp>
+      <p:sp>
+        <p:nvSpPr>
+          <p:cNvPr id="51" name="TextBox 50"/>
+          <p:cNvSpPr txBox="1"/>
+          <p:nvPr/>
+        </p:nvSpPr>
+        <p:spPr>
+          <a:xfrm rot="19260000">
+            <a:off x="4965700" y="2603719"/>
+            <a:ext cx="2644447" cy="461665"/>
+          </a:xfrm>
+          <a:prstGeom prst="rect">
+            <a:avLst/>
+          </a:prstGeom>
+          <a:noFill/>
+        </p:spPr>
+        <p:txBody>
+          <a:bodyPr wrap="square" rtlCol="0">
+            <a:spAutoFit/>
+          </a:bodyPr>
+          <a:lstStyle/>
+          <a:p>
+            <a:r>
+              <a:rPr lang="en-US" sz="2400" dirty="0" smtClean="0"/>
+              <a:t>SSH</a:t>
+            </a:r>
           </a:p>
         </p:txBody>
       </p:sp>
@@ -20493,44 +20711,14 @@
       </p:grpSpPr>
       <p:sp>
         <p:nvSpPr>
-          <p:cNvPr id="49" name="TextBox 48"/>
-          <p:cNvSpPr txBox="1"/>
-          <p:nvPr/>
-        </p:nvSpPr>
-        <p:spPr>
-          <a:xfrm>
-            <a:off x="3607583" y="679387"/>
-            <a:ext cx="2579511" cy="461665"/>
-          </a:xfrm>
-          <a:prstGeom prst="rect">
-            <a:avLst/>
-          </a:prstGeom>
-          <a:noFill/>
-        </p:spPr>
-        <p:txBody>
-          <a:bodyPr wrap="square" rtlCol="0">
-            <a:spAutoFit/>
-          </a:bodyPr>
-          <a:lstStyle/>
-          <a:p>
-            <a:r>
-              <a:rPr lang="en-US" sz="2400" b="1" dirty="0" smtClean="0"/>
-              <a:t>Frontend node</a:t>
-            </a:r>
-            <a:endParaRPr lang="en-US" sz="2400" b="1" dirty="0"/>
-          </a:p>
-        </p:txBody>
-      </p:sp>
-      <p:sp>
-        <p:nvSpPr>
-          <p:cNvPr id="63" name="Rectangle 62"/>
+          <p:cNvPr id="4" name="Rectangle 3"/>
           <p:cNvSpPr/>
           <p:nvPr/>
         </p:nvSpPr>
         <p:spPr>
           <a:xfrm>
-            <a:off x="1778000" y="1220845"/>
-            <a:ext cx="6083300" cy="3986155"/>
+            <a:off x="966616" y="1063982"/>
+            <a:ext cx="2398889" cy="1816638"/>
           </a:xfrm>
           <a:prstGeom prst="rect">
             <a:avLst/>
@@ -20569,14 +20757,74 @@
       </p:sp>
       <p:sp>
         <p:nvSpPr>
-          <p:cNvPr id="64" name="Rectangle 63"/>
+          <p:cNvPr id="7" name="TextBox 6"/>
+          <p:cNvSpPr txBox="1"/>
+          <p:nvPr/>
+        </p:nvSpPr>
+        <p:spPr>
+          <a:xfrm>
+            <a:off x="1704620" y="594080"/>
+            <a:ext cx="2579511" cy="461665"/>
+          </a:xfrm>
+          <a:prstGeom prst="rect">
+            <a:avLst/>
+          </a:prstGeom>
+          <a:noFill/>
+        </p:spPr>
+        <p:txBody>
+          <a:bodyPr wrap="square" rtlCol="0">
+            <a:spAutoFit/>
+          </a:bodyPr>
+          <a:lstStyle/>
+          <a:p>
+            <a:r>
+              <a:rPr lang="en-US" sz="2400" b="1" dirty="0" smtClean="0"/>
+              <a:t>Client A</a:t>
+            </a:r>
+            <a:endParaRPr lang="en-US" sz="2400" b="1" dirty="0"/>
+          </a:p>
+        </p:txBody>
+      </p:sp>
+      <p:sp>
+        <p:nvSpPr>
+          <p:cNvPr id="47" name="TextBox 46"/>
+          <p:cNvSpPr txBox="1"/>
+          <p:nvPr/>
+        </p:nvSpPr>
+        <p:spPr>
+          <a:xfrm>
+            <a:off x="3636431" y="1331714"/>
+            <a:ext cx="2644447" cy="369332"/>
+          </a:xfrm>
+          <a:prstGeom prst="rect">
+            <a:avLst/>
+          </a:prstGeom>
+          <a:noFill/>
+        </p:spPr>
+        <p:txBody>
+          <a:bodyPr wrap="square" rtlCol="0">
+            <a:spAutoFit/>
+          </a:bodyPr>
+          <a:lstStyle/>
+          <a:p>
+            <a:r>
+              <a:rPr lang="en-US" dirty="0" smtClean="0"/>
+              <a:t>Submit a job</a:t>
+            </a:r>
+            <a:endParaRPr lang="en-US" dirty="0"/>
+          </a:p>
+        </p:txBody>
+      </p:sp>
+      <p:sp>
+        <p:nvSpPr>
+          <p:cNvPr id="45" name="Rectangle 44"/>
           <p:cNvSpPr/>
           <p:nvPr/>
         </p:nvSpPr>
         <p:spPr>
           <a:xfrm>
-            <a:off x="2001750" y="1544022"/>
-            <a:ext cx="2760786" cy="3472478"/>
+            <a:off x="1158525" y="1344414"/>
+            <a:ext cx="2017887" cy="1209697"/>
           </a:xfrm>
           <a:prstGeom prst="rect">
             <a:avLst/>
@@ -20610,14 +20858,14 @@
       </p:sp>
       <p:sp>
         <p:nvSpPr>
-          <p:cNvPr id="27" name="TextBox 26"/>
+          <p:cNvPr id="49" name="TextBox 48"/>
           <p:cNvSpPr txBox="1"/>
           <p:nvPr/>
         </p:nvSpPr>
         <p:spPr>
           <a:xfrm>
-            <a:off x="2108987" y="1607704"/>
-            <a:ext cx="2539249" cy="830997"/>
+            <a:off x="5624684" y="695680"/>
+            <a:ext cx="2579511" cy="461665"/>
           </a:xfrm>
           <a:prstGeom prst="rect">
             <a:avLst/>
@@ -20631,8 +20879,38 @@
           <a:lstStyle/>
           <a:p>
             <a:r>
+              <a:rPr lang="en-US" sz="2400" b="1" dirty="0" smtClean="0"/>
+              <a:t>Frontend node</a:t>
+            </a:r>
+            <a:endParaRPr lang="en-US" sz="2400" b="1" dirty="0"/>
+          </a:p>
+        </p:txBody>
+      </p:sp>
+      <p:sp>
+        <p:nvSpPr>
+          <p:cNvPr id="57" name="TextBox 56"/>
+          <p:cNvSpPr txBox="1"/>
+          <p:nvPr/>
+        </p:nvSpPr>
+        <p:spPr>
+          <a:xfrm>
+            <a:off x="1285519" y="1674797"/>
+            <a:ext cx="2539249" cy="830997"/>
+          </a:xfrm>
+          <a:prstGeom prst="rect">
+            <a:avLst/>
+          </a:prstGeom>
+          <a:noFill/>
+        </p:spPr>
+        <p:txBody>
+          <a:bodyPr wrap="square" rtlCol="0">
+            <a:spAutoFit/>
+          </a:bodyPr>
+          <a:lstStyle/>
+          <a:p>
+            <a:r>
               <a:rPr lang="en-US" sz="2400" dirty="0" smtClean="0"/>
-              <a:t>Web Server</a:t>
+              <a:t>Web Browse</a:t>
             </a:r>
           </a:p>
           <a:p>
@@ -20642,20 +20920,20 @@
       </p:sp>
       <p:sp>
         <p:nvSpPr>
-          <p:cNvPr id="55" name="Rectangle 54"/>
+          <p:cNvPr id="63" name="Rectangle 62"/>
           <p:cNvSpPr/>
           <p:nvPr/>
         </p:nvSpPr>
         <p:spPr>
           <a:xfrm>
-            <a:off x="3360686" y="2895418"/>
-            <a:ext cx="1287550" cy="1599719"/>
+            <a:off x="5384800" y="1220845"/>
+            <a:ext cx="2476500" cy="4481455"/>
           </a:xfrm>
           <a:prstGeom prst="rect">
             <a:avLst/>
           </a:prstGeom>
           <a:solidFill>
-            <a:schemeClr val="bg1"/>
+            <a:schemeClr val="accent1"/>
           </a:solidFill>
           <a:ln>
             <a:solidFill>
@@ -20688,52 +20966,14 @@
       </p:sp>
       <p:sp>
         <p:nvSpPr>
-          <p:cNvPr id="56" name="TextBox 55"/>
-          <p:cNvSpPr txBox="1"/>
-          <p:nvPr/>
-        </p:nvSpPr>
-        <p:spPr>
-          <a:xfrm>
-            <a:off x="3417122" y="3289300"/>
-            <a:ext cx="2539249" cy="1200328"/>
-          </a:xfrm>
-          <a:prstGeom prst="rect">
-            <a:avLst/>
-          </a:prstGeom>
-          <a:noFill/>
-        </p:spPr>
-        <p:txBody>
-          <a:bodyPr wrap="square" rtlCol="0">
-            <a:spAutoFit/>
-          </a:bodyPr>
-          <a:lstStyle/>
-          <a:p>
-            <a:r>
-              <a:rPr lang="en-US" sz="2400" dirty="0" smtClean="0"/>
-              <a:t>    SSH</a:t>
-            </a:r>
-          </a:p>
-          <a:p>
-            <a:r>
-              <a:rPr lang="en-US" sz="2400" dirty="0" smtClean="0"/>
-              <a:t>  Agent</a:t>
-            </a:r>
-          </a:p>
-          <a:p>
-            <a:endParaRPr lang="en-US" sz="2400" dirty="0"/>
-          </a:p>
-        </p:txBody>
-      </p:sp>
-      <p:sp>
-        <p:nvSpPr>
-          <p:cNvPr id="18" name="Rectangle 17"/>
+          <p:cNvPr id="64" name="Rectangle 63"/>
           <p:cNvSpPr/>
           <p:nvPr/>
         </p:nvSpPr>
         <p:spPr>
           <a:xfrm>
-            <a:off x="6187094" y="2895418"/>
-            <a:ext cx="1287550" cy="1599719"/>
+            <a:off x="5555551" y="1560315"/>
+            <a:ext cx="2017887" cy="1599719"/>
           </a:xfrm>
           <a:prstGeom prst="rect">
             <a:avLst/>
@@ -20741,11 +20981,6 @@
           <a:solidFill>
             <a:schemeClr val="bg1"/>
           </a:solidFill>
-          <a:ln>
-            <a:solidFill>
-              <a:schemeClr val="tx1"/>
-            </a:solidFill>
-          </a:ln>
         </p:spPr>
         <p:style>
           <a:lnRef idx="1">
@@ -20772,14 +21007,14 @@
       </p:sp>
       <p:sp>
         <p:nvSpPr>
-          <p:cNvPr id="19" name="TextBox 18"/>
+          <p:cNvPr id="32" name="TextBox 31"/>
           <p:cNvSpPr txBox="1"/>
           <p:nvPr/>
         </p:nvSpPr>
         <p:spPr>
           <a:xfrm>
-            <a:off x="6167330" y="3289300"/>
-            <a:ext cx="2539249" cy="1200328"/>
+            <a:off x="3649131" y="2157214"/>
+            <a:ext cx="2644447" cy="369332"/>
           </a:xfrm>
           <a:prstGeom prst="rect">
             <a:avLst/>
@@ -20793,34 +21028,157 @@
           <a:lstStyle/>
           <a:p>
             <a:r>
-              <a:rPr lang="en-US" sz="2400" dirty="0" smtClean="0"/>
-              <a:t>    SSH</a:t>
-            </a:r>
-          </a:p>
-          <a:p>
-            <a:r>
-              <a:rPr lang="en-US" sz="2400" dirty="0" smtClean="0"/>
-              <a:t>  Daemon</a:t>
-            </a:r>
-          </a:p>
-          <a:p>
-            <a:endParaRPr lang="en-US" sz="2400" dirty="0"/>
+              <a:rPr lang="en-US" dirty="0" smtClean="0"/>
+              <a:t>Cancel a Job</a:t>
+            </a:r>
+            <a:endParaRPr lang="en-US" dirty="0"/>
           </a:p>
         </p:txBody>
       </p:sp>
       <p:cxnSp>
         <p:nvCxnSpPr>
-          <p:cNvPr id="21" name="Straight Arrow Connector 20"/>
-          <p:cNvCxnSpPr>
-            <a:stCxn id="55" idx="3"/>
-            <a:endCxn id="18" idx="1"/>
-          </p:cNvCxnSpPr>
+          <p:cNvPr id="35" name="Straight Arrow Connector 34"/>
+          <p:cNvCxnSpPr/>
           <p:nvPr/>
         </p:nvCxnSpPr>
         <p:spPr>
-          <a:xfrm>
-            <a:off x="4648236" y="3695278"/>
-            <a:ext cx="1538858" cy="1588"/>
+          <a:xfrm flipV="1">
+            <a:off x="3176412" y="1701046"/>
+            <a:ext cx="2379139" cy="1"/>
+          </a:xfrm>
+          <a:prstGeom prst="straightConnector1">
+            <a:avLst/>
+          </a:prstGeom>
+          <a:ln>
+            <a:solidFill>
+              <a:schemeClr val="tx1"/>
+            </a:solidFill>
+            <a:tailEnd type="arrow"/>
+          </a:ln>
+        </p:spPr>
+        <p:style>
+          <a:lnRef idx="2">
+            <a:schemeClr val="accent1"/>
+          </a:lnRef>
+          <a:fillRef idx="0">
+            <a:schemeClr val="accent1"/>
+          </a:fillRef>
+          <a:effectRef idx="1">
+            <a:schemeClr val="accent1"/>
+          </a:effectRef>
+          <a:fontRef idx="minor">
+            <a:schemeClr val="tx1"/>
+          </a:fontRef>
+        </p:style>
+      </p:cxnSp>
+      <p:cxnSp>
+        <p:nvCxnSpPr>
+          <p:cNvPr id="36" name="Straight Arrow Connector 35"/>
+          <p:cNvCxnSpPr/>
+          <p:nvPr/>
+        </p:nvCxnSpPr>
+        <p:spPr>
+          <a:xfrm>
+            <a:off x="3201812" y="2196346"/>
+            <a:ext cx="2353739" cy="1588"/>
+          </a:xfrm>
+          <a:prstGeom prst="straightConnector1">
+            <a:avLst/>
+          </a:prstGeom>
+          <a:ln>
+            <a:solidFill>
+              <a:schemeClr val="tx1"/>
+            </a:solidFill>
+            <a:tailEnd type="arrow"/>
+          </a:ln>
+        </p:spPr>
+        <p:style>
+          <a:lnRef idx="2">
+            <a:schemeClr val="accent1"/>
+          </a:lnRef>
+          <a:fillRef idx="0">
+            <a:schemeClr val="accent1"/>
+          </a:fillRef>
+          <a:effectRef idx="1">
+            <a:schemeClr val="accent1"/>
+          </a:effectRef>
+          <a:fontRef idx="minor">
+            <a:schemeClr val="tx1"/>
+          </a:fontRef>
+        </p:style>
+      </p:cxnSp>
+      <p:sp>
+        <p:nvSpPr>
+          <p:cNvPr id="38" name="TextBox 37"/>
+          <p:cNvSpPr txBox="1"/>
+          <p:nvPr/>
+        </p:nvSpPr>
+        <p:spPr>
+          <a:xfrm>
+            <a:off x="3395131" y="1750814"/>
+            <a:ext cx="2644447" cy="369332"/>
+          </a:xfrm>
+          <a:prstGeom prst="rect">
+            <a:avLst/>
+          </a:prstGeom>
+          <a:noFill/>
+        </p:spPr>
+        <p:txBody>
+          <a:bodyPr wrap="square" rtlCol="0">
+            <a:spAutoFit/>
+          </a:bodyPr>
+          <a:lstStyle/>
+          <a:p>
+            <a:r>
+              <a:rPr lang="en-US" b="1" i="1" dirty="0" smtClean="0"/>
+              <a:t>Secure Connection</a:t>
+            </a:r>
+            <a:endParaRPr lang="en-US" b="1" i="1" dirty="0"/>
+          </a:p>
+        </p:txBody>
+      </p:sp>
+      <p:sp>
+        <p:nvSpPr>
+          <p:cNvPr id="27" name="TextBox 26"/>
+          <p:cNvSpPr txBox="1"/>
+          <p:nvPr/>
+        </p:nvSpPr>
+        <p:spPr>
+          <a:xfrm>
+            <a:off x="5777088" y="2017697"/>
+            <a:ext cx="2539249" cy="830997"/>
+          </a:xfrm>
+          <a:prstGeom prst="rect">
+            <a:avLst/>
+          </a:prstGeom>
+          <a:noFill/>
+        </p:spPr>
+        <p:txBody>
+          <a:bodyPr wrap="square" rtlCol="0">
+            <a:spAutoFit/>
+          </a:bodyPr>
+          <a:lstStyle/>
+          <a:p>
+            <a:r>
+              <a:rPr lang="en-US" sz="2400" dirty="0" smtClean="0"/>
+              <a:t>Web Server</a:t>
+            </a:r>
+          </a:p>
+          <a:p>
+            <a:endParaRPr lang="en-US" sz="2400" dirty="0"/>
+          </a:p>
+        </p:txBody>
+      </p:sp>
+      <p:cxnSp>
+        <p:nvCxnSpPr>
+          <p:cNvPr id="31" name="Straight Arrow Connector 30"/>
+          <p:cNvCxnSpPr/>
+          <p:nvPr/>
+        </p:nvCxnSpPr>
+        <p:spPr>
+          <a:xfrm rot="5400000">
+            <a:off x="6259663" y="3462484"/>
+            <a:ext cx="606487" cy="1588"/>
           </a:xfrm>
           <a:prstGeom prst="straightConnector1">
             <a:avLst/>
@@ -20850,14 +21208,55 @@
       </p:cxnSp>
       <p:sp>
         <p:nvSpPr>
-          <p:cNvPr id="22" name="TextBox 21"/>
+          <p:cNvPr id="55" name="Rectangle 54"/>
+          <p:cNvSpPr/>
+          <p:nvPr/>
+        </p:nvSpPr>
+        <p:spPr>
+          <a:xfrm>
+            <a:off x="5593651" y="3782815"/>
+            <a:ext cx="2017887" cy="1599719"/>
+          </a:xfrm>
+          <a:prstGeom prst="rect">
+            <a:avLst/>
+          </a:prstGeom>
+          <a:solidFill>
+            <a:schemeClr val="bg1"/>
+          </a:solidFill>
+        </p:spPr>
+        <p:style>
+          <a:lnRef idx="1">
+            <a:schemeClr val="accent1"/>
+          </a:lnRef>
+          <a:fillRef idx="3">
+            <a:schemeClr val="accent1"/>
+          </a:fillRef>
+          <a:effectRef idx="2">
+            <a:schemeClr val="accent1"/>
+          </a:effectRef>
+          <a:fontRef idx="minor">
+            <a:schemeClr val="lt1"/>
+          </a:fontRef>
+        </p:style>
+        <p:txBody>
+          <a:bodyPr rtlCol="0" anchor="ctr"/>
+          <a:lstStyle/>
+          <a:p>
+            <a:pPr algn="ctr"/>
+            <a:endParaRPr lang="en-US"/>
+          </a:p>
+        </p:txBody>
+      </p:sp>
+      <p:sp>
+        <p:nvSpPr>
+          <p:cNvPr id="56" name="TextBox 55"/>
           <p:cNvSpPr txBox="1"/>
           <p:nvPr/>
         </p:nvSpPr>
         <p:spPr>
           <a:xfrm>
-            <a:off x="4915687" y="2839604"/>
-            <a:ext cx="2539249" cy="1200328"/>
+            <a:off x="5853288" y="4278297"/>
+            <a:ext cx="2539249" cy="830997"/>
           </a:xfrm>
           <a:prstGeom prst="rect">
             <a:avLst/>
@@ -20872,13 +21271,7 @@
           <a:p>
             <a:r>
               <a:rPr lang="en-US" sz="2400" dirty="0" smtClean="0"/>
-              <a:t>SSH </a:t>
-            </a:r>
-          </a:p>
-          <a:p>
-            <a:r>
-              <a:rPr lang="en-US" sz="2400" dirty="0" smtClean="0"/>
-              <a:t>Protocol</a:t>
+              <a:t>SSH Agent</a:t>
             </a:r>
           </a:p>
           <a:p>
@@ -20920,14 +21313,44 @@
       </p:grpSpPr>
       <p:sp>
         <p:nvSpPr>
+          <p:cNvPr id="49" name="TextBox 48"/>
+          <p:cNvSpPr txBox="1"/>
+          <p:nvPr/>
+        </p:nvSpPr>
+        <p:spPr>
+          <a:xfrm>
+            <a:off x="3607583" y="679387"/>
+            <a:ext cx="2579511" cy="461665"/>
+          </a:xfrm>
+          <a:prstGeom prst="rect">
+            <a:avLst/>
+          </a:prstGeom>
+          <a:noFill/>
+        </p:spPr>
+        <p:txBody>
+          <a:bodyPr wrap="square" rtlCol="0">
+            <a:spAutoFit/>
+          </a:bodyPr>
+          <a:lstStyle/>
+          <a:p>
+            <a:r>
+              <a:rPr lang="en-US" sz="2400" b="1" dirty="0" smtClean="0"/>
+              <a:t>Frontend node</a:t>
+            </a:r>
+            <a:endParaRPr lang="en-US" sz="2400" b="1" dirty="0"/>
+          </a:p>
+        </p:txBody>
+      </p:sp>
+      <p:sp>
+        <p:nvSpPr>
           <p:cNvPr id="63" name="Rectangle 62"/>
           <p:cNvSpPr/>
           <p:nvPr/>
         </p:nvSpPr>
         <p:spPr>
           <a:xfrm>
-            <a:off x="1358900" y="1220845"/>
-            <a:ext cx="6515100" cy="4981218"/>
+            <a:off x="1778000" y="1220845"/>
+            <a:ext cx="6083300" cy="3986155"/>
           </a:xfrm>
           <a:prstGeom prst="rect">
             <a:avLst/>
@@ -20972,8 +21395,8 @@
         </p:nvSpPr>
         <p:spPr>
           <a:xfrm>
-            <a:off x="1649588" y="2179600"/>
-            <a:ext cx="2017887" cy="1209697"/>
+            <a:off x="2001750" y="1544022"/>
+            <a:ext cx="2760786" cy="3472478"/>
           </a:xfrm>
           <a:prstGeom prst="rect">
             <a:avLst/>
@@ -21007,14 +21430,46 @@
       </p:sp>
       <p:sp>
         <p:nvSpPr>
-          <p:cNvPr id="65" name="Rectangle 64"/>
+          <p:cNvPr id="27" name="TextBox 26"/>
+          <p:cNvSpPr txBox="1"/>
+          <p:nvPr/>
+        </p:nvSpPr>
+        <p:spPr>
+          <a:xfrm>
+            <a:off x="2108987" y="1607704"/>
+            <a:ext cx="2539249" cy="830997"/>
+          </a:xfrm>
+          <a:prstGeom prst="rect">
+            <a:avLst/>
+          </a:prstGeom>
+          <a:noFill/>
+        </p:spPr>
+        <p:txBody>
+          <a:bodyPr wrap="square" rtlCol="0">
+            <a:spAutoFit/>
+          </a:bodyPr>
+          <a:lstStyle/>
+          <a:p>
+            <a:r>
+              <a:rPr lang="en-US" sz="2400" dirty="0" smtClean="0"/>
+              <a:t>Web Server</a:t>
+            </a:r>
+          </a:p>
+          <a:p>
+            <a:endParaRPr lang="en-US" sz="2400" dirty="0"/>
+          </a:p>
+        </p:txBody>
+      </p:sp>
+      <p:sp>
+        <p:nvSpPr>
+          <p:cNvPr id="55" name="Rectangle 54"/>
           <p:cNvSpPr/>
           <p:nvPr/>
         </p:nvSpPr>
         <p:spPr>
           <a:xfrm>
-            <a:off x="4704651" y="3147320"/>
-            <a:ext cx="2017887" cy="1209697"/>
+            <a:off x="3360686" y="2895418"/>
+            <a:ext cx="1287550" cy="1599719"/>
           </a:xfrm>
           <a:prstGeom prst="rect">
             <a:avLst/>
@@ -21022,6 +21477,11 @@
           <a:solidFill>
             <a:schemeClr val="bg1"/>
           </a:solidFill>
+          <a:ln>
+            <a:solidFill>
+              <a:schemeClr val="tx1"/>
+            </a:solidFill>
+          </a:ln>
         </p:spPr>
         <p:style>
           <a:lnRef idx="1">
@@ -21048,14 +21508,14 @@
       </p:sp>
       <p:sp>
         <p:nvSpPr>
-          <p:cNvPr id="27" name="TextBox 26"/>
+          <p:cNvPr id="56" name="TextBox 55"/>
           <p:cNvSpPr txBox="1"/>
           <p:nvPr/>
         </p:nvSpPr>
         <p:spPr>
           <a:xfrm>
-            <a:off x="1954388" y="1411698"/>
-            <a:ext cx="2539249" cy="830997"/>
+            <a:off x="3417122" y="3289300"/>
+            <a:ext cx="2539249" cy="1200328"/>
           </a:xfrm>
           <a:prstGeom prst="rect">
             <a:avLst/>
@@ -21070,7 +21530,13 @@
           <a:p>
             <a:r>
               <a:rPr lang="en-US" sz="2400" dirty="0" smtClean="0"/>
-              <a:t>Web Server</a:t>
+              <a:t>    SSH</a:t>
+            </a:r>
+          </a:p>
+          <a:p>
+            <a:r>
+              <a:rPr lang="en-US" sz="2400" dirty="0" smtClean="0"/>
+              <a:t>  Agent</a:t>
             </a:r>
           </a:p>
           <a:p>
@@ -21080,48 +21546,14 @@
       </p:sp>
       <p:sp>
         <p:nvSpPr>
-          <p:cNvPr id="33" name="TextBox 32"/>
-          <p:cNvSpPr txBox="1"/>
-          <p:nvPr/>
-        </p:nvSpPr>
-        <p:spPr>
-          <a:xfrm>
-            <a:off x="4583288" y="3567097"/>
-            <a:ext cx="2539249" cy="461665"/>
-          </a:xfrm>
-          <a:prstGeom prst="rect">
-            <a:avLst/>
-          </a:prstGeom>
-          <a:noFill/>
-        </p:spPr>
-        <p:txBody>
-          <a:bodyPr wrap="square" rtlCol="0">
-            <a:spAutoFit/>
-          </a:bodyPr>
-          <a:lstStyle/>
-          <a:p>
-            <a:r>
-              <a:rPr lang="en-US" altLang="zh-CN" sz="2400" dirty="0" smtClean="0"/>
-              <a:t>	</a:t>
-            </a:r>
-            <a:r>
-              <a:rPr lang="en-US" altLang="zh-CN" sz="2400" dirty="0" err="1" smtClean="0"/>
-              <a:t>HttpServer</a:t>
-            </a:r>
-            <a:endParaRPr lang="en-US" sz="2400" dirty="0" smtClean="0"/>
-          </a:p>
-        </p:txBody>
-      </p:sp>
-      <p:sp>
-        <p:nvSpPr>
-          <p:cNvPr id="34" name="Rectangle 33"/>
+          <p:cNvPr id="18" name="Rectangle 17"/>
           <p:cNvSpPr/>
           <p:nvPr/>
         </p:nvSpPr>
         <p:spPr>
           <a:xfrm>
-            <a:off x="1694747" y="4752477"/>
-            <a:ext cx="2017887" cy="1209697"/>
+            <a:off x="6187094" y="2895418"/>
+            <a:ext cx="1287550" cy="1599719"/>
           </a:xfrm>
           <a:prstGeom prst="rect">
             <a:avLst/>
@@ -21129,6 +21561,11 @@
           <a:solidFill>
             <a:schemeClr val="bg1"/>
           </a:solidFill>
+          <a:ln>
+            <a:solidFill>
+              <a:schemeClr val="tx1"/>
+            </a:solidFill>
+          </a:ln>
         </p:spPr>
         <p:style>
           <a:lnRef idx="1">
@@ -21155,14 +21592,14 @@
       </p:sp>
       <p:sp>
         <p:nvSpPr>
-          <p:cNvPr id="22" name="TextBox 21"/>
+          <p:cNvPr id="19" name="TextBox 18"/>
           <p:cNvSpPr txBox="1"/>
           <p:nvPr/>
         </p:nvSpPr>
         <p:spPr>
           <a:xfrm>
-            <a:off x="1738489" y="2458595"/>
-            <a:ext cx="2860980" cy="830997"/>
+            <a:off x="6167330" y="3289300"/>
+            <a:ext cx="2539249" cy="1200328"/>
           </a:xfrm>
           <a:prstGeom prst="rect">
             <a:avLst/>
@@ -21176,47 +21613,15 @@
           <a:lstStyle/>
           <a:p>
             <a:r>
-              <a:rPr lang="en-US" sz="2400" dirty="0" err="1" smtClean="0"/>
-              <a:t>HttpRequest</a:t>
-            </a:r>
-            <a:endParaRPr lang="en-US" sz="2400" dirty="0" smtClean="0"/>
-          </a:p>
-          <a:p>
-            <a:endParaRPr lang="en-US" sz="2400" dirty="0"/>
-          </a:p>
-        </p:txBody>
-      </p:sp>
-      <p:sp>
-        <p:nvSpPr>
-          <p:cNvPr id="23" name="TextBox 22"/>
-          <p:cNvSpPr txBox="1"/>
-          <p:nvPr/>
-        </p:nvSpPr>
-        <p:spPr>
-          <a:xfrm>
-            <a:off x="1687689" y="5011295"/>
-            <a:ext cx="2860980" cy="830997"/>
-          </a:xfrm>
-          <a:prstGeom prst="rect">
-            <a:avLst/>
-          </a:prstGeom>
-          <a:noFill/>
-        </p:spPr>
-        <p:txBody>
-          <a:bodyPr wrap="square" rtlCol="0">
-            <a:spAutoFit/>
-          </a:bodyPr>
-          <a:lstStyle/>
-          <a:p>
-            <a:r>
               <a:rPr lang="en-US" sz="2400" dirty="0" smtClean="0"/>
-              <a:t> </a:t>
-            </a:r>
-            <a:r>
-              <a:rPr lang="en-US" sz="2400" dirty="0" err="1" smtClean="0"/>
-              <a:t>HttpResponse</a:t>
-            </a:r>
-            <a:endParaRPr lang="en-US" sz="2400" dirty="0" smtClean="0"/>
+              <a:t>    SSH</a:t>
+            </a:r>
+          </a:p>
+          <a:p>
+            <a:r>
+              <a:rPr lang="en-US" sz="2400" dirty="0" smtClean="0"/>
+              <a:t>  Daemon</a:t>
+            </a:r>
           </a:p>
           <a:p>
             <a:endParaRPr lang="en-US" sz="2400" dirty="0"/>
@@ -21225,16 +21630,17 @@
       </p:sp>
       <p:cxnSp>
         <p:nvCxnSpPr>
-          <p:cNvPr id="25" name="Straight Arrow Connector 24"/>
+          <p:cNvPr id="21" name="Straight Arrow Connector 20"/>
           <p:cNvCxnSpPr>
-            <a:endCxn id="64" idx="1"/>
+            <a:stCxn id="55" idx="3"/>
+            <a:endCxn id="18" idx="1"/>
           </p:cNvCxnSpPr>
           <p:nvPr/>
         </p:nvCxnSpPr>
         <p:spPr>
           <a:xfrm>
-            <a:off x="292100" y="2784449"/>
-            <a:ext cx="1357488" cy="1588"/>
+            <a:off x="4648236" y="3695278"/>
+            <a:ext cx="1538858" cy="1588"/>
           </a:xfrm>
           <a:prstGeom prst="straightConnector1">
             <a:avLst/>
@@ -21243,6 +21649,7 @@
             <a:solidFill>
               <a:schemeClr val="tx1"/>
             </a:solidFill>
+            <a:headEnd type="arrow"/>
             <a:tailEnd type="arrow"/>
           </a:ln>
         </p:spPr>
@@ -21263,14 +21670,14 @@
       </p:cxnSp>
       <p:sp>
         <p:nvSpPr>
-          <p:cNvPr id="28" name="TextBox 27"/>
+          <p:cNvPr id="22" name="TextBox 21"/>
           <p:cNvSpPr txBox="1"/>
           <p:nvPr/>
         </p:nvSpPr>
         <p:spPr>
           <a:xfrm>
-            <a:off x="-103011" y="2331595"/>
-            <a:ext cx="2860980" cy="830997"/>
+            <a:off x="4915687" y="2839604"/>
+            <a:ext cx="2539249" cy="1200328"/>
           </a:xfrm>
           <a:prstGeom prst="rect">
             <a:avLst/>
@@ -21285,7 +21692,13 @@
           <a:p>
             <a:r>
               <a:rPr lang="en-US" sz="2400" dirty="0" smtClean="0"/>
-              <a:t>         SSL</a:t>
+              <a:t>SSH </a:t>
+            </a:r>
+          </a:p>
+          <a:p>
+            <a:r>
+              <a:rPr lang="en-US" sz="2400" dirty="0" smtClean="0"/>
+              <a:t>Protocol</a:t>
             </a:r>
           </a:p>
           <a:p>
@@ -21293,436 +21706,6 @@
           </a:p>
         </p:txBody>
       </p:sp>
-      <p:cxnSp>
-        <p:nvCxnSpPr>
-          <p:cNvPr id="30" name="Straight Arrow Connector 29"/>
-          <p:cNvCxnSpPr>
-            <a:stCxn id="34" idx="1"/>
-          </p:cNvCxnSpPr>
-          <p:nvPr/>
-        </p:nvCxnSpPr>
-        <p:spPr>
-          <a:xfrm rot="10800000" flipV="1">
-            <a:off x="292101" y="5357326"/>
-            <a:ext cx="1402647" cy="2074"/>
-          </a:xfrm>
-          <a:prstGeom prst="straightConnector1">
-            <a:avLst/>
-          </a:prstGeom>
-          <a:ln>
-            <a:solidFill>
-              <a:schemeClr val="tx1"/>
-            </a:solidFill>
-            <a:tailEnd type="arrow"/>
-          </a:ln>
-        </p:spPr>
-        <p:style>
-          <a:lnRef idx="2">
-            <a:schemeClr val="accent1"/>
-          </a:lnRef>
-          <a:fillRef idx="0">
-            <a:schemeClr val="accent1"/>
-          </a:fillRef>
-          <a:effectRef idx="1">
-            <a:schemeClr val="accent1"/>
-          </a:effectRef>
-          <a:fontRef idx="minor">
-            <a:schemeClr val="tx1"/>
-          </a:fontRef>
-        </p:style>
-      </p:cxnSp>
-      <p:sp>
-        <p:nvSpPr>
-          <p:cNvPr id="37" name="TextBox 36"/>
-          <p:cNvSpPr txBox="1"/>
-          <p:nvPr/>
-        </p:nvSpPr>
-        <p:spPr>
-          <a:xfrm>
-            <a:off x="-103011" y="4896995"/>
-            <a:ext cx="2860980" cy="830997"/>
-          </a:xfrm>
-          <a:prstGeom prst="rect">
-            <a:avLst/>
-          </a:prstGeom>
-          <a:noFill/>
-        </p:spPr>
-        <p:txBody>
-          <a:bodyPr wrap="square" rtlCol="0">
-            <a:spAutoFit/>
-          </a:bodyPr>
-          <a:lstStyle/>
-          <a:p>
-            <a:r>
-              <a:rPr lang="en-US" sz="2400" dirty="0" smtClean="0"/>
-              <a:t>         SSL</a:t>
-            </a:r>
-          </a:p>
-          <a:p>
-            <a:endParaRPr lang="en-US" sz="2400" dirty="0"/>
-          </a:p>
-        </p:txBody>
-      </p:sp>
-      <p:cxnSp>
-        <p:nvCxnSpPr>
-          <p:cNvPr id="40" name="Straight Arrow Connector 39"/>
-          <p:cNvCxnSpPr>
-            <a:stCxn id="64" idx="3"/>
-          </p:cNvCxnSpPr>
-          <p:nvPr/>
-        </p:nvCxnSpPr>
-        <p:spPr>
-          <a:xfrm>
-            <a:off x="3667475" y="2784449"/>
-            <a:ext cx="1037176" cy="1000151"/>
-          </a:xfrm>
-          <a:prstGeom prst="straightConnector1">
-            <a:avLst/>
-          </a:prstGeom>
-          <a:ln>
-            <a:solidFill>
-              <a:schemeClr val="tx1"/>
-            </a:solidFill>
-            <a:tailEnd type="arrow"/>
-          </a:ln>
-        </p:spPr>
-        <p:style>
-          <a:lnRef idx="2">
-            <a:schemeClr val="accent1"/>
-          </a:lnRef>
-          <a:fillRef idx="0">
-            <a:schemeClr val="accent1"/>
-          </a:fillRef>
-          <a:effectRef idx="1">
-            <a:schemeClr val="accent1"/>
-          </a:effectRef>
-          <a:fontRef idx="minor">
-            <a:schemeClr val="tx1"/>
-          </a:fontRef>
-        </p:style>
-      </p:cxnSp>
-      <p:cxnSp>
-        <p:nvCxnSpPr>
-          <p:cNvPr id="44" name="Straight Arrow Connector 43"/>
-          <p:cNvCxnSpPr/>
-          <p:nvPr/>
-        </p:nvCxnSpPr>
-        <p:spPr>
-          <a:xfrm rot="5400000">
-            <a:off x="3338695" y="4158542"/>
-            <a:ext cx="1739899" cy="992014"/>
-          </a:xfrm>
-          <a:prstGeom prst="straightConnector1">
-            <a:avLst/>
-          </a:prstGeom>
-          <a:ln>
-            <a:solidFill>
-              <a:schemeClr val="tx1"/>
-            </a:solidFill>
-            <a:tailEnd type="arrow"/>
-          </a:ln>
-        </p:spPr>
-        <p:style>
-          <a:lnRef idx="2">
-            <a:schemeClr val="accent1"/>
-          </a:lnRef>
-          <a:fillRef idx="0">
-            <a:schemeClr val="accent1"/>
-          </a:fillRef>
-          <a:effectRef idx="1">
-            <a:schemeClr val="accent1"/>
-          </a:effectRef>
-          <a:fontRef idx="minor">
-            <a:schemeClr val="tx1"/>
-          </a:fontRef>
-        </p:style>
-      </p:cxnSp>
-      <p:sp>
-        <p:nvSpPr>
-          <p:cNvPr id="52" name="Rectangle 51"/>
-          <p:cNvSpPr/>
-          <p:nvPr/>
-        </p:nvSpPr>
-        <p:spPr>
-          <a:xfrm>
-            <a:off x="4704651" y="1445520"/>
-            <a:ext cx="2017887" cy="1209697"/>
-          </a:xfrm>
-          <a:prstGeom prst="rect">
-            <a:avLst/>
-          </a:prstGeom>
-          <a:solidFill>
-            <a:schemeClr val="bg1"/>
-          </a:solidFill>
-        </p:spPr>
-        <p:style>
-          <a:lnRef idx="1">
-            <a:schemeClr val="accent1"/>
-          </a:lnRef>
-          <a:fillRef idx="3">
-            <a:schemeClr val="accent1"/>
-          </a:fillRef>
-          <a:effectRef idx="2">
-            <a:schemeClr val="accent1"/>
-          </a:effectRef>
-          <a:fontRef idx="minor">
-            <a:schemeClr val="lt1"/>
-          </a:fontRef>
-        </p:style>
-        <p:txBody>
-          <a:bodyPr rtlCol="0" anchor="ctr"/>
-          <a:lstStyle/>
-          <a:p>
-            <a:pPr algn="ctr"/>
-            <a:endParaRPr lang="en-US"/>
-          </a:p>
-        </p:txBody>
-      </p:sp>
-      <p:sp>
-        <p:nvSpPr>
-          <p:cNvPr id="53" name="TextBox 52"/>
-          <p:cNvSpPr txBox="1"/>
-          <p:nvPr/>
-        </p:nvSpPr>
-        <p:spPr>
-          <a:xfrm>
-            <a:off x="4595988" y="1725597"/>
-            <a:ext cx="2539249" cy="461665"/>
-          </a:xfrm>
-          <a:prstGeom prst="rect">
-            <a:avLst/>
-          </a:prstGeom>
-          <a:noFill/>
-        </p:spPr>
-        <p:txBody>
-          <a:bodyPr wrap="square" rtlCol="0">
-            <a:spAutoFit/>
-          </a:bodyPr>
-          <a:lstStyle/>
-          <a:p>
-            <a:r>
-              <a:rPr lang="en-US" sz="2400" dirty="0" err="1" smtClean="0"/>
-              <a:t>SessionManager</a:t>
-            </a:r>
-            <a:endParaRPr lang="en-US" sz="2400" dirty="0" smtClean="0"/>
-          </a:p>
-        </p:txBody>
-      </p:sp>
-      <p:cxnSp>
-        <p:nvCxnSpPr>
-          <p:cNvPr id="55" name="Straight Arrow Connector 54"/>
-          <p:cNvCxnSpPr/>
-          <p:nvPr/>
-        </p:nvCxnSpPr>
-        <p:spPr>
-          <a:xfrm rot="16200000" flipH="1">
-            <a:off x="5094301" y="2907619"/>
-            <a:ext cx="517500" cy="12699"/>
-          </a:xfrm>
-          <a:prstGeom prst="straightConnector1">
-            <a:avLst/>
-          </a:prstGeom>
-          <a:ln>
-            <a:solidFill>
-              <a:schemeClr val="tx1"/>
-            </a:solidFill>
-            <a:tailEnd type="arrow"/>
-          </a:ln>
-        </p:spPr>
-        <p:style>
-          <a:lnRef idx="2">
-            <a:schemeClr val="accent1"/>
-          </a:lnRef>
-          <a:fillRef idx="0">
-            <a:schemeClr val="accent1"/>
-          </a:fillRef>
-          <a:effectRef idx="1">
-            <a:schemeClr val="accent1"/>
-          </a:effectRef>
-          <a:fontRef idx="minor">
-            <a:schemeClr val="tx1"/>
-          </a:fontRef>
-        </p:style>
-      </p:cxnSp>
-      <p:cxnSp>
-        <p:nvCxnSpPr>
-          <p:cNvPr id="58" name="Straight Arrow Connector 57"/>
-          <p:cNvCxnSpPr/>
-          <p:nvPr/>
-        </p:nvCxnSpPr>
-        <p:spPr>
-          <a:xfrm rot="16200000" flipV="1">
-            <a:off x="5786451" y="2901268"/>
-            <a:ext cx="492102" cy="2"/>
-          </a:xfrm>
-          <a:prstGeom prst="straightConnector1">
-            <a:avLst/>
-          </a:prstGeom>
-          <a:ln>
-            <a:solidFill>
-              <a:schemeClr val="tx1"/>
-            </a:solidFill>
-            <a:tailEnd type="arrow"/>
-          </a:ln>
-        </p:spPr>
-        <p:style>
-          <a:lnRef idx="2">
-            <a:schemeClr val="accent1"/>
-          </a:lnRef>
-          <a:fillRef idx="0">
-            <a:schemeClr val="accent1"/>
-          </a:fillRef>
-          <a:effectRef idx="1">
-            <a:schemeClr val="accent1"/>
-          </a:effectRef>
-          <a:fontRef idx="minor">
-            <a:schemeClr val="tx1"/>
-          </a:fontRef>
-        </p:style>
-      </p:cxnSp>
-      <p:sp>
-        <p:nvSpPr>
-          <p:cNvPr id="24" name="Rectangle 23"/>
-          <p:cNvSpPr/>
-          <p:nvPr/>
-        </p:nvSpPr>
-        <p:spPr>
-          <a:xfrm>
-            <a:off x="4730051" y="4925320"/>
-            <a:ext cx="2017887" cy="1209697"/>
-          </a:xfrm>
-          <a:prstGeom prst="rect">
-            <a:avLst/>
-          </a:prstGeom>
-          <a:solidFill>
-            <a:schemeClr val="bg1"/>
-          </a:solidFill>
-        </p:spPr>
-        <p:style>
-          <a:lnRef idx="1">
-            <a:schemeClr val="accent1"/>
-          </a:lnRef>
-          <a:fillRef idx="3">
-            <a:schemeClr val="accent1"/>
-          </a:fillRef>
-          <a:effectRef idx="2">
-            <a:schemeClr val="accent1"/>
-          </a:effectRef>
-          <a:fontRef idx="minor">
-            <a:schemeClr val="lt1"/>
-          </a:fontRef>
-        </p:style>
-        <p:txBody>
-          <a:bodyPr rtlCol="0" anchor="ctr"/>
-          <a:lstStyle/>
-          <a:p>
-            <a:pPr algn="ctr"/>
-            <a:endParaRPr lang="en-US"/>
-          </a:p>
-        </p:txBody>
-      </p:sp>
-      <p:sp>
-        <p:nvSpPr>
-          <p:cNvPr id="26" name="TextBox 25"/>
-          <p:cNvSpPr txBox="1"/>
-          <p:nvPr/>
-        </p:nvSpPr>
-        <p:spPr>
-          <a:xfrm>
-            <a:off x="4608688" y="5230797"/>
-            <a:ext cx="2539249" cy="461665"/>
-          </a:xfrm>
-          <a:prstGeom prst="rect">
-            <a:avLst/>
-          </a:prstGeom>
-          <a:noFill/>
-        </p:spPr>
-        <p:txBody>
-          <a:bodyPr wrap="square" rtlCol="0">
-            <a:spAutoFit/>
-          </a:bodyPr>
-          <a:lstStyle/>
-          <a:p>
-            <a:r>
-              <a:rPr lang="en-US" altLang="zh-CN" sz="2400" dirty="0" smtClean="0"/>
-              <a:t>	SSH Agent</a:t>
-            </a:r>
-            <a:endParaRPr lang="en-US" sz="2400" dirty="0" smtClean="0"/>
-          </a:p>
-        </p:txBody>
-      </p:sp>
-      <p:cxnSp>
-        <p:nvCxnSpPr>
-          <p:cNvPr id="32" name="Straight Arrow Connector 31"/>
-          <p:cNvCxnSpPr/>
-          <p:nvPr/>
-        </p:nvCxnSpPr>
-        <p:spPr>
-          <a:xfrm rot="16200000" flipH="1">
-            <a:off x="5132401" y="4647519"/>
-            <a:ext cx="517500" cy="12699"/>
-          </a:xfrm>
-          <a:prstGeom prst="straightConnector1">
-            <a:avLst/>
-          </a:prstGeom>
-          <a:ln>
-            <a:solidFill>
-              <a:schemeClr val="tx1"/>
-            </a:solidFill>
-            <a:tailEnd type="arrow"/>
-          </a:ln>
-        </p:spPr>
-        <p:style>
-          <a:lnRef idx="2">
-            <a:schemeClr val="accent1"/>
-          </a:lnRef>
-          <a:fillRef idx="0">
-            <a:schemeClr val="accent1"/>
-          </a:fillRef>
-          <a:effectRef idx="1">
-            <a:schemeClr val="accent1"/>
-          </a:effectRef>
-          <a:fontRef idx="minor">
-            <a:schemeClr val="tx1"/>
-          </a:fontRef>
-        </p:style>
-      </p:cxnSp>
-      <p:cxnSp>
-        <p:nvCxnSpPr>
-          <p:cNvPr id="35" name="Straight Arrow Connector 34"/>
-          <p:cNvCxnSpPr/>
-          <p:nvPr/>
-        </p:nvCxnSpPr>
-        <p:spPr>
-          <a:xfrm rot="16200000" flipV="1">
-            <a:off x="5824551" y="4641168"/>
-            <a:ext cx="492102" cy="2"/>
-          </a:xfrm>
-          <a:prstGeom prst="straightConnector1">
-            <a:avLst/>
-          </a:prstGeom>
-          <a:ln>
-            <a:solidFill>
-              <a:schemeClr val="tx1"/>
-            </a:solidFill>
-            <a:tailEnd type="arrow"/>
-          </a:ln>
-        </p:spPr>
-        <p:style>
-          <a:lnRef idx="2">
-            <a:schemeClr val="accent1"/>
-          </a:lnRef>
-          <a:fillRef idx="0">
-            <a:schemeClr val="accent1"/>
-          </a:fillRef>
-          <a:effectRef idx="1">
-            <a:schemeClr val="accent1"/>
-          </a:effectRef>
-          <a:fontRef idx="minor">
-            <a:schemeClr val="tx1"/>
-          </a:fontRef>
-        </p:style>
-      </p:cxnSp>
     </p:spTree>
   </p:cSld>
   <p:clrMapOvr>
@@ -21763,8 +21746,8 @@
         </p:nvSpPr>
         <p:spPr>
           <a:xfrm>
-            <a:off x="4343400" y="281045"/>
-            <a:ext cx="3238500" cy="2500255"/>
+            <a:off x="1358900" y="1220845"/>
+            <a:ext cx="6515100" cy="4981218"/>
           </a:xfrm>
           <a:prstGeom prst="rect">
             <a:avLst/>
@@ -21801,15 +21784,276 @@
           </a:p>
         </p:txBody>
       </p:sp>
+      <p:sp>
+        <p:nvSpPr>
+          <p:cNvPr id="64" name="Rectangle 63"/>
+          <p:cNvSpPr/>
+          <p:nvPr/>
+        </p:nvSpPr>
+        <p:spPr>
+          <a:xfrm>
+            <a:off x="1649588" y="2179600"/>
+            <a:ext cx="2017887" cy="1209697"/>
+          </a:xfrm>
+          <a:prstGeom prst="rect">
+            <a:avLst/>
+          </a:prstGeom>
+          <a:solidFill>
+            <a:schemeClr val="bg1"/>
+          </a:solidFill>
+        </p:spPr>
+        <p:style>
+          <a:lnRef idx="1">
+            <a:schemeClr val="accent1"/>
+          </a:lnRef>
+          <a:fillRef idx="3">
+            <a:schemeClr val="accent1"/>
+          </a:fillRef>
+          <a:effectRef idx="2">
+            <a:schemeClr val="accent1"/>
+          </a:effectRef>
+          <a:fontRef idx="minor">
+            <a:schemeClr val="lt1"/>
+          </a:fontRef>
+        </p:style>
+        <p:txBody>
+          <a:bodyPr rtlCol="0" anchor="ctr"/>
+          <a:lstStyle/>
+          <a:p>
+            <a:pPr algn="ctr"/>
+            <a:endParaRPr lang="en-US"/>
+          </a:p>
+        </p:txBody>
+      </p:sp>
+      <p:sp>
+        <p:nvSpPr>
+          <p:cNvPr id="65" name="Rectangle 64"/>
+          <p:cNvSpPr/>
+          <p:nvPr/>
+        </p:nvSpPr>
+        <p:spPr>
+          <a:xfrm>
+            <a:off x="4704651" y="3147320"/>
+            <a:ext cx="2017887" cy="1209697"/>
+          </a:xfrm>
+          <a:prstGeom prst="rect">
+            <a:avLst/>
+          </a:prstGeom>
+          <a:solidFill>
+            <a:schemeClr val="bg1"/>
+          </a:solidFill>
+        </p:spPr>
+        <p:style>
+          <a:lnRef idx="1">
+            <a:schemeClr val="accent1"/>
+          </a:lnRef>
+          <a:fillRef idx="3">
+            <a:schemeClr val="accent1"/>
+          </a:fillRef>
+          <a:effectRef idx="2">
+            <a:schemeClr val="accent1"/>
+          </a:effectRef>
+          <a:fontRef idx="minor">
+            <a:schemeClr val="lt1"/>
+          </a:fontRef>
+        </p:style>
+        <p:txBody>
+          <a:bodyPr rtlCol="0" anchor="ctr"/>
+          <a:lstStyle/>
+          <a:p>
+            <a:pPr algn="ctr"/>
+            <a:endParaRPr lang="en-US"/>
+          </a:p>
+        </p:txBody>
+      </p:sp>
+      <p:sp>
+        <p:nvSpPr>
+          <p:cNvPr id="27" name="TextBox 26"/>
+          <p:cNvSpPr txBox="1"/>
+          <p:nvPr/>
+        </p:nvSpPr>
+        <p:spPr>
+          <a:xfrm>
+            <a:off x="1954388" y="1411698"/>
+            <a:ext cx="2539249" cy="830997"/>
+          </a:xfrm>
+          <a:prstGeom prst="rect">
+            <a:avLst/>
+          </a:prstGeom>
+          <a:noFill/>
+        </p:spPr>
+        <p:txBody>
+          <a:bodyPr wrap="square" rtlCol="0">
+            <a:spAutoFit/>
+          </a:bodyPr>
+          <a:lstStyle/>
+          <a:p>
+            <a:r>
+              <a:rPr lang="en-US" sz="2400" dirty="0" smtClean="0"/>
+              <a:t>Web Server</a:t>
+            </a:r>
+          </a:p>
+          <a:p>
+            <a:endParaRPr lang="en-US" sz="2400" dirty="0"/>
+          </a:p>
+        </p:txBody>
+      </p:sp>
+      <p:sp>
+        <p:nvSpPr>
+          <p:cNvPr id="33" name="TextBox 32"/>
+          <p:cNvSpPr txBox="1"/>
+          <p:nvPr/>
+        </p:nvSpPr>
+        <p:spPr>
+          <a:xfrm>
+            <a:off x="4583288" y="3567097"/>
+            <a:ext cx="2539249" cy="461665"/>
+          </a:xfrm>
+          <a:prstGeom prst="rect">
+            <a:avLst/>
+          </a:prstGeom>
+          <a:noFill/>
+        </p:spPr>
+        <p:txBody>
+          <a:bodyPr wrap="square" rtlCol="0">
+            <a:spAutoFit/>
+          </a:bodyPr>
+          <a:lstStyle/>
+          <a:p>
+            <a:r>
+              <a:rPr lang="en-US" altLang="zh-CN" sz="2400" dirty="0" smtClean="0"/>
+              <a:t>	</a:t>
+            </a:r>
+            <a:r>
+              <a:rPr lang="en-US" altLang="zh-CN" sz="2400" dirty="0" err="1" smtClean="0"/>
+              <a:t>HttpServer</a:t>
+            </a:r>
+            <a:endParaRPr lang="en-US" sz="2400" dirty="0" smtClean="0"/>
+          </a:p>
+        </p:txBody>
+      </p:sp>
+      <p:sp>
+        <p:nvSpPr>
+          <p:cNvPr id="34" name="Rectangle 33"/>
+          <p:cNvSpPr/>
+          <p:nvPr/>
+        </p:nvSpPr>
+        <p:spPr>
+          <a:xfrm>
+            <a:off x="1694747" y="4752477"/>
+            <a:ext cx="2017887" cy="1209697"/>
+          </a:xfrm>
+          <a:prstGeom prst="rect">
+            <a:avLst/>
+          </a:prstGeom>
+          <a:solidFill>
+            <a:schemeClr val="bg1"/>
+          </a:solidFill>
+        </p:spPr>
+        <p:style>
+          <a:lnRef idx="1">
+            <a:schemeClr val="accent1"/>
+          </a:lnRef>
+          <a:fillRef idx="3">
+            <a:schemeClr val="accent1"/>
+          </a:fillRef>
+          <a:effectRef idx="2">
+            <a:schemeClr val="accent1"/>
+          </a:effectRef>
+          <a:fontRef idx="minor">
+            <a:schemeClr val="lt1"/>
+          </a:fontRef>
+        </p:style>
+        <p:txBody>
+          <a:bodyPr rtlCol="0" anchor="ctr"/>
+          <a:lstStyle/>
+          <a:p>
+            <a:pPr algn="ctr"/>
+            <a:endParaRPr lang="en-US"/>
+          </a:p>
+        </p:txBody>
+      </p:sp>
+      <p:sp>
+        <p:nvSpPr>
+          <p:cNvPr id="22" name="TextBox 21"/>
+          <p:cNvSpPr txBox="1"/>
+          <p:nvPr/>
+        </p:nvSpPr>
+        <p:spPr>
+          <a:xfrm>
+            <a:off x="1738489" y="2458595"/>
+            <a:ext cx="2860980" cy="830997"/>
+          </a:xfrm>
+          <a:prstGeom prst="rect">
+            <a:avLst/>
+          </a:prstGeom>
+          <a:noFill/>
+        </p:spPr>
+        <p:txBody>
+          <a:bodyPr wrap="square" rtlCol="0">
+            <a:spAutoFit/>
+          </a:bodyPr>
+          <a:lstStyle/>
+          <a:p>
+            <a:r>
+              <a:rPr lang="en-US" sz="2400" dirty="0" err="1" smtClean="0"/>
+              <a:t>HttpRequest</a:t>
+            </a:r>
+            <a:endParaRPr lang="en-US" sz="2400" dirty="0" smtClean="0"/>
+          </a:p>
+          <a:p>
+            <a:endParaRPr lang="en-US" sz="2400" dirty="0"/>
+          </a:p>
+        </p:txBody>
+      </p:sp>
+      <p:sp>
+        <p:nvSpPr>
+          <p:cNvPr id="23" name="TextBox 22"/>
+          <p:cNvSpPr txBox="1"/>
+          <p:nvPr/>
+        </p:nvSpPr>
+        <p:spPr>
+          <a:xfrm>
+            <a:off x="1687689" y="5011295"/>
+            <a:ext cx="2860980" cy="830997"/>
+          </a:xfrm>
+          <a:prstGeom prst="rect">
+            <a:avLst/>
+          </a:prstGeom>
+          <a:noFill/>
+        </p:spPr>
+        <p:txBody>
+          <a:bodyPr wrap="square" rtlCol="0">
+            <a:spAutoFit/>
+          </a:bodyPr>
+          <a:lstStyle/>
+          <a:p>
+            <a:r>
+              <a:rPr lang="en-US" sz="2400" dirty="0" smtClean="0"/>
+              <a:t> </a:t>
+            </a:r>
+            <a:r>
+              <a:rPr lang="en-US" sz="2400" dirty="0" err="1" smtClean="0"/>
+              <a:t>HttpResponse</a:t>
+            </a:r>
+            <a:endParaRPr lang="en-US" sz="2400" dirty="0" smtClean="0"/>
+          </a:p>
+          <a:p>
+            <a:endParaRPr lang="en-US" sz="2400" dirty="0"/>
+          </a:p>
+        </p:txBody>
+      </p:sp>
       <p:cxnSp>
         <p:nvCxnSpPr>
           <p:cNvPr id="25" name="Straight Arrow Connector 24"/>
-          <p:cNvCxnSpPr/>
+          <p:cNvCxnSpPr>
+            <a:endCxn id="64" idx="1"/>
+          </p:cNvCxnSpPr>
           <p:nvPr/>
         </p:nvCxnSpPr>
         <p:spPr>
           <a:xfrm>
-            <a:off x="2565400" y="1524000"/>
+            <a:off x="292100" y="2784449"/>
             <a:ext cx="1357488" cy="1588"/>
           </a:xfrm>
           <a:prstGeom prst="straightConnector1">
@@ -21845,7 +22089,7 @@
         </p:nvSpPr>
         <p:spPr>
           <a:xfrm>
-            <a:off x="189089" y="2284397"/>
+            <a:off x="-103011" y="2331595"/>
             <a:ext cx="2860980" cy="830997"/>
           </a:xfrm>
           <a:prstGeom prst="rect">
@@ -21861,7 +22105,7 @@
           <a:p>
             <a:r>
               <a:rPr lang="en-US" sz="2400" dirty="0" smtClean="0"/>
-              <a:t>         User A</a:t>
+              <a:t>         SSL</a:t>
             </a:r>
           </a:p>
           <a:p>
@@ -21869,270 +22113,54 @@
           </a:p>
         </p:txBody>
       </p:sp>
-      <p:sp>
-        <p:nvSpPr>
-          <p:cNvPr id="52" name="Rectangle 51"/>
-          <p:cNvSpPr/>
-          <p:nvPr/>
-        </p:nvSpPr>
-        <p:spPr>
-          <a:xfrm>
-            <a:off x="4641151" y="1013720"/>
-            <a:ext cx="2017887" cy="1209697"/>
-          </a:xfrm>
-          <a:prstGeom prst="rect">
-            <a:avLst/>
-          </a:prstGeom>
-          <a:solidFill>
-            <a:schemeClr val="bg1"/>
-          </a:solidFill>
-        </p:spPr>
-        <p:style>
-          <a:lnRef idx="1">
-            <a:schemeClr val="accent1"/>
-          </a:lnRef>
-          <a:fillRef idx="3">
-            <a:schemeClr val="accent1"/>
-          </a:fillRef>
-          <a:effectRef idx="2">
-            <a:schemeClr val="accent1"/>
-          </a:effectRef>
-          <a:fontRef idx="minor">
-            <a:schemeClr val="lt1"/>
-          </a:fontRef>
-        </p:style>
-        <p:txBody>
-          <a:bodyPr rtlCol="0" anchor="ctr"/>
-          <a:lstStyle/>
-          <a:p>
-            <a:pPr algn="ctr"/>
-            <a:endParaRPr lang="en-US"/>
-          </a:p>
-        </p:txBody>
-      </p:sp>
-      <p:sp>
-        <p:nvSpPr>
-          <p:cNvPr id="53" name="TextBox 52"/>
-          <p:cNvSpPr txBox="1"/>
-          <p:nvPr/>
-        </p:nvSpPr>
-        <p:spPr>
-          <a:xfrm>
-            <a:off x="4875388" y="1230297"/>
-            <a:ext cx="2539249" cy="461665"/>
-          </a:xfrm>
-          <a:prstGeom prst="rect">
-            <a:avLst/>
-          </a:prstGeom>
-          <a:noFill/>
-        </p:spPr>
-        <p:txBody>
-          <a:bodyPr wrap="square" rtlCol="0">
-            <a:spAutoFit/>
-          </a:bodyPr>
-          <a:lstStyle/>
-          <a:p>
-            <a:r>
-              <a:rPr lang="en-US" sz="2400" dirty="0" smtClean="0"/>
-              <a:t>Web Server</a:t>
-            </a:r>
-          </a:p>
-        </p:txBody>
-      </p:sp>
-      <p:pic>
-        <p:nvPicPr>
-          <p:cNvPr id="21" name="Picture 20" descr="j0292020.pict"/>
-          <p:cNvPicPr>
-            <a:picLocks noChangeAspect="1"/>
-          </p:cNvPicPr>
-          <p:nvPr/>
-        </p:nvPicPr>
-        <mc:AlternateContent>
-          <mc:Choice xmlns:ma="http://schemas.microsoft.com/office/mac/drawingml/2008/main" Requires="ma">
-            <p:blipFill>
-              <a:blip r:embed="rId3"/>
-              <a:stretch>
-                <a:fillRect/>
-              </a:stretch>
-            </p:blipFill>
-          </mc:Choice>
-          <mc:Fallback>
-            <p:blipFill>
-              <a:blip r:embed="rId4"/>
-              <a:stretch>
-                <a:fillRect/>
-              </a:stretch>
-            </p:blipFill>
-          </mc:Fallback>
-        </mc:AlternateContent>
-        <p:spPr>
-          <a:xfrm>
-            <a:off x="424038" y="553595"/>
-            <a:ext cx="1866900" cy="1778000"/>
-          </a:xfrm>
-          <a:prstGeom prst="rect">
-            <a:avLst/>
-          </a:prstGeom>
-        </p:spPr>
-      </p:pic>
-      <p:sp>
-        <p:nvSpPr>
-          <p:cNvPr id="24" name="TextBox 23"/>
-          <p:cNvSpPr txBox="1"/>
-          <p:nvPr/>
-        </p:nvSpPr>
-        <p:spPr>
-          <a:xfrm>
-            <a:off x="5307188" y="277797"/>
-            <a:ext cx="2539249" cy="461665"/>
-          </a:xfrm>
-          <a:prstGeom prst="rect">
-            <a:avLst/>
-          </a:prstGeom>
-          <a:noFill/>
-        </p:spPr>
-        <p:txBody>
-          <a:bodyPr wrap="square" rtlCol="0">
-            <a:spAutoFit/>
-          </a:bodyPr>
-          <a:lstStyle/>
-          <a:p>
-            <a:r>
-              <a:rPr lang="en-US" sz="2400" dirty="0" smtClean="0"/>
-              <a:t>User B’s Process</a:t>
-            </a:r>
-          </a:p>
-        </p:txBody>
-      </p:sp>
-      <p:sp>
-        <p:nvSpPr>
-          <p:cNvPr id="26" name="TextBox 25"/>
-          <p:cNvSpPr txBox="1"/>
-          <p:nvPr/>
-        </p:nvSpPr>
-        <p:spPr>
-          <a:xfrm>
-            <a:off x="1776589" y="1573197"/>
-            <a:ext cx="2860980" cy="830997"/>
-          </a:xfrm>
-          <a:prstGeom prst="rect">
-            <a:avLst/>
-          </a:prstGeom>
-          <a:noFill/>
-        </p:spPr>
-        <p:txBody>
-          <a:bodyPr wrap="square" rtlCol="0">
-            <a:spAutoFit/>
-          </a:bodyPr>
-          <a:lstStyle/>
-          <a:p>
-            <a:r>
-              <a:rPr lang="en-US" sz="2400" dirty="0" smtClean="0"/>
-              <a:t>         Submit Jobs</a:t>
-            </a:r>
-          </a:p>
-          <a:p>
-            <a:endParaRPr lang="en-US" sz="2400" dirty="0"/>
-          </a:p>
-        </p:txBody>
-      </p:sp>
-      <p:sp>
-        <p:nvSpPr>
-          <p:cNvPr id="29" name="Rectangle 28"/>
-          <p:cNvSpPr/>
-          <p:nvPr/>
-        </p:nvSpPr>
-        <p:spPr>
-          <a:xfrm>
-            <a:off x="4343400" y="3735445"/>
-            <a:ext cx="3238500" cy="2500255"/>
-          </a:xfrm>
-          <a:prstGeom prst="rect">
-            <a:avLst/>
-          </a:prstGeom>
-          <a:solidFill>
-            <a:schemeClr val="accent1"/>
-          </a:solidFill>
+      <p:cxnSp>
+        <p:nvCxnSpPr>
+          <p:cNvPr id="30" name="Straight Arrow Connector 29"/>
+          <p:cNvCxnSpPr>
+            <a:stCxn id="34" idx="1"/>
+          </p:cNvCxnSpPr>
+          <p:nvPr/>
+        </p:nvCxnSpPr>
+        <p:spPr>
+          <a:xfrm rot="10800000" flipV="1">
+            <a:off x="292101" y="5357326"/>
+            <a:ext cx="1402647" cy="2074"/>
+          </a:xfrm>
+          <a:prstGeom prst="straightConnector1">
+            <a:avLst/>
+          </a:prstGeom>
           <a:ln>
             <a:solidFill>
               <a:schemeClr val="tx1"/>
             </a:solidFill>
+            <a:tailEnd type="arrow"/>
           </a:ln>
         </p:spPr>
         <p:style>
-          <a:lnRef idx="1">
+          <a:lnRef idx="2">
             <a:schemeClr val="accent1"/>
           </a:lnRef>
-          <a:fillRef idx="3">
+          <a:fillRef idx="0">
             <a:schemeClr val="accent1"/>
           </a:fillRef>
-          <a:effectRef idx="2">
+          <a:effectRef idx="1">
             <a:schemeClr val="accent1"/>
           </a:effectRef>
           <a:fontRef idx="minor">
-            <a:schemeClr val="lt1"/>
+            <a:schemeClr val="tx1"/>
           </a:fontRef>
         </p:style>
-        <p:txBody>
-          <a:bodyPr rtlCol="0" anchor="ctr"/>
-          <a:lstStyle/>
-          <a:p>
-            <a:pPr algn="ctr"/>
-            <a:endParaRPr lang="en-US"/>
-          </a:p>
-        </p:txBody>
-      </p:sp>
-      <p:sp>
-        <p:nvSpPr>
-          <p:cNvPr id="31" name="Rectangle 30"/>
-          <p:cNvSpPr/>
-          <p:nvPr/>
-        </p:nvSpPr>
-        <p:spPr>
-          <a:xfrm>
-            <a:off x="4641151" y="4468120"/>
-            <a:ext cx="2017887" cy="1209697"/>
-          </a:xfrm>
-          <a:prstGeom prst="rect">
-            <a:avLst/>
-          </a:prstGeom>
-          <a:solidFill>
-            <a:schemeClr val="bg1"/>
-          </a:solidFill>
-        </p:spPr>
-        <p:style>
-          <a:lnRef idx="1">
-            <a:schemeClr val="accent1"/>
-          </a:lnRef>
-          <a:fillRef idx="3">
-            <a:schemeClr val="accent1"/>
-          </a:fillRef>
-          <a:effectRef idx="2">
-            <a:schemeClr val="accent1"/>
-          </a:effectRef>
-          <a:fontRef idx="minor">
-            <a:schemeClr val="lt1"/>
-          </a:fontRef>
-        </p:style>
-        <p:txBody>
-          <a:bodyPr rtlCol="0" anchor="ctr"/>
-          <a:lstStyle/>
-          <a:p>
-            <a:pPr algn="ctr"/>
-            <a:endParaRPr lang="en-US"/>
-          </a:p>
-        </p:txBody>
-      </p:sp>
-      <p:sp>
-        <p:nvSpPr>
-          <p:cNvPr id="32" name="TextBox 31"/>
+      </p:cxnSp>
+      <p:sp>
+        <p:nvSpPr>
+          <p:cNvPr id="37" name="TextBox 36"/>
           <p:cNvSpPr txBox="1"/>
           <p:nvPr/>
         </p:nvSpPr>
         <p:spPr>
           <a:xfrm>
-            <a:off x="4875388" y="4684697"/>
-            <a:ext cx="2539249" cy="830997"/>
+            <a:off x="-103011" y="4896995"/>
+            <a:ext cx="2860980" cy="830997"/>
           </a:xfrm>
           <a:prstGeom prst="rect">
             <a:avLst/>
@@ -22147,53 +22175,26 @@
           <a:p>
             <a:r>
               <a:rPr lang="en-US" sz="2400" dirty="0" smtClean="0"/>
-              <a:t>Job Frontend Process</a:t>
-            </a:r>
-          </a:p>
-        </p:txBody>
-      </p:sp>
-      <p:sp>
-        <p:nvSpPr>
-          <p:cNvPr id="35" name="TextBox 34"/>
-          <p:cNvSpPr txBox="1"/>
-          <p:nvPr/>
-        </p:nvSpPr>
-        <p:spPr>
-          <a:xfrm>
-            <a:off x="5396088" y="3732197"/>
-            <a:ext cx="2539249" cy="461665"/>
-          </a:xfrm>
-          <a:prstGeom prst="rect">
-            <a:avLst/>
-          </a:prstGeom>
-          <a:noFill/>
-        </p:spPr>
-        <p:txBody>
-          <a:bodyPr wrap="square" rtlCol="0">
-            <a:spAutoFit/>
-          </a:bodyPr>
-          <a:lstStyle/>
-          <a:p>
-            <a:r>
-              <a:rPr lang="en-US" sz="2400" dirty="0" smtClean="0"/>
-              <a:t>User A’s Process</a:t>
-            </a:r>
+              <a:t>         SSL</a:t>
+            </a:r>
+          </a:p>
+          <a:p>
+            <a:endParaRPr lang="en-US" sz="2400" dirty="0"/>
           </a:p>
         </p:txBody>
       </p:sp>
       <p:cxnSp>
         <p:nvCxnSpPr>
-          <p:cNvPr id="38" name="Straight Arrow Connector 37"/>
+          <p:cNvPr id="40" name="Straight Arrow Connector 39"/>
           <p:cNvCxnSpPr>
-            <a:stCxn id="63" idx="2"/>
-            <a:endCxn id="29" idx="0"/>
+            <a:stCxn id="64" idx="3"/>
           </p:cNvCxnSpPr>
           <p:nvPr/>
         </p:nvCxnSpPr>
         <p:spPr>
-          <a:xfrm rot="5400000">
-            <a:off x="5485578" y="3258372"/>
-            <a:ext cx="954145" cy="1588"/>
+          <a:xfrm>
+            <a:off x="3667475" y="2784449"/>
+            <a:ext cx="1037176" cy="1000151"/>
           </a:xfrm>
           <a:prstGeom prst="straightConnector1">
             <a:avLst/>
@@ -22222,22 +22223,130 @@
       </p:cxnSp>
       <p:cxnSp>
         <p:nvCxnSpPr>
-          <p:cNvPr id="41" name="Straight Connector 40"/>
+          <p:cNvPr id="44" name="Straight Arrow Connector 43"/>
           <p:cNvCxnSpPr/>
           <p:nvPr/>
         </p:nvCxnSpPr>
         <p:spPr>
           <a:xfrm rot="5400000">
-            <a:off x="6076246" y="2939343"/>
-            <a:ext cx="469903" cy="433214"/>
-          </a:xfrm>
-          <a:prstGeom prst="line">
+            <a:off x="3338695" y="4158542"/>
+            <a:ext cx="1739899" cy="992014"/>
+          </a:xfrm>
+          <a:prstGeom prst="straightConnector1">
             <a:avLst/>
           </a:prstGeom>
           <a:ln>
             <a:solidFill>
-              <a:srgbClr val="FF0000"/>
+              <a:schemeClr val="tx1"/>
             </a:solidFill>
+            <a:tailEnd type="arrow"/>
+          </a:ln>
+        </p:spPr>
+        <p:style>
+          <a:lnRef idx="2">
+            <a:schemeClr val="accent1"/>
+          </a:lnRef>
+          <a:fillRef idx="0">
+            <a:schemeClr val="accent1"/>
+          </a:fillRef>
+          <a:effectRef idx="1">
+            <a:schemeClr val="accent1"/>
+          </a:effectRef>
+          <a:fontRef idx="minor">
+            <a:schemeClr val="tx1"/>
+          </a:fontRef>
+        </p:style>
+      </p:cxnSp>
+      <p:sp>
+        <p:nvSpPr>
+          <p:cNvPr id="52" name="Rectangle 51"/>
+          <p:cNvSpPr/>
+          <p:nvPr/>
+        </p:nvSpPr>
+        <p:spPr>
+          <a:xfrm>
+            <a:off x="4704651" y="1445520"/>
+            <a:ext cx="2017887" cy="1209697"/>
+          </a:xfrm>
+          <a:prstGeom prst="rect">
+            <a:avLst/>
+          </a:prstGeom>
+          <a:solidFill>
+            <a:schemeClr val="bg1"/>
+          </a:solidFill>
+        </p:spPr>
+        <p:style>
+          <a:lnRef idx="1">
+            <a:schemeClr val="accent1"/>
+          </a:lnRef>
+          <a:fillRef idx="3">
+            <a:schemeClr val="accent1"/>
+          </a:fillRef>
+          <a:effectRef idx="2">
+            <a:schemeClr val="accent1"/>
+          </a:effectRef>
+          <a:fontRef idx="minor">
+            <a:schemeClr val="lt1"/>
+          </a:fontRef>
+        </p:style>
+        <p:txBody>
+          <a:bodyPr rtlCol="0" anchor="ctr"/>
+          <a:lstStyle/>
+          <a:p>
+            <a:pPr algn="ctr"/>
+            <a:endParaRPr lang="en-US"/>
+          </a:p>
+        </p:txBody>
+      </p:sp>
+      <p:sp>
+        <p:nvSpPr>
+          <p:cNvPr id="53" name="TextBox 52"/>
+          <p:cNvSpPr txBox="1"/>
+          <p:nvPr/>
+        </p:nvSpPr>
+        <p:spPr>
+          <a:xfrm>
+            <a:off x="4595988" y="1725597"/>
+            <a:ext cx="2539249" cy="461665"/>
+          </a:xfrm>
+          <a:prstGeom prst="rect">
+            <a:avLst/>
+          </a:prstGeom>
+          <a:noFill/>
+        </p:spPr>
+        <p:txBody>
+          <a:bodyPr wrap="square" rtlCol="0">
+            <a:spAutoFit/>
+          </a:bodyPr>
+          <a:lstStyle/>
+          <a:p>
+            <a:r>
+              <a:rPr lang="en-US" sz="2400" dirty="0" err="1" smtClean="0"/>
+              <a:t>SessionManager</a:t>
+            </a:r>
+            <a:endParaRPr lang="en-US" sz="2400" dirty="0" smtClean="0"/>
+          </a:p>
+        </p:txBody>
+      </p:sp>
+      <p:cxnSp>
+        <p:nvCxnSpPr>
+          <p:cNvPr id="55" name="Straight Arrow Connector 54"/>
+          <p:cNvCxnSpPr/>
+          <p:nvPr/>
+        </p:nvCxnSpPr>
+        <p:spPr>
+          <a:xfrm rot="16200000" flipH="1">
+            <a:off x="5094301" y="2907619"/>
+            <a:ext cx="517500" cy="12699"/>
+          </a:xfrm>
+          <a:prstGeom prst="straightConnector1">
+            <a:avLst/>
+          </a:prstGeom>
+          <a:ln>
+            <a:solidFill>
+              <a:schemeClr val="tx1"/>
+            </a:solidFill>
+            <a:tailEnd type="arrow"/>
           </a:ln>
         </p:spPr>
         <p:style>
@@ -22257,22 +22366,23 @@
       </p:cxnSp>
       <p:cxnSp>
         <p:nvCxnSpPr>
-          <p:cNvPr id="43" name="Straight Connector 42"/>
+          <p:cNvPr id="58" name="Straight Arrow Connector 57"/>
           <p:cNvCxnSpPr/>
           <p:nvPr/>
         </p:nvCxnSpPr>
         <p:spPr>
-          <a:xfrm rot="16200000" flipH="1">
-            <a:off x="6076243" y="2939343"/>
-            <a:ext cx="469904" cy="433215"/>
-          </a:xfrm>
-          <a:prstGeom prst="line">
+          <a:xfrm rot="16200000" flipV="1">
+            <a:off x="5786451" y="2901268"/>
+            <a:ext cx="492102" cy="2"/>
+          </a:xfrm>
+          <a:prstGeom prst="straightConnector1">
             <a:avLst/>
           </a:prstGeom>
           <a:ln>
             <a:solidFill>
-              <a:srgbClr val="FF0000"/>
+              <a:schemeClr val="tx1"/>
             </a:solidFill>
+            <a:tailEnd type="arrow"/>
           </a:ln>
         </p:spPr>
         <p:style>
@@ -22292,14 +22402,55 @@
       </p:cxnSp>
       <p:sp>
         <p:nvSpPr>
-          <p:cNvPr id="59" name="TextBox 58"/>
+          <p:cNvPr id="24" name="Rectangle 23"/>
+          <p:cNvSpPr/>
+          <p:nvPr/>
+        </p:nvSpPr>
+        <p:spPr>
+          <a:xfrm>
+            <a:off x="4730051" y="4925320"/>
+            <a:ext cx="2017887" cy="1209697"/>
+          </a:xfrm>
+          <a:prstGeom prst="rect">
+            <a:avLst/>
+          </a:prstGeom>
+          <a:solidFill>
+            <a:schemeClr val="bg1"/>
+          </a:solidFill>
+        </p:spPr>
+        <p:style>
+          <a:lnRef idx="1">
+            <a:schemeClr val="accent1"/>
+          </a:lnRef>
+          <a:fillRef idx="3">
+            <a:schemeClr val="accent1"/>
+          </a:fillRef>
+          <a:effectRef idx="2">
+            <a:schemeClr val="accent1"/>
+          </a:effectRef>
+          <a:fontRef idx="minor">
+            <a:schemeClr val="lt1"/>
+          </a:fontRef>
+        </p:style>
+        <p:txBody>
+          <a:bodyPr rtlCol="0" anchor="ctr"/>
+          <a:lstStyle/>
+          <a:p>
+            <a:pPr algn="ctr"/>
+            <a:endParaRPr lang="en-US"/>
+          </a:p>
+        </p:txBody>
+      </p:sp>
+      <p:sp>
+        <p:nvSpPr>
+          <p:cNvPr id="26" name="TextBox 25"/>
           <p:cNvSpPr txBox="1"/>
           <p:nvPr/>
         </p:nvSpPr>
         <p:spPr>
           <a:xfrm>
-            <a:off x="5791203" y="2896393"/>
-            <a:ext cx="2860980" cy="830997"/>
+            <a:off x="4608688" y="5230797"/>
+            <a:ext cx="2539249" cy="461665"/>
           </a:xfrm>
           <a:prstGeom prst="rect">
             <a:avLst/>
@@ -22313,15 +22464,85 @@
           <a:lstStyle/>
           <a:p>
             <a:r>
-              <a:rPr lang="en-US" sz="2400" dirty="0" smtClean="0"/>
-              <a:t>         Can not spawn</a:t>
-            </a:r>
-          </a:p>
-          <a:p>
-            <a:endParaRPr lang="en-US" sz="2400" dirty="0"/>
-          </a:p>
-        </p:txBody>
-      </p:sp>
+              <a:rPr lang="en-US" altLang="zh-CN" sz="2400" dirty="0" smtClean="0"/>
+              <a:t>	SSH Agent</a:t>
+            </a:r>
+            <a:endParaRPr lang="en-US" sz="2400" dirty="0" smtClean="0"/>
+          </a:p>
+        </p:txBody>
+      </p:sp>
+      <p:cxnSp>
+        <p:nvCxnSpPr>
+          <p:cNvPr id="32" name="Straight Arrow Connector 31"/>
+          <p:cNvCxnSpPr/>
+          <p:nvPr/>
+        </p:nvCxnSpPr>
+        <p:spPr>
+          <a:xfrm rot="16200000" flipH="1">
+            <a:off x="5132401" y="4647519"/>
+            <a:ext cx="517500" cy="12699"/>
+          </a:xfrm>
+          <a:prstGeom prst="straightConnector1">
+            <a:avLst/>
+          </a:prstGeom>
+          <a:ln>
+            <a:solidFill>
+              <a:schemeClr val="tx1"/>
+            </a:solidFill>
+            <a:tailEnd type="arrow"/>
+          </a:ln>
+        </p:spPr>
+        <p:style>
+          <a:lnRef idx="2">
+            <a:schemeClr val="accent1"/>
+          </a:lnRef>
+          <a:fillRef idx="0">
+            <a:schemeClr val="accent1"/>
+          </a:fillRef>
+          <a:effectRef idx="1">
+            <a:schemeClr val="accent1"/>
+          </a:effectRef>
+          <a:fontRef idx="minor">
+            <a:schemeClr val="tx1"/>
+          </a:fontRef>
+        </p:style>
+      </p:cxnSp>
+      <p:cxnSp>
+        <p:nvCxnSpPr>
+          <p:cNvPr id="35" name="Straight Arrow Connector 34"/>
+          <p:cNvCxnSpPr/>
+          <p:nvPr/>
+        </p:nvCxnSpPr>
+        <p:spPr>
+          <a:xfrm rot="16200000" flipV="1">
+            <a:off x="5824551" y="4641168"/>
+            <a:ext cx="492102" cy="2"/>
+          </a:xfrm>
+          <a:prstGeom prst="straightConnector1">
+            <a:avLst/>
+          </a:prstGeom>
+          <a:ln>
+            <a:solidFill>
+              <a:schemeClr val="tx1"/>
+            </a:solidFill>
+            <a:tailEnd type="arrow"/>
+          </a:ln>
+        </p:spPr>
+        <p:style>
+          <a:lnRef idx="2">
+            <a:schemeClr val="accent1"/>
+          </a:lnRef>
+          <a:fillRef idx="0">
+            <a:schemeClr val="accent1"/>
+          </a:fillRef>
+          <a:effectRef idx="1">
+            <a:schemeClr val="accent1"/>
+          </a:effectRef>
+          <a:fontRef idx="minor">
+            <a:schemeClr val="tx1"/>
+          </a:fontRef>
+        </p:style>
+      </p:cxnSp>
     </p:spTree>
   </p:cSld>
   <p:clrMapOvr>
@@ -22362,7 +22583,7 @@
         </p:nvSpPr>
         <p:spPr>
           <a:xfrm>
-            <a:off x="4470400" y="281045"/>
+            <a:off x="4343400" y="281045"/>
             <a:ext cx="3238500" cy="2500255"/>
           </a:xfrm>
           <a:prstGeom prst="rect">
@@ -22476,8 +22697,8 @@
         </p:nvSpPr>
         <p:spPr>
           <a:xfrm>
-            <a:off x="4780851" y="861321"/>
-            <a:ext cx="2017887" cy="678242"/>
+            <a:off x="4641151" y="1013720"/>
+            <a:ext cx="2017887" cy="1209697"/>
           </a:xfrm>
           <a:prstGeom prst="rect">
             <a:avLst/>
@@ -22517,7 +22738,7 @@
         </p:nvSpPr>
         <p:spPr>
           <a:xfrm>
-            <a:off x="5015088" y="976297"/>
+            <a:off x="4875388" y="1230297"/>
             <a:ext cx="2539249" cy="461665"/>
           </a:xfrm>
           <a:prstGeom prst="rect">
@@ -22582,7 +22803,7 @@
         </p:nvSpPr>
         <p:spPr>
           <a:xfrm>
-            <a:off x="5383388" y="277797"/>
+            <a:off x="5307188" y="277797"/>
             <a:ext cx="2539249" cy="461665"/>
           </a:xfrm>
           <a:prstGeom prst="rect">
@@ -22643,8 +22864,8 @@
         </p:nvSpPr>
         <p:spPr>
           <a:xfrm>
-            <a:off x="5486400" y="3735445"/>
-            <a:ext cx="3238500" cy="2271655"/>
+            <a:off x="4343400" y="3735445"/>
+            <a:ext cx="3238500" cy="2500255"/>
           </a:xfrm>
           <a:prstGeom prst="rect">
             <a:avLst/>
@@ -22689,7 +22910,7 @@
         </p:nvSpPr>
         <p:spPr>
           <a:xfrm>
-            <a:off x="5784151" y="4468120"/>
+            <a:off x="4641151" y="4468120"/>
             <a:ext cx="2017887" cy="1209697"/>
           </a:xfrm>
           <a:prstGeom prst="rect">
@@ -22730,7 +22951,7 @@
         </p:nvSpPr>
         <p:spPr>
           <a:xfrm>
-            <a:off x="6018388" y="4684697"/>
+            <a:off x="4875388" y="4684697"/>
             <a:ext cx="2539249" cy="830997"/>
           </a:xfrm>
           <a:prstGeom prst="rect">
@@ -22759,7 +22980,7 @@
         </p:nvSpPr>
         <p:spPr>
           <a:xfrm>
-            <a:off x="6424788" y="3732197"/>
+            <a:off x="5396088" y="3732197"/>
             <a:ext cx="2539249" cy="461665"/>
           </a:xfrm>
           <a:prstGeom prst="rect">
@@ -22775,268 +22996,24 @@
           <a:p>
             <a:r>
               <a:rPr lang="en-US" sz="2400" dirty="0" smtClean="0"/>
-              <a:t>User B’s Process</a:t>
-            </a:r>
-          </a:p>
-        </p:txBody>
-      </p:sp>
-      <p:sp>
-        <p:nvSpPr>
-          <p:cNvPr id="59" name="TextBox 58"/>
-          <p:cNvSpPr txBox="1"/>
-          <p:nvPr/>
-        </p:nvSpPr>
-        <p:spPr>
-          <a:xfrm>
-            <a:off x="3645658" y="4570069"/>
-            <a:ext cx="2860980" cy="830997"/>
-          </a:xfrm>
-          <a:prstGeom prst="rect">
-            <a:avLst/>
-          </a:prstGeom>
-          <a:noFill/>
-        </p:spPr>
-        <p:txBody>
-          <a:bodyPr wrap="square" rtlCol="0">
-            <a:spAutoFit/>
-          </a:bodyPr>
-          <a:lstStyle/>
-          <a:p>
-            <a:r>
-              <a:rPr lang="en-US" sz="2400" dirty="0" smtClean="0"/>
-              <a:t>         Spawn</a:t>
-            </a:r>
-          </a:p>
-          <a:p>
-            <a:endParaRPr lang="en-US" sz="2400" dirty="0"/>
-          </a:p>
-        </p:txBody>
-      </p:sp>
-      <p:sp>
-        <p:nvSpPr>
-          <p:cNvPr id="18" name="Rectangle 17"/>
-          <p:cNvSpPr/>
-          <p:nvPr/>
-        </p:nvSpPr>
-        <p:spPr>
-          <a:xfrm>
-            <a:off x="4818951" y="1940821"/>
-            <a:ext cx="2017887" cy="678242"/>
-          </a:xfrm>
-          <a:prstGeom prst="rect">
-            <a:avLst/>
-          </a:prstGeom>
-          <a:solidFill>
-            <a:schemeClr val="bg1"/>
-          </a:solidFill>
-        </p:spPr>
-        <p:style>
-          <a:lnRef idx="1">
-            <a:schemeClr val="accent1"/>
-          </a:lnRef>
-          <a:fillRef idx="3">
-            <a:schemeClr val="accent1"/>
-          </a:fillRef>
-          <a:effectRef idx="2">
-            <a:schemeClr val="accent1"/>
-          </a:effectRef>
-          <a:fontRef idx="minor">
-            <a:schemeClr val="lt1"/>
-          </a:fontRef>
-        </p:style>
-        <p:txBody>
-          <a:bodyPr rtlCol="0" anchor="ctr"/>
-          <a:lstStyle/>
-          <a:p>
-            <a:pPr algn="ctr"/>
-            <a:endParaRPr lang="en-US"/>
-          </a:p>
-        </p:txBody>
-      </p:sp>
-      <p:sp>
-        <p:nvSpPr>
-          <p:cNvPr id="19" name="TextBox 18"/>
-          <p:cNvSpPr txBox="1"/>
-          <p:nvPr/>
-        </p:nvSpPr>
-        <p:spPr>
-          <a:xfrm>
-            <a:off x="5040488" y="2043097"/>
-            <a:ext cx="2539249" cy="461665"/>
-          </a:xfrm>
-          <a:prstGeom prst="rect">
-            <a:avLst/>
-          </a:prstGeom>
-          <a:noFill/>
-        </p:spPr>
-        <p:txBody>
-          <a:bodyPr wrap="square" rtlCol="0">
-            <a:spAutoFit/>
-          </a:bodyPr>
-          <a:lstStyle/>
-          <a:p>
-            <a:r>
-              <a:rPr lang="en-US" sz="2400" dirty="0" smtClean="0"/>
-              <a:t>SSH Agent</a:t>
-            </a:r>
-          </a:p>
-        </p:txBody>
-      </p:sp>
-      <p:sp>
-        <p:nvSpPr>
-          <p:cNvPr id="20" name="Rectangle 19"/>
-          <p:cNvSpPr/>
-          <p:nvPr/>
-        </p:nvSpPr>
-        <p:spPr>
-          <a:xfrm>
-            <a:off x="762000" y="3748145"/>
-            <a:ext cx="3238500" cy="2258955"/>
-          </a:xfrm>
-          <a:prstGeom prst="rect">
-            <a:avLst/>
-          </a:prstGeom>
-          <a:solidFill>
-            <a:schemeClr val="accent1"/>
-          </a:solidFill>
-          <a:ln>
-            <a:solidFill>
-              <a:schemeClr val="tx1"/>
-            </a:solidFill>
-          </a:ln>
-        </p:spPr>
-        <p:style>
-          <a:lnRef idx="1">
-            <a:schemeClr val="accent1"/>
-          </a:lnRef>
-          <a:fillRef idx="3">
-            <a:schemeClr val="accent1"/>
-          </a:fillRef>
-          <a:effectRef idx="2">
-            <a:schemeClr val="accent1"/>
-          </a:effectRef>
-          <a:fontRef idx="minor">
-            <a:schemeClr val="lt1"/>
-          </a:fontRef>
-        </p:style>
-        <p:txBody>
-          <a:bodyPr rtlCol="0" anchor="ctr"/>
-          <a:lstStyle/>
-          <a:p>
-            <a:pPr algn="ctr"/>
-            <a:endParaRPr lang="en-US"/>
-          </a:p>
-        </p:txBody>
-      </p:sp>
-      <p:sp>
-        <p:nvSpPr>
-          <p:cNvPr id="22" name="Rectangle 21"/>
-          <p:cNvSpPr/>
-          <p:nvPr/>
-        </p:nvSpPr>
-        <p:spPr>
-          <a:xfrm>
-            <a:off x="1059751" y="4480820"/>
-            <a:ext cx="2017887" cy="1209697"/>
-          </a:xfrm>
-          <a:prstGeom prst="rect">
-            <a:avLst/>
-          </a:prstGeom>
-          <a:solidFill>
-            <a:schemeClr val="bg1"/>
-          </a:solidFill>
-        </p:spPr>
-        <p:style>
-          <a:lnRef idx="1">
-            <a:schemeClr val="accent1"/>
-          </a:lnRef>
-          <a:fillRef idx="3">
-            <a:schemeClr val="accent1"/>
-          </a:fillRef>
-          <a:effectRef idx="2">
-            <a:schemeClr val="accent1"/>
-          </a:effectRef>
-          <a:fontRef idx="minor">
-            <a:schemeClr val="lt1"/>
-          </a:fontRef>
-        </p:style>
-        <p:txBody>
-          <a:bodyPr rtlCol="0" anchor="ctr"/>
-          <a:lstStyle/>
-          <a:p>
-            <a:pPr algn="ctr"/>
-            <a:endParaRPr lang="en-US"/>
-          </a:p>
-        </p:txBody>
-      </p:sp>
-      <p:sp>
-        <p:nvSpPr>
-          <p:cNvPr id="23" name="TextBox 22"/>
-          <p:cNvSpPr txBox="1"/>
-          <p:nvPr/>
-        </p:nvSpPr>
-        <p:spPr>
-          <a:xfrm>
-            <a:off x="1293988" y="4697397"/>
-            <a:ext cx="2539249" cy="461665"/>
-          </a:xfrm>
-          <a:prstGeom prst="rect">
-            <a:avLst/>
-          </a:prstGeom>
-          <a:noFill/>
-        </p:spPr>
-        <p:txBody>
-          <a:bodyPr wrap="square" rtlCol="0">
-            <a:spAutoFit/>
-          </a:bodyPr>
-          <a:lstStyle/>
-          <a:p>
-            <a:r>
-              <a:rPr lang="en-US" sz="2400" dirty="0" smtClean="0"/>
-              <a:t>SSH Daemon</a:t>
-            </a:r>
-          </a:p>
-        </p:txBody>
-      </p:sp>
-      <p:sp>
-        <p:nvSpPr>
-          <p:cNvPr id="27" name="TextBox 26"/>
-          <p:cNvSpPr txBox="1"/>
-          <p:nvPr/>
-        </p:nvSpPr>
-        <p:spPr>
-          <a:xfrm>
-            <a:off x="900288" y="3694097"/>
-            <a:ext cx="2539249" cy="461665"/>
-          </a:xfrm>
-          <a:prstGeom prst="rect">
-            <a:avLst/>
-          </a:prstGeom>
-          <a:noFill/>
-        </p:spPr>
-        <p:txBody>
-          <a:bodyPr wrap="square" rtlCol="0">
-            <a:spAutoFit/>
-          </a:bodyPr>
-          <a:lstStyle/>
-          <a:p>
-            <a:r>
-              <a:rPr lang="en-US" sz="2400" dirty="0" smtClean="0"/>
-              <a:t>Root’s Process</a:t>
+              <a:t>User A’s Process</a:t>
             </a:r>
           </a:p>
         </p:txBody>
       </p:sp>
       <p:cxnSp>
         <p:nvCxnSpPr>
-          <p:cNvPr id="33" name="Straight Arrow Connector 32"/>
-          <p:cNvCxnSpPr/>
+          <p:cNvPr id="38" name="Straight Arrow Connector 37"/>
+          <p:cNvCxnSpPr>
+            <a:stCxn id="63" idx="2"/>
+            <a:endCxn id="29" idx="0"/>
+          </p:cNvCxnSpPr>
           <p:nvPr/>
         </p:nvCxnSpPr>
         <p:spPr>
-          <a:xfrm rot="10800000" flipV="1">
-            <a:off x="3160888" y="2781301"/>
-            <a:ext cx="2857500" cy="2291667"/>
+          <a:xfrm rot="5400000">
+            <a:off x="5485578" y="3258372"/>
+            <a:ext cx="954145" cy="1588"/>
           </a:xfrm>
           <a:prstGeom prst="straightConnector1">
             <a:avLst/>
@@ -23063,60 +23040,24 @@
           </a:fontRef>
         </p:style>
       </p:cxnSp>
-      <p:sp>
-        <p:nvSpPr>
-          <p:cNvPr id="34" name="TextBox 33"/>
-          <p:cNvSpPr txBox="1"/>
-          <p:nvPr/>
-        </p:nvSpPr>
-        <p:spPr>
-          <a:xfrm rot="19260000">
-            <a:off x="3428551" y="3104047"/>
-            <a:ext cx="4419155" cy="830997"/>
-          </a:xfrm>
-          <a:prstGeom prst="rect">
-            <a:avLst/>
-          </a:prstGeom>
-          <a:noFill/>
-        </p:spPr>
-        <p:txBody>
-          <a:bodyPr wrap="square" lIns="0" rtlCol="0">
-            <a:spAutoFit/>
-          </a:bodyPr>
-          <a:lstStyle/>
-          <a:p>
-            <a:r>
-              <a:rPr lang="en-US" sz="2400" dirty="0" smtClean="0"/>
-              <a:t>         User A’s credential</a:t>
-            </a:r>
-          </a:p>
-          <a:p>
-            <a:endParaRPr lang="en-US" sz="2400" dirty="0"/>
-          </a:p>
-        </p:txBody>
-      </p:sp>
       <p:cxnSp>
         <p:nvCxnSpPr>
-          <p:cNvPr id="39" name="Straight Arrow Connector 38"/>
-          <p:cNvCxnSpPr>
-            <a:stCxn id="22" idx="3"/>
-            <a:endCxn id="31" idx="1"/>
-          </p:cNvCxnSpPr>
+          <p:cNvPr id="41" name="Straight Connector 40"/>
+          <p:cNvCxnSpPr/>
           <p:nvPr/>
         </p:nvCxnSpPr>
         <p:spPr>
-          <a:xfrm flipV="1">
-            <a:off x="3077638" y="5072969"/>
-            <a:ext cx="2706513" cy="12700"/>
-          </a:xfrm>
-          <a:prstGeom prst="straightConnector1">
+          <a:xfrm rot="5400000">
+            <a:off x="6076246" y="2939343"/>
+            <a:ext cx="469903" cy="433214"/>
+          </a:xfrm>
+          <a:prstGeom prst="line">
             <a:avLst/>
           </a:prstGeom>
           <a:ln>
             <a:solidFill>
-              <a:schemeClr val="tx1"/>
+              <a:srgbClr val="FF0000"/>
             </a:solidFill>
-            <a:tailEnd type="arrow"/>
           </a:ln>
         </p:spPr>
         <p:style>
@@ -23134,6 +23075,73 @@
           </a:fontRef>
         </p:style>
       </p:cxnSp>
+      <p:cxnSp>
+        <p:nvCxnSpPr>
+          <p:cNvPr id="43" name="Straight Connector 42"/>
+          <p:cNvCxnSpPr/>
+          <p:nvPr/>
+        </p:nvCxnSpPr>
+        <p:spPr>
+          <a:xfrm rot="16200000" flipH="1">
+            <a:off x="6076243" y="2939343"/>
+            <a:ext cx="469904" cy="433215"/>
+          </a:xfrm>
+          <a:prstGeom prst="line">
+            <a:avLst/>
+          </a:prstGeom>
+          <a:ln>
+            <a:solidFill>
+              <a:srgbClr val="FF0000"/>
+            </a:solidFill>
+          </a:ln>
+        </p:spPr>
+        <p:style>
+          <a:lnRef idx="2">
+            <a:schemeClr val="accent1"/>
+          </a:lnRef>
+          <a:fillRef idx="0">
+            <a:schemeClr val="accent1"/>
+          </a:fillRef>
+          <a:effectRef idx="1">
+            <a:schemeClr val="accent1"/>
+          </a:effectRef>
+          <a:fontRef idx="minor">
+            <a:schemeClr val="tx1"/>
+          </a:fontRef>
+        </p:style>
+      </p:cxnSp>
+      <p:sp>
+        <p:nvSpPr>
+          <p:cNvPr id="59" name="TextBox 58"/>
+          <p:cNvSpPr txBox="1"/>
+          <p:nvPr/>
+        </p:nvSpPr>
+        <p:spPr>
+          <a:xfrm>
+            <a:off x="5791203" y="2896393"/>
+            <a:ext cx="2860980" cy="830997"/>
+          </a:xfrm>
+          <a:prstGeom prst="rect">
+            <a:avLst/>
+          </a:prstGeom>
+          <a:noFill/>
+        </p:spPr>
+        <p:txBody>
+          <a:bodyPr wrap="square" rtlCol="0">
+            <a:spAutoFit/>
+          </a:bodyPr>
+          <a:lstStyle/>
+          <a:p>
+            <a:r>
+              <a:rPr lang="en-US" sz="2400" dirty="0" smtClean="0"/>
+              <a:t>         Can not spawn</a:t>
+            </a:r>
+          </a:p>
+          <a:p>
+            <a:endParaRPr lang="en-US" sz="2400" dirty="0"/>
+          </a:p>
+        </p:txBody>
+      </p:sp>
     </p:spTree>
   </p:cSld>
   <p:clrMapOvr>
@@ -23174,8 +23182,8 @@
         </p:nvSpPr>
         <p:spPr>
           <a:xfrm>
-            <a:off x="1132463" y="1220845"/>
-            <a:ext cx="3238500" cy="747655"/>
+            <a:off x="4470400" y="281045"/>
+            <a:ext cx="3238500" cy="2500255"/>
           </a:xfrm>
           <a:prstGeom prst="rect">
             <a:avLst/>
@@ -23212,16 +23220,52 @@
           </a:p>
         </p:txBody>
       </p:sp>
-      <p:sp>
-        <p:nvSpPr>
-          <p:cNvPr id="24" name="TextBox 23"/>
+      <p:cxnSp>
+        <p:nvCxnSpPr>
+          <p:cNvPr id="25" name="Straight Arrow Connector 24"/>
+          <p:cNvCxnSpPr/>
+          <p:nvPr/>
+        </p:nvCxnSpPr>
+        <p:spPr>
+          <a:xfrm>
+            <a:off x="2565400" y="1524000"/>
+            <a:ext cx="1357488" cy="1588"/>
+          </a:xfrm>
+          <a:prstGeom prst="straightConnector1">
+            <a:avLst/>
+          </a:prstGeom>
+          <a:ln>
+            <a:solidFill>
+              <a:schemeClr val="tx1"/>
+            </a:solidFill>
+            <a:tailEnd type="arrow"/>
+          </a:ln>
+        </p:spPr>
+        <p:style>
+          <a:lnRef idx="2">
+            <a:schemeClr val="accent1"/>
+          </a:lnRef>
+          <a:fillRef idx="0">
+            <a:schemeClr val="accent1"/>
+          </a:fillRef>
+          <a:effectRef idx="1">
+            <a:schemeClr val="accent1"/>
+          </a:effectRef>
+          <a:fontRef idx="minor">
+            <a:schemeClr val="tx1"/>
+          </a:fontRef>
+        </p:style>
+      </p:cxnSp>
+      <p:sp>
+        <p:nvSpPr>
+          <p:cNvPr id="28" name="TextBox 27"/>
           <p:cNvSpPr txBox="1"/>
           <p:nvPr/>
         </p:nvSpPr>
         <p:spPr>
           <a:xfrm>
-            <a:off x="1931151" y="1293797"/>
-            <a:ext cx="2539249" cy="461665"/>
+            <a:off x="189089" y="2284397"/>
+            <a:ext cx="2860980" cy="830997"/>
           </a:xfrm>
           <a:prstGeom prst="rect">
             <a:avLst/>
@@ -23236,21 +23280,191 @@
           <a:p>
             <a:r>
               <a:rPr lang="en-US" sz="2400" dirty="0" smtClean="0"/>
-              <a:t>Message M</a:t>
-            </a:r>
-          </a:p>
-        </p:txBody>
-      </p:sp>
-      <p:sp>
-        <p:nvSpPr>
-          <p:cNvPr id="30" name="Rectangle 29"/>
+              <a:t>         User A</a:t>
+            </a:r>
+          </a:p>
+          <a:p>
+            <a:endParaRPr lang="en-US" sz="2400" dirty="0"/>
+          </a:p>
+        </p:txBody>
+      </p:sp>
+      <p:sp>
+        <p:nvSpPr>
+          <p:cNvPr id="52" name="Rectangle 51"/>
           <p:cNvSpPr/>
           <p:nvPr/>
         </p:nvSpPr>
         <p:spPr>
           <a:xfrm>
-            <a:off x="4805538" y="1220845"/>
-            <a:ext cx="3238500" cy="747655"/>
+            <a:off x="4780851" y="861321"/>
+            <a:ext cx="2017887" cy="678242"/>
+          </a:xfrm>
+          <a:prstGeom prst="rect">
+            <a:avLst/>
+          </a:prstGeom>
+          <a:solidFill>
+            <a:schemeClr val="bg1"/>
+          </a:solidFill>
+        </p:spPr>
+        <p:style>
+          <a:lnRef idx="1">
+            <a:schemeClr val="accent1"/>
+          </a:lnRef>
+          <a:fillRef idx="3">
+            <a:schemeClr val="accent1"/>
+          </a:fillRef>
+          <a:effectRef idx="2">
+            <a:schemeClr val="accent1"/>
+          </a:effectRef>
+          <a:fontRef idx="minor">
+            <a:schemeClr val="lt1"/>
+          </a:fontRef>
+        </p:style>
+        <p:txBody>
+          <a:bodyPr rtlCol="0" anchor="ctr"/>
+          <a:lstStyle/>
+          <a:p>
+            <a:pPr algn="ctr"/>
+            <a:endParaRPr lang="en-US"/>
+          </a:p>
+        </p:txBody>
+      </p:sp>
+      <p:sp>
+        <p:nvSpPr>
+          <p:cNvPr id="53" name="TextBox 52"/>
+          <p:cNvSpPr txBox="1"/>
+          <p:nvPr/>
+        </p:nvSpPr>
+        <p:spPr>
+          <a:xfrm>
+            <a:off x="5015088" y="976297"/>
+            <a:ext cx="2539249" cy="461665"/>
+          </a:xfrm>
+          <a:prstGeom prst="rect">
+            <a:avLst/>
+          </a:prstGeom>
+          <a:noFill/>
+        </p:spPr>
+        <p:txBody>
+          <a:bodyPr wrap="square" rtlCol="0">
+            <a:spAutoFit/>
+          </a:bodyPr>
+          <a:lstStyle/>
+          <a:p>
+            <a:r>
+              <a:rPr lang="en-US" sz="2400" dirty="0" smtClean="0"/>
+              <a:t>Web Server</a:t>
+            </a:r>
+          </a:p>
+        </p:txBody>
+      </p:sp>
+      <p:pic>
+        <p:nvPicPr>
+          <p:cNvPr id="21" name="Picture 20" descr="j0292020.pict"/>
+          <p:cNvPicPr>
+            <a:picLocks noChangeAspect="1"/>
+          </p:cNvPicPr>
+          <p:nvPr/>
+        </p:nvPicPr>
+        <mc:AlternateContent>
+          <mc:Choice xmlns:ma="http://schemas.microsoft.com/office/mac/drawingml/2008/main" Requires="ma">
+            <p:blipFill>
+              <a:blip r:embed="rId3"/>
+              <a:stretch>
+                <a:fillRect/>
+              </a:stretch>
+            </p:blipFill>
+          </mc:Choice>
+          <mc:Fallback>
+            <p:blipFill>
+              <a:blip r:embed="rId4"/>
+              <a:stretch>
+                <a:fillRect/>
+              </a:stretch>
+            </p:blipFill>
+          </mc:Fallback>
+        </mc:AlternateContent>
+        <p:spPr>
+          <a:xfrm>
+            <a:off x="424038" y="553595"/>
+            <a:ext cx="1866900" cy="1778000"/>
+          </a:xfrm>
+          <a:prstGeom prst="rect">
+            <a:avLst/>
+          </a:prstGeom>
+        </p:spPr>
+      </p:pic>
+      <p:sp>
+        <p:nvSpPr>
+          <p:cNvPr id="24" name="TextBox 23"/>
+          <p:cNvSpPr txBox="1"/>
+          <p:nvPr/>
+        </p:nvSpPr>
+        <p:spPr>
+          <a:xfrm>
+            <a:off x="5383388" y="277797"/>
+            <a:ext cx="2539249" cy="461665"/>
+          </a:xfrm>
+          <a:prstGeom prst="rect">
+            <a:avLst/>
+          </a:prstGeom>
+          <a:noFill/>
+        </p:spPr>
+        <p:txBody>
+          <a:bodyPr wrap="square" rtlCol="0">
+            <a:spAutoFit/>
+          </a:bodyPr>
+          <a:lstStyle/>
+          <a:p>
+            <a:r>
+              <a:rPr lang="en-US" sz="2400" dirty="0" smtClean="0"/>
+              <a:t>User B’s Process</a:t>
+            </a:r>
+          </a:p>
+        </p:txBody>
+      </p:sp>
+      <p:sp>
+        <p:nvSpPr>
+          <p:cNvPr id="26" name="TextBox 25"/>
+          <p:cNvSpPr txBox="1"/>
+          <p:nvPr/>
+        </p:nvSpPr>
+        <p:spPr>
+          <a:xfrm>
+            <a:off x="1776589" y="1573197"/>
+            <a:ext cx="2860980" cy="830997"/>
+          </a:xfrm>
+          <a:prstGeom prst="rect">
+            <a:avLst/>
+          </a:prstGeom>
+          <a:noFill/>
+        </p:spPr>
+        <p:txBody>
+          <a:bodyPr wrap="square" rtlCol="0">
+            <a:spAutoFit/>
+          </a:bodyPr>
+          <a:lstStyle/>
+          <a:p>
+            <a:r>
+              <a:rPr lang="en-US" sz="2400" dirty="0" smtClean="0"/>
+              <a:t>         Submit Jobs</a:t>
+            </a:r>
+          </a:p>
+          <a:p>
+            <a:endParaRPr lang="en-US" sz="2400" dirty="0"/>
+          </a:p>
+        </p:txBody>
+      </p:sp>
+      <p:sp>
+        <p:nvSpPr>
+          <p:cNvPr id="29" name="Rectangle 28"/>
+          <p:cNvSpPr/>
+          <p:nvPr/>
+        </p:nvSpPr>
+        <p:spPr>
+          <a:xfrm>
+            <a:off x="5486400" y="3735445"/>
+            <a:ext cx="3238500" cy="2271655"/>
           </a:xfrm>
           <a:prstGeom prst="rect">
             <a:avLst/>
@@ -23289,14 +23503,55 @@
       </p:sp>
       <p:sp>
         <p:nvSpPr>
-          <p:cNvPr id="36" name="TextBox 35"/>
+          <p:cNvPr id="31" name="Rectangle 30"/>
+          <p:cNvSpPr/>
+          <p:nvPr/>
+        </p:nvSpPr>
+        <p:spPr>
+          <a:xfrm>
+            <a:off x="5784151" y="4468120"/>
+            <a:ext cx="2017887" cy="1209697"/>
+          </a:xfrm>
+          <a:prstGeom prst="rect">
+            <a:avLst/>
+          </a:prstGeom>
+          <a:solidFill>
+            <a:schemeClr val="bg1"/>
+          </a:solidFill>
+        </p:spPr>
+        <p:style>
+          <a:lnRef idx="1">
+            <a:schemeClr val="accent1"/>
+          </a:lnRef>
+          <a:fillRef idx="3">
+            <a:schemeClr val="accent1"/>
+          </a:fillRef>
+          <a:effectRef idx="2">
+            <a:schemeClr val="accent1"/>
+          </a:effectRef>
+          <a:fontRef idx="minor">
+            <a:schemeClr val="lt1"/>
+          </a:fontRef>
+        </p:style>
+        <p:txBody>
+          <a:bodyPr rtlCol="0" anchor="ctr"/>
+          <a:lstStyle/>
+          <a:p>
+            <a:pPr algn="ctr"/>
+            <a:endParaRPr lang="en-US"/>
+          </a:p>
+        </p:txBody>
+      </p:sp>
+      <p:sp>
+        <p:nvSpPr>
+          <p:cNvPr id="32" name="TextBox 31"/>
           <p:cNvSpPr txBox="1"/>
           <p:nvPr/>
         </p:nvSpPr>
         <p:spPr>
           <a:xfrm>
-            <a:off x="5210526" y="1306497"/>
-            <a:ext cx="2539249" cy="461665"/>
+            <a:off x="6018388" y="4684697"/>
+            <a:ext cx="2539249" cy="830997"/>
           </a:xfrm>
           <a:prstGeom prst="rect">
             <a:avLst/>
@@ -23311,25 +23566,167 @@
           <a:p>
             <a:r>
               <a:rPr lang="en-US" sz="2400" dirty="0" smtClean="0"/>
-              <a:t>Authentication Key</a:t>
-            </a:r>
-          </a:p>
-        </p:txBody>
-      </p:sp>
-      <p:sp>
-        <p:nvSpPr>
-          <p:cNvPr id="37" name="Oval 36"/>
+              <a:t>Job Frontend Process</a:t>
+            </a:r>
+          </a:p>
+        </p:txBody>
+      </p:sp>
+      <p:sp>
+        <p:nvSpPr>
+          <p:cNvPr id="35" name="TextBox 34"/>
+          <p:cNvSpPr txBox="1"/>
+          <p:nvPr/>
+        </p:nvSpPr>
+        <p:spPr>
+          <a:xfrm>
+            <a:off x="6424788" y="3732197"/>
+            <a:ext cx="2539249" cy="461665"/>
+          </a:xfrm>
+          <a:prstGeom prst="rect">
+            <a:avLst/>
+          </a:prstGeom>
+          <a:noFill/>
+        </p:spPr>
+        <p:txBody>
+          <a:bodyPr wrap="square" rtlCol="0">
+            <a:spAutoFit/>
+          </a:bodyPr>
+          <a:lstStyle/>
+          <a:p>
+            <a:r>
+              <a:rPr lang="en-US" sz="2400" smtClean="0"/>
+              <a:t>User</a:t>
+            </a:r>
+            <a:r>
+              <a:rPr lang="en-US" sz="2400" smtClean="0"/>
+              <a:t> A’s </a:t>
+            </a:r>
+            <a:r>
+              <a:rPr lang="en-US" sz="2400" dirty="0" smtClean="0"/>
+              <a:t>Process</a:t>
+            </a:r>
+          </a:p>
+        </p:txBody>
+      </p:sp>
+      <p:sp>
+        <p:nvSpPr>
+          <p:cNvPr id="59" name="TextBox 58"/>
+          <p:cNvSpPr txBox="1"/>
+          <p:nvPr/>
+        </p:nvSpPr>
+        <p:spPr>
+          <a:xfrm>
+            <a:off x="3645658" y="4570069"/>
+            <a:ext cx="2860980" cy="830997"/>
+          </a:xfrm>
+          <a:prstGeom prst="rect">
+            <a:avLst/>
+          </a:prstGeom>
+          <a:noFill/>
+        </p:spPr>
+        <p:txBody>
+          <a:bodyPr wrap="square" rtlCol="0">
+            <a:spAutoFit/>
+          </a:bodyPr>
+          <a:lstStyle/>
+          <a:p>
+            <a:r>
+              <a:rPr lang="en-US" sz="2400" dirty="0" smtClean="0"/>
+              <a:t>         Spawn</a:t>
+            </a:r>
+          </a:p>
+          <a:p>
+            <a:endParaRPr lang="en-US" sz="2400" dirty="0"/>
+          </a:p>
+        </p:txBody>
+      </p:sp>
+      <p:sp>
+        <p:nvSpPr>
+          <p:cNvPr id="18" name="Rectangle 17"/>
           <p:cNvSpPr/>
           <p:nvPr/>
         </p:nvSpPr>
         <p:spPr>
           <a:xfrm>
-            <a:off x="5159726" y="3276600"/>
-            <a:ext cx="2539249" cy="1130300"/>
-          </a:xfrm>
-          <a:prstGeom prst="ellipse">
-            <a:avLst/>
-          </a:prstGeom>
+            <a:off x="4818951" y="1940821"/>
+            <a:ext cx="2017887" cy="678242"/>
+          </a:xfrm>
+          <a:prstGeom prst="rect">
+            <a:avLst/>
+          </a:prstGeom>
+          <a:solidFill>
+            <a:schemeClr val="bg1"/>
+          </a:solidFill>
+        </p:spPr>
+        <p:style>
+          <a:lnRef idx="1">
+            <a:schemeClr val="accent1"/>
+          </a:lnRef>
+          <a:fillRef idx="3">
+            <a:schemeClr val="accent1"/>
+          </a:fillRef>
+          <a:effectRef idx="2">
+            <a:schemeClr val="accent1"/>
+          </a:effectRef>
+          <a:fontRef idx="minor">
+            <a:schemeClr val="lt1"/>
+          </a:fontRef>
+        </p:style>
+        <p:txBody>
+          <a:bodyPr rtlCol="0" anchor="ctr"/>
+          <a:lstStyle/>
+          <a:p>
+            <a:pPr algn="ctr"/>
+            <a:endParaRPr lang="en-US"/>
+          </a:p>
+        </p:txBody>
+      </p:sp>
+      <p:sp>
+        <p:nvSpPr>
+          <p:cNvPr id="19" name="TextBox 18"/>
+          <p:cNvSpPr txBox="1"/>
+          <p:nvPr/>
+        </p:nvSpPr>
+        <p:spPr>
+          <a:xfrm>
+            <a:off x="5040488" y="2043097"/>
+            <a:ext cx="2539249" cy="461665"/>
+          </a:xfrm>
+          <a:prstGeom prst="rect">
+            <a:avLst/>
+          </a:prstGeom>
+          <a:noFill/>
+        </p:spPr>
+        <p:txBody>
+          <a:bodyPr wrap="square" rtlCol="0">
+            <a:spAutoFit/>
+          </a:bodyPr>
+          <a:lstStyle/>
+          <a:p>
+            <a:r>
+              <a:rPr lang="en-US" sz="2400" dirty="0" smtClean="0"/>
+              <a:t>SSH Agent</a:t>
+            </a:r>
+          </a:p>
+        </p:txBody>
+      </p:sp>
+      <p:sp>
+        <p:nvSpPr>
+          <p:cNvPr id="20" name="Rectangle 19"/>
+          <p:cNvSpPr/>
+          <p:nvPr/>
+        </p:nvSpPr>
+        <p:spPr>
+          <a:xfrm>
+            <a:off x="762000" y="3748145"/>
+            <a:ext cx="3238500" cy="2258955"/>
+          </a:xfrm>
+          <a:prstGeom prst="rect">
+            <a:avLst/>
+          </a:prstGeom>
+          <a:solidFill>
+            <a:schemeClr val="accent1"/>
+          </a:solidFill>
           <a:ln>
             <a:solidFill>
               <a:schemeClr val="tx1"/>
@@ -23361,13 +23758,54 @@
       </p:sp>
       <p:sp>
         <p:nvSpPr>
-          <p:cNvPr id="38" name="TextBox 37"/>
+          <p:cNvPr id="22" name="Rectangle 21"/>
+          <p:cNvSpPr/>
+          <p:nvPr/>
+        </p:nvSpPr>
+        <p:spPr>
+          <a:xfrm>
+            <a:off x="1059751" y="4480820"/>
+            <a:ext cx="2017887" cy="1209697"/>
+          </a:xfrm>
+          <a:prstGeom prst="rect">
+            <a:avLst/>
+          </a:prstGeom>
+          <a:solidFill>
+            <a:schemeClr val="bg1"/>
+          </a:solidFill>
+        </p:spPr>
+        <p:style>
+          <a:lnRef idx="1">
+            <a:schemeClr val="accent1"/>
+          </a:lnRef>
+          <a:fillRef idx="3">
+            <a:schemeClr val="accent1"/>
+          </a:fillRef>
+          <a:effectRef idx="2">
+            <a:schemeClr val="accent1"/>
+          </a:effectRef>
+          <a:fontRef idx="minor">
+            <a:schemeClr val="lt1"/>
+          </a:fontRef>
+        </p:style>
+        <p:txBody>
+          <a:bodyPr rtlCol="0" anchor="ctr"/>
+          <a:lstStyle/>
+          <a:p>
+            <a:pPr algn="ctr"/>
+            <a:endParaRPr lang="en-US"/>
+          </a:p>
+        </p:txBody>
+      </p:sp>
+      <p:sp>
+        <p:nvSpPr>
+          <p:cNvPr id="23" name="TextBox 22"/>
           <p:cNvSpPr txBox="1"/>
           <p:nvPr/>
         </p:nvSpPr>
         <p:spPr>
           <a:xfrm>
-            <a:off x="5502626" y="3538835"/>
+            <a:off x="1293988" y="4697397"/>
             <a:ext cx="2539249" cy="461665"/>
           </a:xfrm>
           <a:prstGeom prst="rect">
@@ -23383,22 +23821,50 @@
           <a:p>
             <a:r>
               <a:rPr lang="en-US" sz="2400" dirty="0" smtClean="0"/>
-              <a:t>HMAC-SHA-256</a:t>
-            </a:r>
-            <a:endParaRPr lang="en-US" sz="2400" dirty="0" smtClean="0"/>
+              <a:t>SSH Daemon</a:t>
+            </a:r>
+          </a:p>
+        </p:txBody>
+      </p:sp>
+      <p:sp>
+        <p:nvSpPr>
+          <p:cNvPr id="27" name="TextBox 26"/>
+          <p:cNvSpPr txBox="1"/>
+          <p:nvPr/>
+        </p:nvSpPr>
+        <p:spPr>
+          <a:xfrm>
+            <a:off x="900288" y="3694097"/>
+            <a:ext cx="2539249" cy="461665"/>
+          </a:xfrm>
+          <a:prstGeom prst="rect">
+            <a:avLst/>
+          </a:prstGeom>
+          <a:noFill/>
+        </p:spPr>
+        <p:txBody>
+          <a:bodyPr wrap="square" rtlCol="0">
+            <a:spAutoFit/>
+          </a:bodyPr>
+          <a:lstStyle/>
+          <a:p>
+            <a:r>
+              <a:rPr lang="en-US" sz="2400" dirty="0" smtClean="0"/>
+              <a:t>Root’s Process</a:t>
+            </a:r>
           </a:p>
         </p:txBody>
       </p:sp>
       <p:cxnSp>
         <p:nvCxnSpPr>
-          <p:cNvPr id="41" name="Straight Arrow Connector 40"/>
+          <p:cNvPr id="33" name="Straight Arrow Connector 32"/>
           <p:cNvCxnSpPr/>
           <p:nvPr/>
         </p:nvCxnSpPr>
         <p:spPr>
-          <a:xfrm rot="5400000">
-            <a:off x="-31778" y="3550472"/>
-            <a:ext cx="3163151" cy="794"/>
+          <a:xfrm rot="10800000" flipV="1">
+            <a:off x="3160888" y="2781301"/>
+            <a:ext cx="2857500" cy="2291667"/>
           </a:xfrm>
           <a:prstGeom prst="straightConnector1">
             <a:avLst/>
@@ -23425,282 +23891,51 @@
           </a:fontRef>
         </p:style>
       </p:cxnSp>
+      <p:sp>
+        <p:nvSpPr>
+          <p:cNvPr id="34" name="TextBox 33"/>
+          <p:cNvSpPr txBox="1"/>
+          <p:nvPr/>
+        </p:nvSpPr>
+        <p:spPr>
+          <a:xfrm rot="19260000">
+            <a:off x="3428551" y="3104047"/>
+            <a:ext cx="4419155" cy="830997"/>
+          </a:xfrm>
+          <a:prstGeom prst="rect">
+            <a:avLst/>
+          </a:prstGeom>
+          <a:noFill/>
+        </p:spPr>
+        <p:txBody>
+          <a:bodyPr wrap="square" lIns="0" rtlCol="0">
+            <a:spAutoFit/>
+          </a:bodyPr>
+          <a:lstStyle/>
+          <a:p>
+            <a:r>
+              <a:rPr lang="en-US" sz="2400" dirty="0" smtClean="0"/>
+              <a:t>         User A’s credential</a:t>
+            </a:r>
+          </a:p>
+          <a:p>
+            <a:endParaRPr lang="en-US" sz="2400" dirty="0"/>
+          </a:p>
+        </p:txBody>
+      </p:sp>
       <p:cxnSp>
         <p:nvCxnSpPr>
-          <p:cNvPr id="43" name="Straight Arrow Connector 42"/>
+          <p:cNvPr id="39" name="Straight Arrow Connector 38"/>
           <p:cNvCxnSpPr>
-            <a:stCxn id="30" idx="2"/>
-            <a:endCxn id="37" idx="0"/>
+            <a:stCxn id="22" idx="3"/>
+            <a:endCxn id="31" idx="1"/>
           </p:cNvCxnSpPr>
           <p:nvPr/>
         </p:nvCxnSpPr>
         <p:spPr>
-          <a:xfrm rot="16200000" flipH="1">
-            <a:off x="5773019" y="2620268"/>
-            <a:ext cx="1308100" cy="4563"/>
-          </a:xfrm>
-          <a:prstGeom prst="straightConnector1">
-            <a:avLst/>
-          </a:prstGeom>
-          <a:ln>
-            <a:solidFill>
-              <a:schemeClr val="tx1"/>
-            </a:solidFill>
-            <a:tailEnd type="arrow"/>
-          </a:ln>
-        </p:spPr>
-        <p:style>
-          <a:lnRef idx="2">
-            <a:schemeClr val="accent1"/>
-          </a:lnRef>
-          <a:fillRef idx="0">
-            <a:schemeClr val="accent1"/>
-          </a:fillRef>
-          <a:effectRef idx="1">
-            <a:schemeClr val="accent1"/>
-          </a:effectRef>
-          <a:fontRef idx="minor">
-            <a:schemeClr val="tx1"/>
-          </a:fontRef>
-        </p:style>
-      </p:cxnSp>
-      <p:cxnSp>
-        <p:nvCxnSpPr>
-          <p:cNvPr id="45" name="Straight Arrow Connector 44"/>
-          <p:cNvCxnSpPr/>
-          <p:nvPr/>
-        </p:nvCxnSpPr>
-        <p:spPr>
-          <a:xfrm rot="16200000" flipH="1">
-            <a:off x="2826147" y="2902347"/>
-            <a:ext cx="1878806" cy="12700"/>
-          </a:xfrm>
-          <a:prstGeom prst="straightConnector1">
-            <a:avLst/>
-          </a:prstGeom>
-          <a:ln>
-            <a:solidFill>
-              <a:schemeClr val="tx1"/>
-            </a:solidFill>
-            <a:tailEnd type="arrow"/>
-          </a:ln>
-        </p:spPr>
-        <p:style>
-          <a:lnRef idx="2">
-            <a:schemeClr val="accent1"/>
-          </a:lnRef>
-          <a:fillRef idx="0">
-            <a:schemeClr val="accent1"/>
-          </a:fillRef>
-          <a:effectRef idx="1">
-            <a:schemeClr val="accent1"/>
-          </a:effectRef>
-          <a:fontRef idx="minor">
-            <a:schemeClr val="tx1"/>
-          </a:fontRef>
-        </p:style>
-      </p:cxnSp>
-      <p:cxnSp>
-        <p:nvCxnSpPr>
-          <p:cNvPr id="48" name="Straight Arrow Connector 47"/>
-          <p:cNvCxnSpPr>
-            <a:endCxn id="37" idx="2"/>
-          </p:cNvCxnSpPr>
-          <p:nvPr/>
-        </p:nvCxnSpPr>
-        <p:spPr>
           <a:xfrm flipV="1">
-            <a:off x="3771900" y="3841750"/>
-            <a:ext cx="1387826" cy="6350"/>
-          </a:xfrm>
-          <a:prstGeom prst="straightConnector1">
-            <a:avLst/>
-          </a:prstGeom>
-          <a:ln>
-            <a:solidFill>
-              <a:schemeClr val="tx1"/>
-            </a:solidFill>
-            <a:tailEnd type="arrow"/>
-          </a:ln>
-        </p:spPr>
-        <p:style>
-          <a:lnRef idx="2">
-            <a:schemeClr val="accent1"/>
-          </a:lnRef>
-          <a:fillRef idx="0">
-            <a:schemeClr val="accent1"/>
-          </a:fillRef>
-          <a:effectRef idx="1">
-            <a:schemeClr val="accent1"/>
-          </a:effectRef>
-          <a:fontRef idx="minor">
-            <a:schemeClr val="tx1"/>
-          </a:fontRef>
-        </p:style>
-      </p:cxnSp>
-      <p:sp>
-        <p:nvSpPr>
-          <p:cNvPr id="49" name="Rectangle 48"/>
-          <p:cNvSpPr/>
-          <p:nvPr/>
-        </p:nvSpPr>
-        <p:spPr>
-          <a:xfrm>
-            <a:off x="1132463" y="5132445"/>
-            <a:ext cx="3238500" cy="747655"/>
-          </a:xfrm>
-          <a:prstGeom prst="rect">
-            <a:avLst/>
-          </a:prstGeom>
-          <a:solidFill>
-            <a:schemeClr val="accent1"/>
-          </a:solidFill>
-          <a:ln>
-            <a:solidFill>
-              <a:schemeClr val="tx1"/>
-            </a:solidFill>
-          </a:ln>
-        </p:spPr>
-        <p:style>
-          <a:lnRef idx="1">
-            <a:schemeClr val="accent1"/>
-          </a:lnRef>
-          <a:fillRef idx="3">
-            <a:schemeClr val="accent1"/>
-          </a:fillRef>
-          <a:effectRef idx="2">
-            <a:schemeClr val="accent1"/>
-          </a:effectRef>
-          <a:fontRef idx="minor">
-            <a:schemeClr val="lt1"/>
-          </a:fontRef>
-        </p:style>
-        <p:txBody>
-          <a:bodyPr rtlCol="0" anchor="ctr"/>
-          <a:lstStyle/>
-          <a:p>
-            <a:pPr algn="ctr"/>
-            <a:endParaRPr lang="en-US"/>
-          </a:p>
-        </p:txBody>
-      </p:sp>
-      <p:sp>
-        <p:nvSpPr>
-          <p:cNvPr id="50" name="TextBox 49"/>
-          <p:cNvSpPr txBox="1"/>
-          <p:nvPr/>
-        </p:nvSpPr>
-        <p:spPr>
-          <a:xfrm>
-            <a:off x="1931151" y="5205397"/>
-            <a:ext cx="2539249" cy="461665"/>
-          </a:xfrm>
-          <a:prstGeom prst="rect">
-            <a:avLst/>
-          </a:prstGeom>
-          <a:noFill/>
-        </p:spPr>
-        <p:txBody>
-          <a:bodyPr wrap="square" rtlCol="0">
-            <a:spAutoFit/>
-          </a:bodyPr>
-          <a:lstStyle/>
-          <a:p>
-            <a:r>
-              <a:rPr lang="en-US" sz="2400" dirty="0" smtClean="0"/>
-              <a:t>Message M</a:t>
-            </a:r>
-          </a:p>
-        </p:txBody>
-      </p:sp>
-      <p:sp>
-        <p:nvSpPr>
-          <p:cNvPr id="54" name="Rectangle 53"/>
-          <p:cNvSpPr/>
-          <p:nvPr/>
-        </p:nvSpPr>
-        <p:spPr>
-          <a:xfrm>
-            <a:off x="4810101" y="5132445"/>
-            <a:ext cx="3238500" cy="747655"/>
-          </a:xfrm>
-          <a:prstGeom prst="rect">
-            <a:avLst/>
-          </a:prstGeom>
-          <a:solidFill>
-            <a:schemeClr val="accent1"/>
-          </a:solidFill>
-          <a:ln>
-            <a:solidFill>
-              <a:schemeClr val="tx1"/>
-            </a:solidFill>
-          </a:ln>
-        </p:spPr>
-        <p:style>
-          <a:lnRef idx="1">
-            <a:schemeClr val="accent1"/>
-          </a:lnRef>
-          <a:fillRef idx="3">
-            <a:schemeClr val="accent1"/>
-          </a:fillRef>
-          <a:effectRef idx="2">
-            <a:schemeClr val="accent1"/>
-          </a:effectRef>
-          <a:fontRef idx="minor">
-            <a:schemeClr val="lt1"/>
-          </a:fontRef>
-        </p:style>
-        <p:txBody>
-          <a:bodyPr rtlCol="0" anchor="ctr"/>
-          <a:lstStyle/>
-          <a:p>
-            <a:pPr algn="ctr"/>
-            <a:endParaRPr lang="en-US"/>
-          </a:p>
-        </p:txBody>
-      </p:sp>
-      <p:sp>
-        <p:nvSpPr>
-          <p:cNvPr id="55" name="TextBox 54"/>
-          <p:cNvSpPr txBox="1"/>
-          <p:nvPr/>
-        </p:nvSpPr>
-        <p:spPr>
-          <a:xfrm>
-            <a:off x="5850089" y="5205397"/>
-            <a:ext cx="2539249" cy="461665"/>
-          </a:xfrm>
-          <a:prstGeom prst="rect">
-            <a:avLst/>
-          </a:prstGeom>
-          <a:noFill/>
-        </p:spPr>
-        <p:txBody>
-          <a:bodyPr wrap="square" rtlCol="0">
-            <a:spAutoFit/>
-          </a:bodyPr>
-          <a:lstStyle/>
-          <a:p>
-            <a:r>
-              <a:rPr lang="en-US" sz="2400" dirty="0" smtClean="0"/>
-              <a:t>HMAC(M)</a:t>
-            </a:r>
-          </a:p>
-        </p:txBody>
-      </p:sp>
-      <p:cxnSp>
-        <p:nvCxnSpPr>
-          <p:cNvPr id="57" name="Straight Arrow Connector 56"/>
-          <p:cNvCxnSpPr>
-            <a:stCxn id="37" idx="4"/>
-            <a:endCxn id="54" idx="0"/>
-          </p:cNvCxnSpPr>
-          <p:nvPr/>
-        </p:nvCxnSpPr>
-        <p:spPr>
-          <a:xfrm rot="5400000">
-            <a:off x="6066579" y="4769672"/>
-            <a:ext cx="725545" cy="1588"/>
+            <a:off x="3077638" y="5072969"/>
+            <a:ext cx="2706513" cy="12700"/>
           </a:xfrm>
           <a:prstGeom prst="straightConnector1">
             <a:avLst/>
@@ -23767,8 +24002,8 @@
         </p:nvSpPr>
         <p:spPr>
           <a:xfrm>
-            <a:off x="332363" y="3175001"/>
-            <a:ext cx="2575937" cy="2882900"/>
+            <a:off x="1132463" y="1220845"/>
+            <a:ext cx="3238500" cy="747655"/>
           </a:xfrm>
           <a:prstGeom prst="rect">
             <a:avLst/>
@@ -23813,8 +24048,8 @@
         </p:nvSpPr>
         <p:spPr>
           <a:xfrm>
-            <a:off x="3162300" y="4432929"/>
-            <a:ext cx="3491749" cy="461665"/>
+            <a:off x="1931151" y="1293797"/>
+            <a:ext cx="2539249" cy="461665"/>
           </a:xfrm>
           <a:prstGeom prst="rect">
             <a:avLst/>
@@ -23829,21 +24064,21 @@
           <a:p>
             <a:r>
               <a:rPr lang="en-US" sz="2400" dirty="0" smtClean="0"/>
-              <a:t>Channel</a:t>
-            </a:r>
-          </a:p>
-        </p:txBody>
-      </p:sp>
-      <p:sp>
-        <p:nvSpPr>
-          <p:cNvPr id="5" name="Rectangle 4"/>
+              <a:t>Message M</a:t>
+            </a:r>
+          </a:p>
+        </p:txBody>
+      </p:sp>
+      <p:sp>
+        <p:nvSpPr>
+          <p:cNvPr id="30" name="Rectangle 29"/>
           <p:cNvSpPr/>
           <p:nvPr/>
         </p:nvSpPr>
         <p:spPr>
           <a:xfrm>
-            <a:off x="6199763" y="3175001"/>
-            <a:ext cx="2575937" cy="2882899"/>
+            <a:off x="4805538" y="1220845"/>
+            <a:ext cx="3238500" cy="747655"/>
           </a:xfrm>
           <a:prstGeom prst="rect">
             <a:avLst/>
@@ -23882,14 +24117,14 @@
       </p:sp>
       <p:sp>
         <p:nvSpPr>
-          <p:cNvPr id="6" name="TextBox 5"/>
+          <p:cNvPr id="36" name="TextBox 35"/>
           <p:cNvSpPr txBox="1"/>
           <p:nvPr/>
         </p:nvSpPr>
         <p:spPr>
           <a:xfrm>
-            <a:off x="6122151" y="3162300"/>
-            <a:ext cx="3491749" cy="461665"/>
+            <a:off x="5210526" y="1306497"/>
+            <a:ext cx="2539249" cy="461665"/>
           </a:xfrm>
           <a:prstGeom prst="rect">
             <a:avLst/>
@@ -23904,30 +24139,25 @@
           <a:p>
             <a:r>
               <a:rPr lang="en-US" sz="2400" dirty="0" smtClean="0"/>
-              <a:t>Proxy</a:t>
-            </a:r>
-          </a:p>
-        </p:txBody>
-      </p:sp>
-      <p:sp>
-        <p:nvSpPr>
-          <p:cNvPr id="8" name="Rectangle 7"/>
+              <a:t>Authentication Key</a:t>
+            </a:r>
+          </a:p>
+        </p:txBody>
+      </p:sp>
+      <p:sp>
+        <p:nvSpPr>
+          <p:cNvPr id="37" name="Oval 36"/>
           <p:cNvSpPr/>
           <p:nvPr/>
         </p:nvSpPr>
         <p:spPr>
           <a:xfrm>
-            <a:off x="6211050" y="3202045"/>
-            <a:ext cx="1510549" cy="722255"/>
-          </a:xfrm>
-          <a:prstGeom prst="rect">
-            <a:avLst/>
-          </a:prstGeom>
-          <a:solidFill>
-            <a:schemeClr val="bg1">
-              <a:alpha val="0"/>
-            </a:schemeClr>
-          </a:solidFill>
+            <a:off x="5159726" y="3276600"/>
+            <a:ext cx="2539249" cy="1130300"/>
+          </a:xfrm>
+          <a:prstGeom prst="ellipse">
+            <a:avLst/>
+          </a:prstGeom>
           <a:ln>
             <a:solidFill>
               <a:schemeClr val="tx1"/>
@@ -23959,14 +24189,14 @@
       </p:sp>
       <p:sp>
         <p:nvSpPr>
-          <p:cNvPr id="9" name="TextBox 8"/>
+          <p:cNvPr id="38" name="TextBox 37"/>
           <p:cNvSpPr txBox="1"/>
           <p:nvPr/>
         </p:nvSpPr>
         <p:spPr>
           <a:xfrm>
-            <a:off x="7417551" y="5649897"/>
-            <a:ext cx="3491749" cy="461665"/>
+            <a:off x="5502626" y="3538835"/>
+            <a:ext cx="2539249" cy="461665"/>
           </a:xfrm>
           <a:prstGeom prst="rect">
             <a:avLst/>
@@ -23981,280 +24211,21 @@
           <a:p>
             <a:r>
               <a:rPr lang="en-US" sz="2400" dirty="0" smtClean="0"/>
-              <a:t>Object B</a:t>
-            </a:r>
-          </a:p>
-        </p:txBody>
-      </p:sp>
-      <p:sp>
-        <p:nvSpPr>
-          <p:cNvPr id="12" name="Rectangle 11"/>
-          <p:cNvSpPr/>
-          <p:nvPr/>
-        </p:nvSpPr>
-        <p:spPr>
-          <a:xfrm>
-            <a:off x="2908300" y="3202045"/>
-            <a:ext cx="3302750" cy="1649397"/>
-          </a:xfrm>
-          <a:prstGeom prst="rect">
-            <a:avLst/>
-          </a:prstGeom>
-          <a:solidFill>
-            <a:schemeClr val="bg1">
-              <a:lumMod val="95000"/>
-              <a:alpha val="0"/>
-            </a:schemeClr>
-          </a:solidFill>
-          <a:ln>
-            <a:solidFill>
-              <a:schemeClr val="tx1"/>
-            </a:solidFill>
-          </a:ln>
-        </p:spPr>
-        <p:style>
-          <a:lnRef idx="1">
-            <a:schemeClr val="accent1"/>
-          </a:lnRef>
-          <a:fillRef idx="3">
-            <a:schemeClr val="accent1"/>
-          </a:fillRef>
-          <a:effectRef idx="2">
-            <a:schemeClr val="accent1"/>
-          </a:effectRef>
-          <a:fontRef idx="minor">
-            <a:schemeClr val="lt1"/>
-          </a:fontRef>
-        </p:style>
-        <p:txBody>
-          <a:bodyPr rtlCol="0" anchor="ctr"/>
-          <a:lstStyle/>
-          <a:p>
-            <a:pPr algn="ctr"/>
-            <a:endParaRPr lang="en-US"/>
-          </a:p>
-        </p:txBody>
-      </p:sp>
-      <p:sp>
-        <p:nvSpPr>
-          <p:cNvPr id="13" name="TextBox 12"/>
-          <p:cNvSpPr txBox="1"/>
-          <p:nvPr/>
-        </p:nvSpPr>
-        <p:spPr>
-          <a:xfrm>
-            <a:off x="381751" y="5611797"/>
-            <a:ext cx="3491749" cy="461665"/>
-          </a:xfrm>
-          <a:prstGeom prst="rect">
-            <a:avLst/>
-          </a:prstGeom>
-          <a:noFill/>
-        </p:spPr>
-        <p:txBody>
-          <a:bodyPr wrap="square" rtlCol="0">
-            <a:spAutoFit/>
-          </a:bodyPr>
-          <a:lstStyle/>
-          <a:p>
-            <a:r>
-              <a:rPr lang="en-US" sz="2400" dirty="0" smtClean="0"/>
-              <a:t>Object A</a:t>
-            </a:r>
-          </a:p>
-        </p:txBody>
-      </p:sp>
-      <p:sp>
-        <p:nvSpPr>
-          <p:cNvPr id="14" name="TextBox 13"/>
-          <p:cNvSpPr txBox="1"/>
-          <p:nvPr/>
-        </p:nvSpPr>
-        <p:spPr>
-          <a:xfrm>
-            <a:off x="1752600" y="3100445"/>
-            <a:ext cx="3491749" cy="461665"/>
-          </a:xfrm>
-          <a:prstGeom prst="rect">
-            <a:avLst/>
-          </a:prstGeom>
-          <a:noFill/>
-        </p:spPr>
-        <p:txBody>
-          <a:bodyPr wrap="square" rtlCol="0">
-            <a:spAutoFit/>
-          </a:bodyPr>
-          <a:lstStyle/>
-          <a:p>
-            <a:r>
-              <a:rPr lang="en-US" sz="2400" dirty="0" smtClean="0"/>
-              <a:t>Receiver</a:t>
-            </a:r>
-          </a:p>
-        </p:txBody>
-      </p:sp>
-      <p:sp>
-        <p:nvSpPr>
-          <p:cNvPr id="15" name="Rectangle 14"/>
-          <p:cNvSpPr/>
-          <p:nvPr/>
-        </p:nvSpPr>
-        <p:spPr>
-          <a:xfrm>
-            <a:off x="1396999" y="3190990"/>
-            <a:ext cx="1510549" cy="722255"/>
-          </a:xfrm>
-          <a:prstGeom prst="rect">
-            <a:avLst/>
-          </a:prstGeom>
-          <a:solidFill>
-            <a:schemeClr val="bg1">
-              <a:alpha val="0"/>
-            </a:schemeClr>
-          </a:solidFill>
-          <a:ln>
-            <a:solidFill>
-              <a:schemeClr val="tx1"/>
-            </a:solidFill>
-          </a:ln>
-        </p:spPr>
-        <p:style>
-          <a:lnRef idx="1">
-            <a:schemeClr val="accent1"/>
-          </a:lnRef>
-          <a:fillRef idx="3">
-            <a:schemeClr val="accent1"/>
-          </a:fillRef>
-          <a:effectRef idx="2">
-            <a:schemeClr val="accent1"/>
-          </a:effectRef>
-          <a:fontRef idx="minor">
-            <a:schemeClr val="lt1"/>
-          </a:fontRef>
-        </p:style>
-        <p:txBody>
-          <a:bodyPr rtlCol="0" anchor="ctr"/>
-          <a:lstStyle/>
-          <a:p>
-            <a:pPr algn="ctr"/>
-            <a:endParaRPr lang="en-US"/>
-          </a:p>
-        </p:txBody>
-      </p:sp>
-      <p:sp>
-        <p:nvSpPr>
-          <p:cNvPr id="17" name="TextBox 16"/>
-          <p:cNvSpPr txBox="1"/>
-          <p:nvPr/>
-        </p:nvSpPr>
-        <p:spPr>
-          <a:xfrm>
-            <a:off x="6642851" y="4621197"/>
-            <a:ext cx="3491749" cy="461665"/>
-          </a:xfrm>
-          <a:prstGeom prst="rect">
-            <a:avLst/>
-          </a:prstGeom>
-          <a:noFill/>
-        </p:spPr>
-        <p:txBody>
-          <a:bodyPr wrap="square" rtlCol="0">
-            <a:spAutoFit/>
-          </a:bodyPr>
-          <a:lstStyle/>
-          <a:p>
-            <a:r>
-              <a:rPr lang="en-US" sz="2400" dirty="0" smtClean="0"/>
-              <a:t>Call A.m1()</a:t>
-            </a:r>
-          </a:p>
-        </p:txBody>
-      </p:sp>
-      <p:sp>
-        <p:nvSpPr>
-          <p:cNvPr id="18" name="Rectangle 17"/>
-          <p:cNvSpPr/>
-          <p:nvPr/>
-        </p:nvSpPr>
-        <p:spPr>
-          <a:xfrm>
-            <a:off x="3429000" y="3202045"/>
-            <a:ext cx="2247149" cy="876300"/>
-          </a:xfrm>
-          <a:prstGeom prst="rect">
-            <a:avLst/>
-          </a:prstGeom>
-          <a:ln>
-            <a:solidFill>
-              <a:schemeClr val="tx1"/>
-            </a:solidFill>
-          </a:ln>
-        </p:spPr>
-        <p:style>
-          <a:lnRef idx="1">
-            <a:schemeClr val="accent1"/>
-          </a:lnRef>
-          <a:fillRef idx="3">
-            <a:schemeClr val="accent1"/>
-          </a:fillRef>
-          <a:effectRef idx="2">
-            <a:schemeClr val="accent1"/>
-          </a:effectRef>
-          <a:fontRef idx="minor">
-            <a:schemeClr val="lt1"/>
-          </a:fontRef>
-        </p:style>
-        <p:txBody>
-          <a:bodyPr rtlCol="0" anchor="ctr"/>
-          <a:lstStyle/>
-          <a:p>
-            <a:pPr algn="ctr"/>
-            <a:endParaRPr lang="en-US"/>
-          </a:p>
-        </p:txBody>
-      </p:sp>
-      <p:sp>
-        <p:nvSpPr>
-          <p:cNvPr id="19" name="TextBox 18"/>
-          <p:cNvSpPr txBox="1"/>
-          <p:nvPr/>
-        </p:nvSpPr>
-        <p:spPr>
-          <a:xfrm>
-            <a:off x="3475566" y="3348948"/>
-            <a:ext cx="2383325" cy="830997"/>
-          </a:xfrm>
-          <a:prstGeom prst="rect">
-            <a:avLst/>
-          </a:prstGeom>
-          <a:noFill/>
-        </p:spPr>
-        <p:txBody>
-          <a:bodyPr wrap="square" rtlCol="0">
-            <a:spAutoFit/>
-          </a:bodyPr>
-          <a:lstStyle/>
-          <a:p>
-            <a:r>
-              <a:rPr lang="en-US" sz="2400" dirty="0" smtClean="0"/>
-              <a:t>Message (A,m1)</a:t>
-            </a:r>
-          </a:p>
-          <a:p>
-            <a:endParaRPr lang="en-US" sz="2400" dirty="0"/>
+              <a:t>HMAC-SHA-256</a:t>
+            </a:r>
           </a:p>
         </p:txBody>
       </p:sp>
       <p:cxnSp>
         <p:nvCxnSpPr>
-          <p:cNvPr id="21" name="Straight Arrow Connector 20"/>
+          <p:cNvPr id="41" name="Straight Arrow Connector 40"/>
           <p:cNvCxnSpPr/>
           <p:nvPr/>
         </p:nvCxnSpPr>
         <p:spPr>
-          <a:xfrm rot="10800000">
-            <a:off x="5676150" y="3627199"/>
-            <a:ext cx="775451" cy="3177"/>
+          <a:xfrm rot="5400000">
+            <a:off x="-31778" y="3550472"/>
+            <a:ext cx="3163151" cy="794"/>
           </a:xfrm>
           <a:prstGeom prst="straightConnector1">
             <a:avLst/>
@@ -24283,14 +24254,17 @@
       </p:cxnSp>
       <p:cxnSp>
         <p:nvCxnSpPr>
-          <p:cNvPr id="26" name="Straight Arrow Connector 25"/>
-          <p:cNvCxnSpPr/>
+          <p:cNvPr id="43" name="Straight Arrow Connector 42"/>
+          <p:cNvCxnSpPr>
+            <a:stCxn id="30" idx="2"/>
+            <a:endCxn id="37" idx="0"/>
+          </p:cNvCxnSpPr>
           <p:nvPr/>
         </p:nvCxnSpPr>
         <p:spPr>
-          <a:xfrm rot="10800000" flipV="1">
-            <a:off x="2578101" y="3630374"/>
-            <a:ext cx="846007" cy="2"/>
+          <a:xfrm rot="16200000" flipH="1">
+            <a:off x="5773019" y="2620268"/>
+            <a:ext cx="1308100" cy="4563"/>
           </a:xfrm>
           <a:prstGeom prst="straightConnector1">
             <a:avLst/>
@@ -24317,16 +24291,136 @@
           </a:fontRef>
         </p:style>
       </p:cxnSp>
-      <p:sp>
-        <p:nvSpPr>
-          <p:cNvPr id="29" name="TextBox 28"/>
+      <p:cxnSp>
+        <p:nvCxnSpPr>
+          <p:cNvPr id="45" name="Straight Arrow Connector 44"/>
+          <p:cNvCxnSpPr/>
+          <p:nvPr/>
+        </p:nvCxnSpPr>
+        <p:spPr>
+          <a:xfrm rot="16200000" flipH="1">
+            <a:off x="2826147" y="2902347"/>
+            <a:ext cx="1878806" cy="12700"/>
+          </a:xfrm>
+          <a:prstGeom prst="straightConnector1">
+            <a:avLst/>
+          </a:prstGeom>
+          <a:ln>
+            <a:solidFill>
+              <a:schemeClr val="tx1"/>
+            </a:solidFill>
+            <a:tailEnd type="arrow"/>
+          </a:ln>
+        </p:spPr>
+        <p:style>
+          <a:lnRef idx="2">
+            <a:schemeClr val="accent1"/>
+          </a:lnRef>
+          <a:fillRef idx="0">
+            <a:schemeClr val="accent1"/>
+          </a:fillRef>
+          <a:effectRef idx="1">
+            <a:schemeClr val="accent1"/>
+          </a:effectRef>
+          <a:fontRef idx="minor">
+            <a:schemeClr val="tx1"/>
+          </a:fontRef>
+        </p:style>
+      </p:cxnSp>
+      <p:cxnSp>
+        <p:nvCxnSpPr>
+          <p:cNvPr id="48" name="Straight Arrow Connector 47"/>
+          <p:cNvCxnSpPr>
+            <a:endCxn id="37" idx="2"/>
+          </p:cNvCxnSpPr>
+          <p:nvPr/>
+        </p:nvCxnSpPr>
+        <p:spPr>
+          <a:xfrm flipV="1">
+            <a:off x="3771900" y="3841750"/>
+            <a:ext cx="1387826" cy="6350"/>
+          </a:xfrm>
+          <a:prstGeom prst="straightConnector1">
+            <a:avLst/>
+          </a:prstGeom>
+          <a:ln>
+            <a:solidFill>
+              <a:schemeClr val="tx1"/>
+            </a:solidFill>
+            <a:tailEnd type="arrow"/>
+          </a:ln>
+        </p:spPr>
+        <p:style>
+          <a:lnRef idx="2">
+            <a:schemeClr val="accent1"/>
+          </a:lnRef>
+          <a:fillRef idx="0">
+            <a:schemeClr val="accent1"/>
+          </a:fillRef>
+          <a:effectRef idx="1">
+            <a:schemeClr val="accent1"/>
+          </a:effectRef>
+          <a:fontRef idx="minor">
+            <a:schemeClr val="tx1"/>
+          </a:fontRef>
+        </p:style>
+      </p:cxnSp>
+      <p:sp>
+        <p:nvSpPr>
+          <p:cNvPr id="49" name="Rectangle 48"/>
+          <p:cNvSpPr/>
+          <p:nvPr/>
+        </p:nvSpPr>
+        <p:spPr>
+          <a:xfrm>
+            <a:off x="1132463" y="5132445"/>
+            <a:ext cx="3238500" cy="747655"/>
+          </a:xfrm>
+          <a:prstGeom prst="rect">
+            <a:avLst/>
+          </a:prstGeom>
+          <a:solidFill>
+            <a:schemeClr val="accent1"/>
+          </a:solidFill>
+          <a:ln>
+            <a:solidFill>
+              <a:schemeClr val="tx1"/>
+            </a:solidFill>
+          </a:ln>
+        </p:spPr>
+        <p:style>
+          <a:lnRef idx="1">
+            <a:schemeClr val="accent1"/>
+          </a:lnRef>
+          <a:fillRef idx="3">
+            <a:schemeClr val="accent1"/>
+          </a:fillRef>
+          <a:effectRef idx="2">
+            <a:schemeClr val="accent1"/>
+          </a:effectRef>
+          <a:fontRef idx="minor">
+            <a:schemeClr val="lt1"/>
+          </a:fontRef>
+        </p:style>
+        <p:txBody>
+          <a:bodyPr rtlCol="0" anchor="ctr"/>
+          <a:lstStyle/>
+          <a:p>
+            <a:pPr algn="ctr"/>
+            <a:endParaRPr lang="en-US"/>
+          </a:p>
+        </p:txBody>
+      </p:sp>
+      <p:sp>
+        <p:nvSpPr>
+          <p:cNvPr id="50" name="TextBox 49"/>
           <p:cNvSpPr txBox="1"/>
           <p:nvPr/>
         </p:nvSpPr>
         <p:spPr>
           <a:xfrm>
-            <a:off x="675263" y="4318629"/>
-            <a:ext cx="3491749" cy="1200328"/>
+            <a:off x="1931151" y="5205397"/>
+            <a:ext cx="2539249" cy="461665"/>
           </a:xfrm>
           <a:prstGeom prst="rect">
             <a:avLst/>
@@ -24341,33 +24435,99 @@
           <a:p>
             <a:r>
               <a:rPr lang="en-US" sz="2400" dirty="0" smtClean="0"/>
-              <a:t>m1(){</a:t>
-            </a:r>
-          </a:p>
+              <a:t>Message M</a:t>
+            </a:r>
+          </a:p>
+        </p:txBody>
+      </p:sp>
+      <p:sp>
+        <p:nvSpPr>
+          <p:cNvPr id="54" name="Rectangle 53"/>
+          <p:cNvSpPr/>
+          <p:nvPr/>
+        </p:nvSpPr>
+        <p:spPr>
+          <a:xfrm>
+            <a:off x="4810101" y="5132445"/>
+            <a:ext cx="3238500" cy="747655"/>
+          </a:xfrm>
+          <a:prstGeom prst="rect">
+            <a:avLst/>
+          </a:prstGeom>
+          <a:solidFill>
+            <a:schemeClr val="accent1"/>
+          </a:solidFill>
+          <a:ln>
+            <a:solidFill>
+              <a:schemeClr val="tx1"/>
+            </a:solidFill>
+          </a:ln>
+        </p:spPr>
+        <p:style>
+          <a:lnRef idx="1">
+            <a:schemeClr val="accent1"/>
+          </a:lnRef>
+          <a:fillRef idx="3">
+            <a:schemeClr val="accent1"/>
+          </a:fillRef>
+          <a:effectRef idx="2">
+            <a:schemeClr val="accent1"/>
+          </a:effectRef>
+          <a:fontRef idx="minor">
+            <a:schemeClr val="lt1"/>
+          </a:fontRef>
+        </p:style>
+        <p:txBody>
+          <a:bodyPr rtlCol="0" anchor="ctr"/>
+          <a:lstStyle/>
+          <a:p>
+            <a:pPr algn="ctr"/>
+            <a:endParaRPr lang="en-US"/>
+          </a:p>
+        </p:txBody>
+      </p:sp>
+      <p:sp>
+        <p:nvSpPr>
+          <p:cNvPr id="55" name="TextBox 54"/>
+          <p:cNvSpPr txBox="1"/>
+          <p:nvPr/>
+        </p:nvSpPr>
+        <p:spPr>
+          <a:xfrm>
+            <a:off x="5850089" y="5205397"/>
+            <a:ext cx="2539249" cy="461665"/>
+          </a:xfrm>
+          <a:prstGeom prst="rect">
+            <a:avLst/>
+          </a:prstGeom>
+          <a:noFill/>
+        </p:spPr>
+        <p:txBody>
+          <a:bodyPr wrap="square" rtlCol="0">
+            <a:spAutoFit/>
+          </a:bodyPr>
+          <a:lstStyle/>
           <a:p>
             <a:r>
               <a:rPr lang="en-US" sz="2400" dirty="0" smtClean="0"/>
-              <a:t>…</a:t>
-            </a:r>
-          </a:p>
-          <a:p>
-            <a:r>
-              <a:rPr lang="en-US" sz="2400" dirty="0" smtClean="0"/>
-              <a:t>}</a:t>
+              <a:t>HMAC(M)</a:t>
             </a:r>
           </a:p>
         </p:txBody>
       </p:sp>
       <p:cxnSp>
         <p:nvCxnSpPr>
-          <p:cNvPr id="31" name="Straight Arrow Connector 30"/>
-          <p:cNvCxnSpPr/>
+          <p:cNvPr id="57" name="Straight Arrow Connector 56"/>
+          <p:cNvCxnSpPr>
+            <a:stCxn id="37" idx="4"/>
+            <a:endCxn id="54" idx="0"/>
+          </p:cNvCxnSpPr>
           <p:nvPr/>
         </p:nvCxnSpPr>
         <p:spPr>
           <a:xfrm rot="5400000">
-            <a:off x="1211624" y="3637953"/>
-            <a:ext cx="688252" cy="673100"/>
+            <a:off x="6066579" y="4769672"/>
+            <a:ext cx="725545" cy="1588"/>
           </a:xfrm>
           <a:prstGeom prst="straightConnector1">
             <a:avLst/>
@@ -24428,6 +24588,673 @@
       </p:grpSpPr>
       <p:sp>
         <p:nvSpPr>
+          <p:cNvPr id="63" name="Rectangle 62"/>
+          <p:cNvSpPr/>
+          <p:nvPr/>
+        </p:nvSpPr>
+        <p:spPr>
+          <a:xfrm>
+            <a:off x="332363" y="3175001"/>
+            <a:ext cx="2575937" cy="2882900"/>
+          </a:xfrm>
+          <a:prstGeom prst="rect">
+            <a:avLst/>
+          </a:prstGeom>
+          <a:solidFill>
+            <a:schemeClr val="accent1"/>
+          </a:solidFill>
+          <a:ln>
+            <a:solidFill>
+              <a:schemeClr val="tx1"/>
+            </a:solidFill>
+          </a:ln>
+        </p:spPr>
+        <p:style>
+          <a:lnRef idx="1">
+            <a:schemeClr val="accent1"/>
+          </a:lnRef>
+          <a:fillRef idx="3">
+            <a:schemeClr val="accent1"/>
+          </a:fillRef>
+          <a:effectRef idx="2">
+            <a:schemeClr val="accent1"/>
+          </a:effectRef>
+          <a:fontRef idx="minor">
+            <a:schemeClr val="lt1"/>
+          </a:fontRef>
+        </p:style>
+        <p:txBody>
+          <a:bodyPr rtlCol="0" anchor="ctr"/>
+          <a:lstStyle/>
+          <a:p>
+            <a:pPr algn="ctr"/>
+            <a:endParaRPr lang="en-US"/>
+          </a:p>
+        </p:txBody>
+      </p:sp>
+      <p:sp>
+        <p:nvSpPr>
+          <p:cNvPr id="24" name="TextBox 23"/>
+          <p:cNvSpPr txBox="1"/>
+          <p:nvPr/>
+        </p:nvSpPr>
+        <p:spPr>
+          <a:xfrm>
+            <a:off x="3162300" y="4432929"/>
+            <a:ext cx="3491749" cy="461665"/>
+          </a:xfrm>
+          <a:prstGeom prst="rect">
+            <a:avLst/>
+          </a:prstGeom>
+          <a:noFill/>
+        </p:spPr>
+        <p:txBody>
+          <a:bodyPr wrap="square" rtlCol="0">
+            <a:spAutoFit/>
+          </a:bodyPr>
+          <a:lstStyle/>
+          <a:p>
+            <a:r>
+              <a:rPr lang="en-US" sz="2400" dirty="0" smtClean="0"/>
+              <a:t>Channel</a:t>
+            </a:r>
+          </a:p>
+        </p:txBody>
+      </p:sp>
+      <p:sp>
+        <p:nvSpPr>
+          <p:cNvPr id="5" name="Rectangle 4"/>
+          <p:cNvSpPr/>
+          <p:nvPr/>
+        </p:nvSpPr>
+        <p:spPr>
+          <a:xfrm>
+            <a:off x="6199763" y="3175001"/>
+            <a:ext cx="2575937" cy="2882899"/>
+          </a:xfrm>
+          <a:prstGeom prst="rect">
+            <a:avLst/>
+          </a:prstGeom>
+          <a:solidFill>
+            <a:schemeClr val="accent1"/>
+          </a:solidFill>
+          <a:ln>
+            <a:solidFill>
+              <a:schemeClr val="tx1"/>
+            </a:solidFill>
+          </a:ln>
+        </p:spPr>
+        <p:style>
+          <a:lnRef idx="1">
+            <a:schemeClr val="accent1"/>
+          </a:lnRef>
+          <a:fillRef idx="3">
+            <a:schemeClr val="accent1"/>
+          </a:fillRef>
+          <a:effectRef idx="2">
+            <a:schemeClr val="accent1"/>
+          </a:effectRef>
+          <a:fontRef idx="minor">
+            <a:schemeClr val="lt1"/>
+          </a:fontRef>
+        </p:style>
+        <p:txBody>
+          <a:bodyPr rtlCol="0" anchor="ctr"/>
+          <a:lstStyle/>
+          <a:p>
+            <a:pPr algn="ctr"/>
+            <a:endParaRPr lang="en-US"/>
+          </a:p>
+        </p:txBody>
+      </p:sp>
+      <p:sp>
+        <p:nvSpPr>
+          <p:cNvPr id="6" name="TextBox 5"/>
+          <p:cNvSpPr txBox="1"/>
+          <p:nvPr/>
+        </p:nvSpPr>
+        <p:spPr>
+          <a:xfrm>
+            <a:off x="6122151" y="3162300"/>
+            <a:ext cx="3491749" cy="461665"/>
+          </a:xfrm>
+          <a:prstGeom prst="rect">
+            <a:avLst/>
+          </a:prstGeom>
+          <a:noFill/>
+        </p:spPr>
+        <p:txBody>
+          <a:bodyPr wrap="square" rtlCol="0">
+            <a:spAutoFit/>
+          </a:bodyPr>
+          <a:lstStyle/>
+          <a:p>
+            <a:r>
+              <a:rPr lang="en-US" sz="2400" dirty="0" smtClean="0"/>
+              <a:t>Proxy</a:t>
+            </a:r>
+          </a:p>
+        </p:txBody>
+      </p:sp>
+      <p:sp>
+        <p:nvSpPr>
+          <p:cNvPr id="8" name="Rectangle 7"/>
+          <p:cNvSpPr/>
+          <p:nvPr/>
+        </p:nvSpPr>
+        <p:spPr>
+          <a:xfrm>
+            <a:off x="6211050" y="3202045"/>
+            <a:ext cx="1510549" cy="722255"/>
+          </a:xfrm>
+          <a:prstGeom prst="rect">
+            <a:avLst/>
+          </a:prstGeom>
+          <a:solidFill>
+            <a:schemeClr val="bg1">
+              <a:alpha val="0"/>
+            </a:schemeClr>
+          </a:solidFill>
+          <a:ln>
+            <a:solidFill>
+              <a:schemeClr val="tx1"/>
+            </a:solidFill>
+          </a:ln>
+        </p:spPr>
+        <p:style>
+          <a:lnRef idx="1">
+            <a:schemeClr val="accent1"/>
+          </a:lnRef>
+          <a:fillRef idx="3">
+            <a:schemeClr val="accent1"/>
+          </a:fillRef>
+          <a:effectRef idx="2">
+            <a:schemeClr val="accent1"/>
+          </a:effectRef>
+          <a:fontRef idx="minor">
+            <a:schemeClr val="lt1"/>
+          </a:fontRef>
+        </p:style>
+        <p:txBody>
+          <a:bodyPr rtlCol="0" anchor="ctr"/>
+          <a:lstStyle/>
+          <a:p>
+            <a:pPr algn="ctr"/>
+            <a:endParaRPr lang="en-US"/>
+          </a:p>
+        </p:txBody>
+      </p:sp>
+      <p:sp>
+        <p:nvSpPr>
+          <p:cNvPr id="9" name="TextBox 8"/>
+          <p:cNvSpPr txBox="1"/>
+          <p:nvPr/>
+        </p:nvSpPr>
+        <p:spPr>
+          <a:xfrm>
+            <a:off x="7417551" y="5649897"/>
+            <a:ext cx="3491749" cy="461665"/>
+          </a:xfrm>
+          <a:prstGeom prst="rect">
+            <a:avLst/>
+          </a:prstGeom>
+          <a:noFill/>
+        </p:spPr>
+        <p:txBody>
+          <a:bodyPr wrap="square" rtlCol="0">
+            <a:spAutoFit/>
+          </a:bodyPr>
+          <a:lstStyle/>
+          <a:p>
+            <a:r>
+              <a:rPr lang="en-US" sz="2400" dirty="0" smtClean="0"/>
+              <a:t>Object B</a:t>
+            </a:r>
+          </a:p>
+        </p:txBody>
+      </p:sp>
+      <p:sp>
+        <p:nvSpPr>
+          <p:cNvPr id="12" name="Rectangle 11"/>
+          <p:cNvSpPr/>
+          <p:nvPr/>
+        </p:nvSpPr>
+        <p:spPr>
+          <a:xfrm>
+            <a:off x="2908300" y="3202045"/>
+            <a:ext cx="3302750" cy="1649397"/>
+          </a:xfrm>
+          <a:prstGeom prst="rect">
+            <a:avLst/>
+          </a:prstGeom>
+          <a:solidFill>
+            <a:schemeClr val="bg1">
+              <a:lumMod val="95000"/>
+              <a:alpha val="0"/>
+            </a:schemeClr>
+          </a:solidFill>
+          <a:ln>
+            <a:solidFill>
+              <a:schemeClr val="tx1"/>
+            </a:solidFill>
+          </a:ln>
+        </p:spPr>
+        <p:style>
+          <a:lnRef idx="1">
+            <a:schemeClr val="accent1"/>
+          </a:lnRef>
+          <a:fillRef idx="3">
+            <a:schemeClr val="accent1"/>
+          </a:fillRef>
+          <a:effectRef idx="2">
+            <a:schemeClr val="accent1"/>
+          </a:effectRef>
+          <a:fontRef idx="minor">
+            <a:schemeClr val="lt1"/>
+          </a:fontRef>
+        </p:style>
+        <p:txBody>
+          <a:bodyPr rtlCol="0" anchor="ctr"/>
+          <a:lstStyle/>
+          <a:p>
+            <a:pPr algn="ctr"/>
+            <a:endParaRPr lang="en-US"/>
+          </a:p>
+        </p:txBody>
+      </p:sp>
+      <p:sp>
+        <p:nvSpPr>
+          <p:cNvPr id="13" name="TextBox 12"/>
+          <p:cNvSpPr txBox="1"/>
+          <p:nvPr/>
+        </p:nvSpPr>
+        <p:spPr>
+          <a:xfrm>
+            <a:off x="381751" y="5611797"/>
+            <a:ext cx="3491749" cy="461665"/>
+          </a:xfrm>
+          <a:prstGeom prst="rect">
+            <a:avLst/>
+          </a:prstGeom>
+          <a:noFill/>
+        </p:spPr>
+        <p:txBody>
+          <a:bodyPr wrap="square" rtlCol="0">
+            <a:spAutoFit/>
+          </a:bodyPr>
+          <a:lstStyle/>
+          <a:p>
+            <a:r>
+              <a:rPr lang="en-US" sz="2400" dirty="0" smtClean="0"/>
+              <a:t>Object A</a:t>
+            </a:r>
+          </a:p>
+        </p:txBody>
+      </p:sp>
+      <p:sp>
+        <p:nvSpPr>
+          <p:cNvPr id="14" name="TextBox 13"/>
+          <p:cNvSpPr txBox="1"/>
+          <p:nvPr/>
+        </p:nvSpPr>
+        <p:spPr>
+          <a:xfrm>
+            <a:off x="1752600" y="3100445"/>
+            <a:ext cx="3491749" cy="461665"/>
+          </a:xfrm>
+          <a:prstGeom prst="rect">
+            <a:avLst/>
+          </a:prstGeom>
+          <a:noFill/>
+        </p:spPr>
+        <p:txBody>
+          <a:bodyPr wrap="square" rtlCol="0">
+            <a:spAutoFit/>
+          </a:bodyPr>
+          <a:lstStyle/>
+          <a:p>
+            <a:r>
+              <a:rPr lang="en-US" sz="2400" dirty="0" smtClean="0"/>
+              <a:t>Receiver</a:t>
+            </a:r>
+          </a:p>
+        </p:txBody>
+      </p:sp>
+      <p:sp>
+        <p:nvSpPr>
+          <p:cNvPr id="15" name="Rectangle 14"/>
+          <p:cNvSpPr/>
+          <p:nvPr/>
+        </p:nvSpPr>
+        <p:spPr>
+          <a:xfrm>
+            <a:off x="1396999" y="3190990"/>
+            <a:ext cx="1510549" cy="722255"/>
+          </a:xfrm>
+          <a:prstGeom prst="rect">
+            <a:avLst/>
+          </a:prstGeom>
+          <a:solidFill>
+            <a:schemeClr val="bg1">
+              <a:alpha val="0"/>
+            </a:schemeClr>
+          </a:solidFill>
+          <a:ln>
+            <a:solidFill>
+              <a:schemeClr val="tx1"/>
+            </a:solidFill>
+          </a:ln>
+        </p:spPr>
+        <p:style>
+          <a:lnRef idx="1">
+            <a:schemeClr val="accent1"/>
+          </a:lnRef>
+          <a:fillRef idx="3">
+            <a:schemeClr val="accent1"/>
+          </a:fillRef>
+          <a:effectRef idx="2">
+            <a:schemeClr val="accent1"/>
+          </a:effectRef>
+          <a:fontRef idx="minor">
+            <a:schemeClr val="lt1"/>
+          </a:fontRef>
+        </p:style>
+        <p:txBody>
+          <a:bodyPr rtlCol="0" anchor="ctr"/>
+          <a:lstStyle/>
+          <a:p>
+            <a:pPr algn="ctr"/>
+            <a:endParaRPr lang="en-US"/>
+          </a:p>
+        </p:txBody>
+      </p:sp>
+      <p:sp>
+        <p:nvSpPr>
+          <p:cNvPr id="17" name="TextBox 16"/>
+          <p:cNvSpPr txBox="1"/>
+          <p:nvPr/>
+        </p:nvSpPr>
+        <p:spPr>
+          <a:xfrm>
+            <a:off x="6642851" y="4621197"/>
+            <a:ext cx="3491749" cy="461665"/>
+          </a:xfrm>
+          <a:prstGeom prst="rect">
+            <a:avLst/>
+          </a:prstGeom>
+          <a:noFill/>
+        </p:spPr>
+        <p:txBody>
+          <a:bodyPr wrap="square" rtlCol="0">
+            <a:spAutoFit/>
+          </a:bodyPr>
+          <a:lstStyle/>
+          <a:p>
+            <a:r>
+              <a:rPr lang="en-US" sz="2400" dirty="0" smtClean="0"/>
+              <a:t>Call A.m1()</a:t>
+            </a:r>
+          </a:p>
+        </p:txBody>
+      </p:sp>
+      <p:sp>
+        <p:nvSpPr>
+          <p:cNvPr id="18" name="Rectangle 17"/>
+          <p:cNvSpPr/>
+          <p:nvPr/>
+        </p:nvSpPr>
+        <p:spPr>
+          <a:xfrm>
+            <a:off x="3429000" y="3202045"/>
+            <a:ext cx="2247149" cy="876300"/>
+          </a:xfrm>
+          <a:prstGeom prst="rect">
+            <a:avLst/>
+          </a:prstGeom>
+          <a:ln>
+            <a:solidFill>
+              <a:schemeClr val="tx1"/>
+            </a:solidFill>
+          </a:ln>
+        </p:spPr>
+        <p:style>
+          <a:lnRef idx="1">
+            <a:schemeClr val="accent1"/>
+          </a:lnRef>
+          <a:fillRef idx="3">
+            <a:schemeClr val="accent1"/>
+          </a:fillRef>
+          <a:effectRef idx="2">
+            <a:schemeClr val="accent1"/>
+          </a:effectRef>
+          <a:fontRef idx="minor">
+            <a:schemeClr val="lt1"/>
+          </a:fontRef>
+        </p:style>
+        <p:txBody>
+          <a:bodyPr rtlCol="0" anchor="ctr"/>
+          <a:lstStyle/>
+          <a:p>
+            <a:pPr algn="ctr"/>
+            <a:endParaRPr lang="en-US"/>
+          </a:p>
+        </p:txBody>
+      </p:sp>
+      <p:sp>
+        <p:nvSpPr>
+          <p:cNvPr id="19" name="TextBox 18"/>
+          <p:cNvSpPr txBox="1"/>
+          <p:nvPr/>
+        </p:nvSpPr>
+        <p:spPr>
+          <a:xfrm>
+            <a:off x="3475566" y="3348948"/>
+            <a:ext cx="2383325" cy="830997"/>
+          </a:xfrm>
+          <a:prstGeom prst="rect">
+            <a:avLst/>
+          </a:prstGeom>
+          <a:noFill/>
+        </p:spPr>
+        <p:txBody>
+          <a:bodyPr wrap="square" rtlCol="0">
+            <a:spAutoFit/>
+          </a:bodyPr>
+          <a:lstStyle/>
+          <a:p>
+            <a:r>
+              <a:rPr lang="en-US" sz="2400" dirty="0" smtClean="0"/>
+              <a:t>Message (A,m1)</a:t>
+            </a:r>
+          </a:p>
+          <a:p>
+            <a:endParaRPr lang="en-US" sz="2400" dirty="0"/>
+          </a:p>
+        </p:txBody>
+      </p:sp>
+      <p:cxnSp>
+        <p:nvCxnSpPr>
+          <p:cNvPr id="21" name="Straight Arrow Connector 20"/>
+          <p:cNvCxnSpPr/>
+          <p:nvPr/>
+        </p:nvCxnSpPr>
+        <p:spPr>
+          <a:xfrm rot="10800000">
+            <a:off x="5676150" y="3627199"/>
+            <a:ext cx="775451" cy="3177"/>
+          </a:xfrm>
+          <a:prstGeom prst="straightConnector1">
+            <a:avLst/>
+          </a:prstGeom>
+          <a:ln>
+            <a:solidFill>
+              <a:schemeClr val="tx1"/>
+            </a:solidFill>
+            <a:tailEnd type="arrow"/>
+          </a:ln>
+        </p:spPr>
+        <p:style>
+          <a:lnRef idx="2">
+            <a:schemeClr val="accent1"/>
+          </a:lnRef>
+          <a:fillRef idx="0">
+            <a:schemeClr val="accent1"/>
+          </a:fillRef>
+          <a:effectRef idx="1">
+            <a:schemeClr val="accent1"/>
+          </a:effectRef>
+          <a:fontRef idx="minor">
+            <a:schemeClr val="tx1"/>
+          </a:fontRef>
+        </p:style>
+      </p:cxnSp>
+      <p:cxnSp>
+        <p:nvCxnSpPr>
+          <p:cNvPr id="26" name="Straight Arrow Connector 25"/>
+          <p:cNvCxnSpPr/>
+          <p:nvPr/>
+        </p:nvCxnSpPr>
+        <p:spPr>
+          <a:xfrm rot="10800000" flipV="1">
+            <a:off x="2578101" y="3630374"/>
+            <a:ext cx="846007" cy="2"/>
+          </a:xfrm>
+          <a:prstGeom prst="straightConnector1">
+            <a:avLst/>
+          </a:prstGeom>
+          <a:ln>
+            <a:solidFill>
+              <a:schemeClr val="tx1"/>
+            </a:solidFill>
+            <a:tailEnd type="arrow"/>
+          </a:ln>
+        </p:spPr>
+        <p:style>
+          <a:lnRef idx="2">
+            <a:schemeClr val="accent1"/>
+          </a:lnRef>
+          <a:fillRef idx="0">
+            <a:schemeClr val="accent1"/>
+          </a:fillRef>
+          <a:effectRef idx="1">
+            <a:schemeClr val="accent1"/>
+          </a:effectRef>
+          <a:fontRef idx="minor">
+            <a:schemeClr val="tx1"/>
+          </a:fontRef>
+        </p:style>
+      </p:cxnSp>
+      <p:sp>
+        <p:nvSpPr>
+          <p:cNvPr id="29" name="TextBox 28"/>
+          <p:cNvSpPr txBox="1"/>
+          <p:nvPr/>
+        </p:nvSpPr>
+        <p:spPr>
+          <a:xfrm>
+            <a:off x="675263" y="4318629"/>
+            <a:ext cx="3491749" cy="1200328"/>
+          </a:xfrm>
+          <a:prstGeom prst="rect">
+            <a:avLst/>
+          </a:prstGeom>
+          <a:noFill/>
+        </p:spPr>
+        <p:txBody>
+          <a:bodyPr wrap="square" rtlCol="0">
+            <a:spAutoFit/>
+          </a:bodyPr>
+          <a:lstStyle/>
+          <a:p>
+            <a:r>
+              <a:rPr lang="en-US" sz="2400" dirty="0" smtClean="0"/>
+              <a:t>m1(){</a:t>
+            </a:r>
+          </a:p>
+          <a:p>
+            <a:r>
+              <a:rPr lang="en-US" sz="2400" dirty="0" smtClean="0"/>
+              <a:t>…</a:t>
+            </a:r>
+          </a:p>
+          <a:p>
+            <a:r>
+              <a:rPr lang="en-US" sz="2400" dirty="0" smtClean="0"/>
+              <a:t>}</a:t>
+            </a:r>
+          </a:p>
+        </p:txBody>
+      </p:sp>
+      <p:cxnSp>
+        <p:nvCxnSpPr>
+          <p:cNvPr id="31" name="Straight Arrow Connector 30"/>
+          <p:cNvCxnSpPr/>
+          <p:nvPr/>
+        </p:nvCxnSpPr>
+        <p:spPr>
+          <a:xfrm rot="5400000">
+            <a:off x="1211624" y="3637953"/>
+            <a:ext cx="688252" cy="673100"/>
+          </a:xfrm>
+          <a:prstGeom prst="straightConnector1">
+            <a:avLst/>
+          </a:prstGeom>
+          <a:ln>
+            <a:solidFill>
+              <a:schemeClr val="tx1"/>
+            </a:solidFill>
+            <a:tailEnd type="arrow"/>
+          </a:ln>
+        </p:spPr>
+        <p:style>
+          <a:lnRef idx="2">
+            <a:schemeClr val="accent1"/>
+          </a:lnRef>
+          <a:fillRef idx="0">
+            <a:schemeClr val="accent1"/>
+          </a:fillRef>
+          <a:effectRef idx="1">
+            <a:schemeClr val="accent1"/>
+          </a:effectRef>
+          <a:fontRef idx="minor">
+            <a:schemeClr val="tx1"/>
+          </a:fontRef>
+        </p:style>
+      </p:cxnSp>
+    </p:spTree>
+  </p:cSld>
+  <p:clrMapOvr>
+    <a:masterClrMapping/>
+  </p:clrMapOvr>
+  <p:timing>
+    <p:tnLst>
+      <p:par>
+        <p:cTn id="1" dur="indefinite" restart="never" nodeType="tmRoot"/>
+      </p:par>
+    </p:tnLst>
+  </p:timing>
+</p:sld>
+</file>
+
+<file path=ppt/slides/slide27.xml><?xml version="1.0" encoding="utf-8"?>
+<p:sld xmlns:a="http://schemas.openxmlformats.org/drawingml/2006/main" xmlns:r="http://schemas.openxmlformats.org/officeDocument/2006/relationships" xmlns:mc="http://schemas.openxmlformats.org/markup-compatibility/2006" xmlns:mv="urn:schemas-microsoft-com:mac:vml" xmlns:p="http://schemas.openxmlformats.org/presentationml/2006/main" mc:Ignorable="mv" mc:PreserveAttributes="mv:*">
+  <p:cSld>
+    <p:spTree>
+      <p:nvGrpSpPr>
+        <p:cNvPr id="1" name=""/>
+        <p:cNvGrpSpPr/>
+        <p:nvPr/>
+      </p:nvGrpSpPr>
+      <p:grpSpPr>
+        <a:xfrm>
+          <a:off x="0" y="0"/>
+          <a:ext cx="0" cy="0"/>
+          <a:chOff x="0" y="0"/>
+          <a:chExt cx="0" cy="0"/>
+        </a:xfrm>
+      </p:grpSpPr>
+      <p:sp>
+        <p:nvSpPr>
           <p:cNvPr id="4" name="Rectangle 3"/>
           <p:cNvSpPr/>
           <p:nvPr/>
@@ -30901,7 +31728,7 @@
           <a:p>
             <a:r>
               <a:rPr lang="en-US" dirty="0" smtClean="0"/>
-              <a:t>Authenticate (random number B, Hash String A)</a:t>
+              <a:t>Authenticate (random number B, MAC1)</a:t>
             </a:r>
             <a:endParaRPr lang="en-US" dirty="0"/>
           </a:p>
@@ -31032,7 +31859,7 @@
           <a:p>
             <a:r>
               <a:rPr lang="en-US" dirty="0" smtClean="0"/>
-              <a:t>Authenticate ( Hash String B, Job execution parameter)</a:t>
+              <a:t>Authenticate ( MAC3, Job execution parameter)</a:t>
             </a:r>
             <a:endParaRPr lang="en-US" dirty="0"/>
           </a:p>
